--- a/document/成果発表会資料.pptx
+++ b/document/成果発表会資料.pptx
@@ -19,6 +19,7 @@
     <p:sldId id="264" r:id="rId14"/>
     <p:sldId id="265" r:id="rId15"/>
     <p:sldId id="266" r:id="rId16"/>
+    <p:sldId id="267" r:id="rId17"/>
   </p:sldIdLst>
   <p:sldSz cy="5143500" cx="9144000"/>
   <p:notesSz cx="6858000" cy="9144000"/>
@@ -800,7 +801,7 @@
   <p:cSld>
     <p:spTree>
       <p:nvGrpSpPr>
-        <p:cNvPr id="136" name="Shape 136"/>
+        <p:cNvPr id="142" name="Shape 142"/>
         <p:cNvGrpSpPr/>
         <p:nvPr/>
       </p:nvGrpSpPr>
@@ -814,7 +815,7 @@
       </p:grpSpPr>
       <p:sp>
         <p:nvSpPr>
-          <p:cNvPr id="137" name="Google Shape;137;g2e842f42f01_1_1182:notes"/>
+          <p:cNvPr id="143" name="Google Shape;143;g2e842f42f01_1_1167:notes"/>
           <p:cNvSpPr/>
           <p:nvPr>
             <p:ph idx="2" type="sldImg"/>
@@ -849,7 +850,7 @@
       </p:sp>
       <p:sp>
         <p:nvSpPr>
-          <p:cNvPr id="138" name="Google Shape;138;g2e842f42f01_1_1182:notes"/>
+          <p:cNvPr id="144" name="Google Shape;144;g2e842f42f01_1_1167:notes"/>
           <p:cNvSpPr txBox="1"/>
           <p:nvPr>
             <p:ph idx="1" type="body"/>
@@ -899,7 +900,7 @@
   <p:cSld>
     <p:spTree>
       <p:nvGrpSpPr>
-        <p:cNvPr id="142" name="Shape 142"/>
+        <p:cNvPr id="148" name="Shape 148"/>
         <p:cNvGrpSpPr/>
         <p:nvPr/>
       </p:nvGrpSpPr>
@@ -913,7 +914,7 @@
       </p:grpSpPr>
       <p:sp>
         <p:nvSpPr>
-          <p:cNvPr id="143" name="Google Shape;143;g2e842f42f01_1_1187:notes"/>
+          <p:cNvPr id="149" name="Google Shape;149;g2e842f42f01_1_1182:notes"/>
           <p:cNvSpPr/>
           <p:nvPr>
             <p:ph idx="2" type="sldImg"/>
@@ -948,7 +949,106 @@
       </p:sp>
       <p:sp>
         <p:nvSpPr>
-          <p:cNvPr id="144" name="Google Shape;144;g2e842f42f01_1_1187:notes"/>
+          <p:cNvPr id="150" name="Google Shape;150;g2e842f42f01_1_1182:notes"/>
+          <p:cNvSpPr txBox="1"/>
+          <p:nvPr>
+            <p:ph idx="1" type="body"/>
+          </p:nvPr>
+        </p:nvSpPr>
+        <p:spPr>
+          <a:xfrm>
+            <a:off x="685800" y="4343400"/>
+            <a:ext cx="5486400" cy="4114800"/>
+          </a:xfrm>
+          <a:prstGeom prst="rect">
+            <a:avLst/>
+          </a:prstGeom>
+        </p:spPr>
+        <p:txBody>
+          <a:bodyPr anchorCtr="0" anchor="t" bIns="91425" lIns="91425" spcFirstLastPara="1" rIns="91425" wrap="square" tIns="91425">
+            <a:noAutofit/>
+          </a:bodyPr>
+          <a:lstStyle/>
+          <a:p>
+            <a:pPr indent="0" lvl="0" marL="0" rtl="0" algn="l">
+              <a:spcBef>
+                <a:spcPts val="0"/>
+              </a:spcBef>
+              <a:spcAft>
+                <a:spcPts val="0"/>
+              </a:spcAft>
+              <a:buNone/>
+            </a:pPr>
+            <a:r>
+              <a:t/>
+            </a:r>
+            <a:endParaRPr/>
+          </a:p>
+        </p:txBody>
+      </p:sp>
+    </p:spTree>
+  </p:cSld>
+  <p:clrMapOvr>
+    <a:masterClrMapping/>
+  </p:clrMapOvr>
+</p:notes>
+</file>
+
+<file path=ppt/notesSlides/notesSlide12.xml><?xml version="1.0" encoding="utf-8"?>
+<p:notes xmlns:a="http://schemas.openxmlformats.org/drawingml/2006/main" xmlns:r="http://schemas.openxmlformats.org/officeDocument/2006/relationships" xmlns:mc="http://schemas.openxmlformats.org/markup-compatibility/2006" xmlns:mv="urn:schemas-microsoft-com:mac:vml" xmlns:p="http://schemas.openxmlformats.org/presentationml/2006/main" xmlns:c="http://schemas.openxmlformats.org/drawingml/2006/chart" xmlns:dgm="http://schemas.openxmlformats.org/drawingml/2006/diagram" xmlns:o="urn:schemas-microsoft-com:office:office" xmlns:v="urn:schemas-microsoft-com:vml" xmlns:pvml="urn:schemas-microsoft-com:office:powerpoint" xmlns:com="http://schemas.openxmlformats.org/drawingml/2006/compatibility" xmlns:p14="http://schemas.microsoft.com/office/powerpoint/2010/main" xmlns:p15="http://schemas.microsoft.com/office/powerpoint/2012/main" xmlns:ahyp="http://schemas.microsoft.com/office/drawing/2018/hyperlinkcolor" showMasterPhAnim="0" showMasterSp="0">
+  <p:cSld>
+    <p:spTree>
+      <p:nvGrpSpPr>
+        <p:cNvPr id="154" name="Shape 154"/>
+        <p:cNvGrpSpPr/>
+        <p:nvPr/>
+      </p:nvGrpSpPr>
+      <p:grpSpPr>
+        <a:xfrm>
+          <a:off x="0" y="0"/>
+          <a:ext cx="0" cy="0"/>
+          <a:chOff x="0" y="0"/>
+          <a:chExt cx="0" cy="0"/>
+        </a:xfrm>
+      </p:grpSpPr>
+      <p:sp>
+        <p:nvSpPr>
+          <p:cNvPr id="155" name="Google Shape;155;g2e842f42f01_1_1187:notes"/>
+          <p:cNvSpPr/>
+          <p:nvPr>
+            <p:ph idx="2" type="sldImg"/>
+          </p:nvPr>
+        </p:nvSpPr>
+        <p:spPr>
+          <a:xfrm>
+            <a:off x="381300" y="685800"/>
+            <a:ext cx="6096000" cy="3429000"/>
+          </a:xfrm>
+          <a:custGeom>
+            <a:rect b="b" l="l" r="r" t="t"/>
+            <a:pathLst>
+              <a:path extrusionOk="0" h="120000" w="120000">
+                <a:moveTo>
+                  <a:pt x="0" y="0"/>
+                </a:moveTo>
+                <a:lnTo>
+                  <a:pt x="120000" y="0"/>
+                </a:lnTo>
+                <a:lnTo>
+                  <a:pt x="120000" y="120000"/>
+                </a:lnTo>
+                <a:lnTo>
+                  <a:pt x="0" y="120000"/>
+                </a:lnTo>
+                <a:close/>
+              </a:path>
+            </a:pathLst>
+          </a:custGeom>
+        </p:spPr>
+      </p:sp>
+      <p:sp>
+        <p:nvSpPr>
+          <p:cNvPr id="156" name="Google Shape;156;g2e842f42f01_1_1187:notes"/>
           <p:cNvSpPr txBox="1"/>
           <p:nvPr>
             <p:ph idx="1" type="body"/>
@@ -1097,7 +1197,7 @@
   <p:cSld>
     <p:spTree>
       <p:nvGrpSpPr>
-        <p:cNvPr id="94" name="Shape 94"/>
+        <p:cNvPr id="95" name="Shape 95"/>
         <p:cNvGrpSpPr/>
         <p:nvPr/>
       </p:nvGrpSpPr>
@@ -1111,7 +1211,7 @@
       </p:grpSpPr>
       <p:sp>
         <p:nvSpPr>
-          <p:cNvPr id="95" name="Google Shape;95;g274a85f512f_4_0:notes"/>
+          <p:cNvPr id="96" name="Google Shape;96;g2e842f42f01_10_3:notes"/>
           <p:cNvSpPr/>
           <p:nvPr>
             <p:ph idx="2" type="sldImg"/>
@@ -1146,7 +1246,7 @@
       </p:sp>
       <p:sp>
         <p:nvSpPr>
-          <p:cNvPr id="96" name="Google Shape;96;g274a85f512f_4_0:notes"/>
+          <p:cNvPr id="97" name="Google Shape;97;g2e842f42f01_10_3:notes"/>
           <p:cNvSpPr txBox="1"/>
           <p:nvPr>
             <p:ph idx="1" type="body"/>
@@ -1196,7 +1296,7 @@
   <p:cSld>
     <p:spTree>
       <p:nvGrpSpPr>
-        <p:cNvPr id="100" name="Shape 100"/>
+        <p:cNvPr id="103" name="Shape 103"/>
         <p:cNvGrpSpPr/>
         <p:nvPr/>
       </p:nvGrpSpPr>
@@ -1210,7 +1310,7 @@
       </p:grpSpPr>
       <p:sp>
         <p:nvSpPr>
-          <p:cNvPr id="101" name="Google Shape;101;g2e842f42f01_1_1172:notes"/>
+          <p:cNvPr id="104" name="Google Shape;104;g2e842f42f01_1_1172:notes"/>
           <p:cNvSpPr/>
           <p:nvPr>
             <p:ph idx="2" type="sldImg"/>
@@ -1245,7 +1345,7 @@
       </p:sp>
       <p:sp>
         <p:nvSpPr>
-          <p:cNvPr id="102" name="Google Shape;102;g2e842f42f01_1_1172:notes"/>
+          <p:cNvPr id="105" name="Google Shape;105;g2e842f42f01_1_1172:notes"/>
           <p:cNvSpPr txBox="1"/>
           <p:nvPr>
             <p:ph idx="1" type="body"/>
@@ -1295,7 +1395,7 @@
   <p:cSld>
     <p:spTree>
       <p:nvGrpSpPr>
-        <p:cNvPr id="106" name="Shape 106"/>
+        <p:cNvPr id="110" name="Shape 110"/>
         <p:cNvGrpSpPr/>
         <p:nvPr/>
       </p:nvGrpSpPr>
@@ -1309,7 +1409,7 @@
       </p:grpSpPr>
       <p:sp>
         <p:nvSpPr>
-          <p:cNvPr id="107" name="Google Shape;107;g2e842f42f01_1_1147:notes"/>
+          <p:cNvPr id="111" name="Google Shape;111;g2e842f42f01_10_11:notes"/>
           <p:cNvSpPr/>
           <p:nvPr>
             <p:ph idx="2" type="sldImg"/>
@@ -1344,7 +1444,7 @@
       </p:sp>
       <p:sp>
         <p:nvSpPr>
-          <p:cNvPr id="108" name="Google Shape;108;g2e842f42f01_1_1147:notes"/>
+          <p:cNvPr id="112" name="Google Shape;112;g2e842f42f01_10_11:notes"/>
           <p:cNvSpPr txBox="1"/>
           <p:nvPr>
             <p:ph idx="1" type="body"/>
@@ -1394,7 +1494,7 @@
   <p:cSld>
     <p:spTree>
       <p:nvGrpSpPr>
-        <p:cNvPr id="112" name="Shape 112"/>
+        <p:cNvPr id="117" name="Shape 117"/>
         <p:cNvGrpSpPr/>
         <p:nvPr/>
       </p:nvGrpSpPr>
@@ -1408,7 +1508,7 @@
       </p:grpSpPr>
       <p:sp>
         <p:nvSpPr>
-          <p:cNvPr id="113" name="Google Shape;113;g2e842f42f01_1_1152:notes"/>
+          <p:cNvPr id="118" name="Google Shape;118;g2e842f42f01_1_1152:notes"/>
           <p:cNvSpPr/>
           <p:nvPr>
             <p:ph idx="2" type="sldImg"/>
@@ -1443,7 +1543,7 @@
       </p:sp>
       <p:sp>
         <p:nvSpPr>
-          <p:cNvPr id="114" name="Google Shape;114;g2e842f42f01_1_1152:notes"/>
+          <p:cNvPr id="119" name="Google Shape;119;g2e842f42f01_1_1152:notes"/>
           <p:cNvSpPr txBox="1"/>
           <p:nvPr>
             <p:ph idx="1" type="body"/>
@@ -1493,7 +1593,7 @@
   <p:cSld>
     <p:spTree>
       <p:nvGrpSpPr>
-        <p:cNvPr id="118" name="Shape 118"/>
+        <p:cNvPr id="123" name="Shape 123"/>
         <p:cNvGrpSpPr/>
         <p:nvPr/>
       </p:nvGrpSpPr>
@@ -1507,7 +1607,7 @@
       </p:grpSpPr>
       <p:sp>
         <p:nvSpPr>
-          <p:cNvPr id="119" name="Google Shape;119;g2e842f42f01_1_1157:notes"/>
+          <p:cNvPr id="124" name="Google Shape;124;g2e842f42f01_1_1157:notes"/>
           <p:cNvSpPr/>
           <p:nvPr>
             <p:ph idx="2" type="sldImg"/>
@@ -1542,7 +1642,7 @@
       </p:sp>
       <p:sp>
         <p:nvSpPr>
-          <p:cNvPr id="120" name="Google Shape;120;g2e842f42f01_1_1157:notes"/>
+          <p:cNvPr id="125" name="Google Shape;125;g2e842f42f01_1_1157:notes"/>
           <p:cNvSpPr txBox="1"/>
           <p:nvPr>
             <p:ph idx="1" type="body"/>
@@ -1592,7 +1692,7 @@
   <p:cSld>
     <p:spTree>
       <p:nvGrpSpPr>
-        <p:cNvPr id="124" name="Shape 124"/>
+        <p:cNvPr id="129" name="Shape 129"/>
         <p:cNvGrpSpPr/>
         <p:nvPr/>
       </p:nvGrpSpPr>
@@ -1606,7 +1706,7 @@
       </p:grpSpPr>
       <p:sp>
         <p:nvSpPr>
-          <p:cNvPr id="125" name="Google Shape;125;g2e842f42f01_1_1162:notes"/>
+          <p:cNvPr id="130" name="Google Shape;130;g2e842f42f01_1_1197:notes"/>
           <p:cNvSpPr/>
           <p:nvPr>
             <p:ph idx="2" type="sldImg"/>
@@ -1641,7 +1741,7 @@
       </p:sp>
       <p:sp>
         <p:nvSpPr>
-          <p:cNvPr id="126" name="Google Shape;126;g2e842f42f01_1_1162:notes"/>
+          <p:cNvPr id="131" name="Google Shape;131;g2e842f42f01_1_1197:notes"/>
           <p:cNvSpPr txBox="1"/>
           <p:nvPr>
             <p:ph idx="1" type="body"/>
@@ -1691,7 +1791,7 @@
   <p:cSld>
     <p:spTree>
       <p:nvGrpSpPr>
-        <p:cNvPr id="130" name="Shape 130"/>
+        <p:cNvPr id="136" name="Shape 136"/>
         <p:cNvGrpSpPr/>
         <p:nvPr/>
       </p:nvGrpSpPr>
@@ -1705,7 +1805,7 @@
       </p:grpSpPr>
       <p:sp>
         <p:nvSpPr>
-          <p:cNvPr id="131" name="Google Shape;131;g2e842f42f01_1_1167:notes"/>
+          <p:cNvPr id="137" name="Google Shape;137;g2e842f42f01_1_1162:notes"/>
           <p:cNvSpPr/>
           <p:nvPr>
             <p:ph idx="2" type="sldImg"/>
@@ -1740,7 +1840,7 @@
       </p:sp>
       <p:sp>
         <p:nvSpPr>
-          <p:cNvPr id="132" name="Google Shape;132;g2e842f42f01_1_1167:notes"/>
+          <p:cNvPr id="138" name="Google Shape;138;g2e842f42f01_1_1162:notes"/>
           <p:cNvSpPr txBox="1"/>
           <p:nvPr>
             <p:ph idx="1" type="body"/>
@@ -8139,7 +8239,7 @@
             </a:pPr>
             <a:r>
               <a:rPr lang="ja"/>
-              <a:t>宿予約システムNomcnc</a:t>
+              <a:t>宿予約システム Nomucnc</a:t>
             </a:r>
             <a:endParaRPr/>
           </a:p>
@@ -8155,8 +8255,8 @@
         </p:nvSpPr>
         <p:spPr>
           <a:xfrm>
-            <a:off x="729627" y="3172900"/>
-            <a:ext cx="7688100" cy="541200"/>
+            <a:off x="727950" y="3200275"/>
+            <a:ext cx="7688100" cy="1013100"/>
           </a:xfrm>
           <a:prstGeom prst="rect">
             <a:avLst/>
@@ -8164,7 +8264,7 @@
         </p:spPr>
         <p:txBody>
           <a:bodyPr anchorCtr="0" anchor="t" bIns="91425" lIns="91425" spcFirstLastPara="1" rIns="91425" wrap="square" tIns="91425">
-            <a:normAutofit fontScale="85000" lnSpcReduction="20000"/>
+            <a:normAutofit/>
           </a:bodyPr>
           <a:lstStyle/>
           <a:p>
@@ -8195,6 +8295,22 @@
             </a:pPr>
             <a:r>
               <a:t/>
+            </a:r>
+            <a:endParaRPr/>
+          </a:p>
+          <a:p>
+            <a:pPr indent="0" lvl="0" marL="0" rtl="0" algn="l">
+              <a:spcBef>
+                <a:spcPts val="0"/>
+              </a:spcBef>
+              <a:spcAft>
+                <a:spcPts val="0"/>
+              </a:spcAft>
+              <a:buNone/>
+            </a:pPr>
+            <a:r>
+              <a:rPr lang="ja"/>
+              <a:t>高瀬・坂本・田口・山中</a:t>
             </a:r>
             <a:endParaRPr/>
           </a:p>
@@ -8213,7 +8329,7 @@
   <p:cSld>
     <p:spTree>
       <p:nvGrpSpPr>
-        <p:cNvPr id="139" name="Shape 139"/>
+        <p:cNvPr id="145" name="Shape 145"/>
         <p:cNvGrpSpPr/>
         <p:nvPr/>
       </p:nvGrpSpPr>
@@ -8227,7 +8343,7 @@
       </p:grpSpPr>
       <p:sp>
         <p:nvSpPr>
-          <p:cNvPr id="140" name="Google Shape;140;p22"/>
+          <p:cNvPr id="146" name="Google Shape;146;p22"/>
           <p:cNvSpPr txBox="1"/>
           <p:nvPr>
             <p:ph type="title"/>
@@ -8259,7 +8375,7 @@
             </a:pPr>
             <a:r>
               <a:rPr lang="ja"/>
-              <a:t>個人の振り返り：田口(テクニカルリーダー)</a:t>
+              <a:t>個人の振り返り：坂本(DBリーダー)</a:t>
             </a:r>
             <a:endParaRPr/>
           </a:p>
@@ -8267,7 +8383,7 @@
       </p:sp>
       <p:sp>
         <p:nvSpPr>
-          <p:cNvPr id="141" name="Google Shape;141;p22"/>
+          <p:cNvPr id="147" name="Google Shape;147;p22"/>
           <p:cNvSpPr txBox="1"/>
           <p:nvPr>
             <p:ph idx="1" type="body"/>
@@ -8275,8 +8391,8 @@
         </p:nvSpPr>
         <p:spPr>
           <a:xfrm>
-            <a:off x="729450" y="2078875"/>
-            <a:ext cx="7688700" cy="2261100"/>
+            <a:off x="496900" y="1853850"/>
+            <a:ext cx="7688700" cy="2610000"/>
           </a:xfrm>
           <a:prstGeom prst="rect">
             <a:avLst/>
@@ -8284,7 +8400,7 @@
         </p:spPr>
         <p:txBody>
           <a:bodyPr anchorCtr="0" anchor="t" bIns="91425" lIns="91425" spcFirstLastPara="1" rIns="91425" wrap="square" tIns="91425">
-            <a:normAutofit/>
+            <a:noAutofit/>
           </a:bodyPr>
           <a:lstStyle/>
           <a:p>
@@ -8293,14 +8409,82 @@
                 <a:spcPts val="0"/>
               </a:spcBef>
               <a:spcAft>
-                <a:spcPts val="1200"/>
+                <a:spcPts val="0"/>
               </a:spcAft>
               <a:buNone/>
             </a:pPr>
             <a:r>
-              <a:t/>
+              <a:rPr lang="ja" sz="1500"/>
+              <a:t>学んだ点</a:t>
             </a:r>
-            <a:endParaRPr/>
+            <a:endParaRPr sz="1500"/>
+          </a:p>
+          <a:p>
+            <a:pPr indent="-323850" lvl="0" marL="457200" rtl="0" algn="l">
+              <a:spcBef>
+                <a:spcPts val="1200"/>
+              </a:spcBef>
+              <a:spcAft>
+                <a:spcPts val="0"/>
+              </a:spcAft>
+              <a:buSzPts val="1500"/>
+              <a:buChar char="●"/>
+            </a:pPr>
+            <a:r>
+              <a:rPr lang="ja" sz="1500"/>
+              <a:t>チーム開発における役割分担の重要性：事前の設計やコミュニケージョンが開発でのトラブルを減らす大きな要因となることが分かりました。</a:t>
+            </a:r>
+            <a:endParaRPr sz="1500"/>
+          </a:p>
+          <a:p>
+            <a:pPr indent="-323850" lvl="0" marL="457200" rtl="0" algn="l">
+              <a:spcBef>
+                <a:spcPts val="0"/>
+              </a:spcBef>
+              <a:spcAft>
+                <a:spcPts val="0"/>
+              </a:spcAft>
+              <a:buSzPts val="1500"/>
+              <a:buChar char="●"/>
+            </a:pPr>
+            <a:r>
+              <a:rPr lang="ja" sz="1500"/>
+              <a:t>フロントエンドとバックエンドの両開発の流れ：データベースから抽出した要素がどうバックからフロントに遷移するのか一連の流れを実践から理解することができました。</a:t>
+            </a:r>
+            <a:endParaRPr sz="1500"/>
+          </a:p>
+          <a:p>
+            <a:pPr indent="0" lvl="0" marL="0" rtl="0" algn="l">
+              <a:spcBef>
+                <a:spcPts val="1200"/>
+              </a:spcBef>
+              <a:spcAft>
+                <a:spcPts val="0"/>
+              </a:spcAft>
+              <a:buNone/>
+            </a:pPr>
+            <a:r>
+              <a:rPr lang="ja" sz="1500"/>
+              <a:t>意気込み</a:t>
+            </a:r>
+            <a:endParaRPr sz="1500"/>
+          </a:p>
+          <a:p>
+            <a:pPr indent="-323850" lvl="0" marL="457200" rtl="0" algn="l">
+              <a:spcBef>
+                <a:spcPts val="1200"/>
+              </a:spcBef>
+              <a:spcAft>
+                <a:spcPts val="0"/>
+              </a:spcAft>
+              <a:buSzPts val="1500"/>
+              <a:buChar char="●"/>
+            </a:pPr>
+            <a:r>
+              <a:rPr lang="ja" sz="1500"/>
+              <a:t>部署ではシステム、webページも取り扱っているので今回の経験を活用し、高度な業務レベルまで持っていけるよう学習を続けていきたいです。</a:t>
+            </a:r>
+            <a:endParaRPr sz="1500"/>
           </a:p>
         </p:txBody>
       </p:sp>
@@ -8317,7 +8501,7 @@
   <p:cSld>
     <p:spTree>
       <p:nvGrpSpPr>
-        <p:cNvPr id="145" name="Shape 145"/>
+        <p:cNvPr id="151" name="Shape 151"/>
         <p:cNvGrpSpPr/>
         <p:nvPr/>
       </p:nvGrpSpPr>
@@ -8331,7 +8515,7 @@
       </p:grpSpPr>
       <p:sp>
         <p:nvSpPr>
-          <p:cNvPr id="146" name="Google Shape;146;p23"/>
+          <p:cNvPr id="152" name="Google Shape;152;p23"/>
           <p:cNvSpPr txBox="1"/>
           <p:nvPr>
             <p:ph type="title"/>
@@ -8363,7 +8547,7 @@
             </a:pPr>
             <a:r>
               <a:rPr lang="ja"/>
-              <a:t>個人の振り返り：山中(プロジェクトリーダー)</a:t>
+              <a:t>個人の振り返り：田口(テクニカルリーダー)</a:t>
             </a:r>
             <a:endParaRPr/>
           </a:p>
@@ -8371,7 +8555,7 @@
       </p:sp>
       <p:sp>
         <p:nvSpPr>
-          <p:cNvPr id="147" name="Google Shape;147;p23"/>
+          <p:cNvPr id="153" name="Google Shape;153;p23"/>
           <p:cNvSpPr txBox="1"/>
           <p:nvPr>
             <p:ph idx="1" type="body"/>
@@ -8388,23 +8572,280 @@
         </p:spPr>
         <p:txBody>
           <a:bodyPr anchorCtr="0" anchor="t" bIns="91425" lIns="91425" spcFirstLastPara="1" rIns="91425" wrap="square" tIns="91425">
-            <a:normAutofit/>
+            <a:noAutofit/>
           </a:bodyPr>
           <a:lstStyle/>
           <a:p>
             <a:pPr indent="0" lvl="0" marL="0" rtl="0" algn="l">
-              <a:spcBef>
-                <a:spcPts val="0"/>
-              </a:spcBef>
-              <a:spcAft>
-                <a:spcPts val="1200"/>
-              </a:spcAft>
+              <a:lnSpc>
+                <a:spcPct val="105000"/>
+              </a:lnSpc>
+              <a:spcBef>
+                <a:spcPts val="0"/>
+              </a:spcBef>
+              <a:spcAft>
+                <a:spcPts val="0"/>
+              </a:spcAft>
+              <a:buSzPts val="1018"/>
               <a:buNone/>
             </a:pPr>
             <a:r>
-              <a:t/>
+              <a:rPr lang="ja" sz="1500"/>
+              <a:t>感じた事</a:t>
+            </a:r>
+            <a:endParaRPr sz="1500"/>
+          </a:p>
+          <a:p>
+            <a:pPr indent="-323850" lvl="0" marL="457200" rtl="0" algn="l">
+              <a:lnSpc>
+                <a:spcPct val="105000"/>
+              </a:lnSpc>
+              <a:spcBef>
+                <a:spcPts val="1200"/>
+              </a:spcBef>
+              <a:spcAft>
+                <a:spcPts val="0"/>
+              </a:spcAft>
+              <a:buSzPts val="1500"/>
+              <a:buChar char="●"/>
+            </a:pPr>
+            <a:r>
+              <a:rPr lang="ja" sz="1500"/>
+              <a:t>要件定義を綿密に行うことが作業開始後の効率に反映されると感じました。</a:t>
+            </a:r>
+            <a:endParaRPr sz="1500"/>
+          </a:p>
+          <a:p>
+            <a:pPr indent="-323850" lvl="0" marL="457200" rtl="0" algn="l">
+              <a:lnSpc>
+                <a:spcPct val="105000"/>
+              </a:lnSpc>
+              <a:spcBef>
+                <a:spcPts val="0"/>
+              </a:spcBef>
+              <a:spcAft>
+                <a:spcPts val="0"/>
+              </a:spcAft>
+              <a:buSzPts val="1500"/>
+              <a:buChar char="●"/>
+            </a:pPr>
+            <a:r>
+              <a:rPr lang="ja" sz="1500"/>
+              <a:t>TLとして、プルリクの内容を手元で確認してからマージしてもらったことでコンフリクトを極力減らすことができました。一方でメンバーの待機時間をより短縮できればと感じました。</a:t>
+            </a:r>
+            <a:endParaRPr sz="1500"/>
+          </a:p>
+          <a:p>
+            <a:pPr indent="0" lvl="0" marL="0" rtl="0" algn="l">
+              <a:lnSpc>
+                <a:spcPct val="105000"/>
+              </a:lnSpc>
+              <a:spcBef>
+                <a:spcPts val="1200"/>
+              </a:spcBef>
+              <a:spcAft>
+                <a:spcPts val="0"/>
+              </a:spcAft>
+              <a:buSzPts val="1018"/>
+              <a:buNone/>
+            </a:pPr>
+            <a:r>
+              <a:rPr lang="ja" sz="1500"/>
+              <a:t>今後の意気込み</a:t>
+            </a:r>
+            <a:endParaRPr sz="1500"/>
+          </a:p>
+          <a:p>
+            <a:pPr indent="-323850" lvl="0" marL="457200" rtl="0" algn="l">
+              <a:lnSpc>
+                <a:spcPct val="105000"/>
+              </a:lnSpc>
+              <a:spcBef>
+                <a:spcPts val="1200"/>
+              </a:spcBef>
+              <a:spcAft>
+                <a:spcPts val="0"/>
+              </a:spcAft>
+              <a:buSzPts val="1500"/>
+              <a:buChar char="●"/>
+            </a:pPr>
+            <a:r>
+              <a:rPr lang="ja" sz="1500"/>
+              <a:t>今回のチーム開発経験で得た技術スキル・PJ管理スキルを今後の業務でも活用していきたいです。</a:t>
+            </a:r>
+            <a:endParaRPr sz="1500"/>
+          </a:p>
+        </p:txBody>
+      </p:sp>
+    </p:spTree>
+  </p:cSld>
+  <p:clrMapOvr>
+    <a:masterClrMapping/>
+  </p:clrMapOvr>
+</p:sld>
+</file>
+
+<file path=ppt/slides/slide12.xml><?xml version="1.0" encoding="utf-8"?>
+<p:sld xmlns:a="http://schemas.openxmlformats.org/drawingml/2006/main" xmlns:r="http://schemas.openxmlformats.org/officeDocument/2006/relationships" xmlns:mc="http://schemas.openxmlformats.org/markup-compatibility/2006" xmlns:mv="urn:schemas-microsoft-com:mac:vml" xmlns:p="http://schemas.openxmlformats.org/presentationml/2006/main" xmlns:c="http://schemas.openxmlformats.org/drawingml/2006/chart" xmlns:dgm="http://schemas.openxmlformats.org/drawingml/2006/diagram" xmlns:o="urn:schemas-microsoft-com:office:office" xmlns:v="urn:schemas-microsoft-com:vml" xmlns:pvml="urn:schemas-microsoft-com:office:powerpoint" xmlns:com="http://schemas.openxmlformats.org/drawingml/2006/compatibility" xmlns:p14="http://schemas.microsoft.com/office/powerpoint/2010/main" xmlns:p15="http://schemas.microsoft.com/office/powerpoint/2012/main" xmlns:ahyp="http://schemas.microsoft.com/office/drawing/2018/hyperlinkcolor">
+  <p:cSld>
+    <p:spTree>
+      <p:nvGrpSpPr>
+        <p:cNvPr id="157" name="Shape 157"/>
+        <p:cNvGrpSpPr/>
+        <p:nvPr/>
+      </p:nvGrpSpPr>
+      <p:grpSpPr>
+        <a:xfrm>
+          <a:off x="0" y="0"/>
+          <a:ext cx="0" cy="0"/>
+          <a:chOff x="0" y="0"/>
+          <a:chExt cx="0" cy="0"/>
+        </a:xfrm>
+      </p:grpSpPr>
+      <p:sp>
+        <p:nvSpPr>
+          <p:cNvPr id="158" name="Google Shape;158;p24"/>
+          <p:cNvSpPr txBox="1"/>
+          <p:nvPr>
+            <p:ph type="title"/>
+          </p:nvPr>
+        </p:nvSpPr>
+        <p:spPr>
+          <a:xfrm>
+            <a:off x="729450" y="1318650"/>
+            <a:ext cx="7688700" cy="535200"/>
+          </a:xfrm>
+          <a:prstGeom prst="rect">
+            <a:avLst/>
+          </a:prstGeom>
+        </p:spPr>
+        <p:txBody>
+          <a:bodyPr anchorCtr="0" anchor="t" bIns="91425" lIns="91425" spcFirstLastPara="1" rIns="91425" wrap="square" tIns="91425">
+            <a:normAutofit fontScale="90000"/>
+          </a:bodyPr>
+          <a:lstStyle/>
+          <a:p>
+            <a:pPr indent="0" lvl="0" marL="0" rtl="0" algn="l">
+              <a:spcBef>
+                <a:spcPts val="0"/>
+              </a:spcBef>
+              <a:spcAft>
+                <a:spcPts val="0"/>
+              </a:spcAft>
+              <a:buNone/>
+            </a:pPr>
+            <a:r>
+              <a:rPr lang="ja"/>
+              <a:t>個人の振り返り：山中(プロジェクトリーダー)</a:t>
             </a:r>
             <a:endParaRPr/>
+          </a:p>
+        </p:txBody>
+      </p:sp>
+      <p:sp>
+        <p:nvSpPr>
+          <p:cNvPr id="159" name="Google Shape;159;p24"/>
+          <p:cNvSpPr txBox="1"/>
+          <p:nvPr>
+            <p:ph idx="1" type="body"/>
+          </p:nvPr>
+        </p:nvSpPr>
+        <p:spPr>
+          <a:xfrm>
+            <a:off x="729450" y="2078875"/>
+            <a:ext cx="7688700" cy="2599500"/>
+          </a:xfrm>
+          <a:prstGeom prst="rect">
+            <a:avLst/>
+          </a:prstGeom>
+        </p:spPr>
+        <p:txBody>
+          <a:bodyPr anchorCtr="0" anchor="t" bIns="91425" lIns="91425" spcFirstLastPara="1" rIns="91425" wrap="square" tIns="91425">
+            <a:noAutofit/>
+          </a:bodyPr>
+          <a:lstStyle/>
+          <a:p>
+            <a:pPr indent="0" lvl="0" marL="0" rtl="0" algn="l">
+              <a:spcBef>
+                <a:spcPts val="0"/>
+              </a:spcBef>
+              <a:spcAft>
+                <a:spcPts val="0"/>
+              </a:spcAft>
+              <a:buNone/>
+            </a:pPr>
+            <a:r>
+              <a:rPr lang="ja" sz="1500"/>
+              <a:t>学んだ点</a:t>
+            </a:r>
+            <a:endParaRPr sz="1500"/>
+          </a:p>
+          <a:p>
+            <a:pPr indent="-323850" lvl="0" marL="457200" rtl="0" algn="l">
+              <a:spcBef>
+                <a:spcPts val="1200"/>
+              </a:spcBef>
+              <a:spcAft>
+                <a:spcPts val="0"/>
+              </a:spcAft>
+              <a:buSzPts val="1500"/>
+              <a:buChar char="●"/>
+            </a:pPr>
+            <a:r>
+              <a:rPr lang="ja" sz="1500"/>
+              <a:t>教材で理解したと思っていても、実際に一から考えてコードを書くとわからない部分が明白になりとても勉強になりました。</a:t>
+            </a:r>
+            <a:endParaRPr sz="1500"/>
+          </a:p>
+          <a:p>
+            <a:pPr indent="-323850" lvl="0" marL="457200" rtl="0" algn="l">
+              <a:spcBef>
+                <a:spcPts val="0"/>
+              </a:spcBef>
+              <a:spcAft>
+                <a:spcPts val="0"/>
+              </a:spcAft>
+              <a:buSzPts val="1500"/>
+              <a:buChar char="●"/>
+            </a:pPr>
+            <a:r>
+              <a:rPr lang="ja" sz="1500"/>
+              <a:t>チーム開発において、役割分担とタイムマネジメントを適切に行い、かつ余裕を持ったスケジュールを組むことが大切だと感じました。</a:t>
+            </a:r>
+            <a:endParaRPr sz="1500"/>
+          </a:p>
+          <a:p>
+            <a:pPr indent="0" lvl="0" marL="0" rtl="0" algn="l">
+              <a:spcBef>
+                <a:spcPts val="1200"/>
+              </a:spcBef>
+              <a:spcAft>
+                <a:spcPts val="0"/>
+              </a:spcAft>
+              <a:buNone/>
+            </a:pPr>
+            <a:r>
+              <a:rPr lang="ja" sz="1500"/>
+              <a:t>今後の意気込み</a:t>
+            </a:r>
+            <a:endParaRPr sz="1500"/>
+          </a:p>
+          <a:p>
+            <a:pPr indent="-323850" lvl="0" marL="457200" rtl="0" algn="l">
+              <a:spcBef>
+                <a:spcPts val="1200"/>
+              </a:spcBef>
+              <a:spcAft>
+                <a:spcPts val="0"/>
+              </a:spcAft>
+              <a:buSzPts val="1500"/>
+              <a:buChar char="●"/>
+            </a:pPr>
+            <a:r>
+              <a:rPr lang="ja" sz="1500"/>
+              <a:t>配属後コーディングをするかPMなどの上流工程に携わるのかわかりませんが、今回のチーム開発で様々なことを学んだので、実務にも活かしていきたいです。</a:t>
+            </a:r>
+            <a:endParaRPr sz="1500"/>
           </a:p>
         </p:txBody>
       </p:sp>
@@ -8483,8 +8924,8 @@
         </p:nvSpPr>
         <p:spPr>
           <a:xfrm>
-            <a:off x="729450" y="2013950"/>
-            <a:ext cx="7688700" cy="2261100"/>
+            <a:off x="729450" y="1853850"/>
+            <a:ext cx="7688700" cy="3057300"/>
           </a:xfrm>
           <a:prstGeom prst="rect">
             <a:avLst/>
@@ -8492,7 +8933,7 @@
         </p:spPr>
         <p:txBody>
           <a:bodyPr anchorCtr="0" anchor="t" bIns="91425" lIns="91425" spcFirstLastPara="1" rIns="91425" wrap="square" tIns="91425">
-            <a:normAutofit/>
+            <a:normAutofit lnSpcReduction="10000"/>
           </a:bodyPr>
           <a:lstStyle/>
           <a:p>
@@ -8506,10 +8947,22 @@
               <a:buNone/>
             </a:pPr>
             <a:r>
-              <a:rPr lang="ja"/>
-              <a:t>宿予約サイト</a:t>
+              <a:rPr b="1" lang="ja" sz="1700"/>
+              <a:t>新宿トラベルから依頼された</a:t>
             </a:r>
-            <a:endParaRPr/>
+            <a:r>
+              <a:rPr b="1" lang="ja" sz="1700">
+                <a:solidFill>
+                  <a:srgbClr val="FF0000"/>
+                </a:solidFill>
+              </a:rPr>
+              <a:t>宿予約システム</a:t>
+            </a:r>
+            <a:endParaRPr b="1" sz="1700">
+              <a:solidFill>
+                <a:srgbClr val="FF0000"/>
+              </a:solidFill>
+            </a:endParaRPr>
           </a:p>
           <a:p>
             <a:pPr indent="0" lvl="0" marL="0" rtl="0" algn="l">
@@ -8522,10 +8975,94 @@
               <a:buNone/>
             </a:pPr>
             <a:r>
-              <a:rPr lang="ja"/>
+              <a:rPr b="1" lang="ja" sz="1700"/>
+              <a:t>設計：</a:t>
+            </a:r>
+            <a:endParaRPr b="1" sz="1700"/>
+          </a:p>
+          <a:p>
+            <a:pPr indent="-336550" lvl="0" marL="457200" rtl="0" algn="l">
+              <a:spcBef>
+                <a:spcPts val="1200"/>
+              </a:spcBef>
+              <a:spcAft>
+                <a:spcPts val="0"/>
+              </a:spcAft>
+              <a:buSzPts val="1700"/>
+              <a:buChar char="●"/>
+            </a:pPr>
+            <a:r>
+              <a:rPr lang="ja" sz="1700"/>
+              <a:t>会員側予約システム</a:t>
+            </a:r>
+            <a:endParaRPr sz="1700"/>
+          </a:p>
+          <a:p>
+            <a:pPr indent="-336550" lvl="0" marL="457200" rtl="0" algn="l">
+              <a:spcBef>
+                <a:spcPts val="0"/>
+              </a:spcBef>
+              <a:spcAft>
+                <a:spcPts val="0"/>
+              </a:spcAft>
+              <a:buSzPts val="1700"/>
+              <a:buChar char="●"/>
+            </a:pPr>
+            <a:r>
+              <a:rPr lang="ja" sz="1700"/>
+              <a:t>管理側システム</a:t>
+            </a:r>
+            <a:endParaRPr sz="1700"/>
+          </a:p>
+          <a:p>
+            <a:pPr indent="0" lvl="0" marL="0" rtl="0" algn="l">
+              <a:spcBef>
+                <a:spcPts val="1200"/>
+              </a:spcBef>
+              <a:spcAft>
+                <a:spcPts val="0"/>
+              </a:spcAft>
+              <a:buNone/>
+            </a:pPr>
+            <a:r>
+              <a:rPr b="1" lang="ja" sz="1700"/>
               <a:t>目的：</a:t>
             </a:r>
-            <a:endParaRPr/>
+            <a:endParaRPr b="1" sz="1700"/>
+          </a:p>
+          <a:p>
+            <a:pPr indent="-336550" lvl="0" marL="457200" rtl="0" algn="l">
+              <a:spcBef>
+                <a:spcPts val="1200"/>
+              </a:spcBef>
+              <a:spcAft>
+                <a:spcPts val="0"/>
+              </a:spcAft>
+              <a:buSzPts val="1700"/>
+              <a:buChar char="●"/>
+            </a:pPr>
+            <a:r>
+              <a:rPr lang="ja" sz="1700"/>
+              <a:t>業務の省力化</a:t>
+            </a:r>
+            <a:endParaRPr sz="1700"/>
+          </a:p>
+          <a:p>
+            <a:pPr indent="-336550" lvl="0" marL="457200" rtl="0" algn="l">
+              <a:spcBef>
+                <a:spcPts val="0"/>
+              </a:spcBef>
+              <a:spcAft>
+                <a:spcPts val="0"/>
+              </a:spcAft>
+              <a:buSzPts val="1700"/>
+              <a:buChar char="●"/>
+            </a:pPr>
+            <a:r>
+              <a:rPr lang="ja" sz="1700"/>
+              <a:t>会員サービスの向上</a:t>
+            </a:r>
+            <a:endParaRPr sz="1700"/>
           </a:p>
           <a:p>
             <a:pPr indent="0" lvl="0" marL="0" rtl="0" algn="l">
@@ -8544,6 +9081,34 @@
           </a:p>
         </p:txBody>
       </p:sp>
+      <p:pic>
+        <p:nvPicPr>
+          <p:cNvPr id="94" name="Google Shape;94;p14"/>
+          <p:cNvPicPr preferRelativeResize="0"/>
+          <p:nvPr/>
+        </p:nvPicPr>
+        <p:blipFill>
+          <a:blip r:embed="rId3">
+            <a:alphaModFix/>
+          </a:blip>
+          <a:stretch>
+            <a:fillRect/>
+          </a:stretch>
+        </p:blipFill>
+        <p:spPr>
+          <a:xfrm>
+            <a:off x="5359325" y="749200"/>
+            <a:ext cx="3058825" cy="4161950"/>
+          </a:xfrm>
+          <a:prstGeom prst="rect">
+            <a:avLst/>
+          </a:prstGeom>
+          <a:noFill/>
+          <a:ln>
+            <a:noFill/>
+          </a:ln>
+        </p:spPr>
+      </p:pic>
     </p:spTree>
   </p:cSld>
   <p:clrMapOvr>
@@ -8557,7 +9122,7 @@
   <p:cSld>
     <p:spTree>
       <p:nvGrpSpPr>
-        <p:cNvPr id="97" name="Shape 97"/>
+        <p:cNvPr id="98" name="Shape 98"/>
         <p:cNvGrpSpPr/>
         <p:nvPr/>
       </p:nvGrpSpPr>
@@ -8571,7 +9136,7 @@
       </p:grpSpPr>
       <p:sp>
         <p:nvSpPr>
-          <p:cNvPr id="98" name="Google Shape;98;p15"/>
+          <p:cNvPr id="99" name="Google Shape;99;p15"/>
           <p:cNvSpPr txBox="1"/>
           <p:nvPr>
             <p:ph type="title"/>
@@ -8611,7 +9176,787 @@
       </p:sp>
       <p:sp>
         <p:nvSpPr>
-          <p:cNvPr id="99" name="Google Shape;99;p15"/>
+          <p:cNvPr id="100" name="Google Shape;100;p15"/>
+          <p:cNvSpPr/>
+          <p:nvPr/>
+        </p:nvSpPr>
+        <p:spPr>
+          <a:xfrm>
+            <a:off x="465100" y="2065600"/>
+            <a:ext cx="2487900" cy="2599200"/>
+          </a:xfrm>
+          <a:prstGeom prst="roundRect">
+            <a:avLst>
+              <a:gd fmla="val 16667" name="adj"/>
+            </a:avLst>
+          </a:prstGeom>
+          <a:solidFill>
+            <a:srgbClr val="F4CCCC"/>
+          </a:solidFill>
+          <a:ln cap="flat" cmpd="sng" w="9525">
+            <a:solidFill>
+              <a:schemeClr val="dk2"/>
+            </a:solidFill>
+            <a:prstDash val="solid"/>
+            <a:round/>
+            <a:headEnd len="sm" w="sm" type="none"/>
+            <a:tailEnd len="sm" w="sm" type="none"/>
+          </a:ln>
+        </p:spPr>
+        <p:txBody>
+          <a:bodyPr anchorCtr="0" anchor="ctr" bIns="91425" lIns="91425" spcFirstLastPara="1" rIns="91425" wrap="square" tIns="91425">
+            <a:noAutofit/>
+          </a:bodyPr>
+          <a:lstStyle/>
+          <a:p>
+            <a:pPr indent="0" lvl="0" marL="0" rtl="0" algn="ctr">
+              <a:lnSpc>
+                <a:spcPct val="115000"/>
+              </a:lnSpc>
+              <a:spcBef>
+                <a:spcPts val="0"/>
+              </a:spcBef>
+              <a:spcAft>
+                <a:spcPts val="0"/>
+              </a:spcAft>
+              <a:buNone/>
+            </a:pPr>
+            <a:r>
+              <a:rPr b="1" lang="ja" sz="1700">
+                <a:solidFill>
+                  <a:schemeClr val="dk2"/>
+                </a:solidFill>
+                <a:latin typeface="Lato"/>
+                <a:ea typeface="Lato"/>
+                <a:cs typeface="Lato"/>
+                <a:sym typeface="Lato"/>
+              </a:rPr>
+              <a:t>宿予約システム</a:t>
+            </a:r>
+            <a:endParaRPr b="1" sz="1700">
+              <a:solidFill>
+                <a:schemeClr val="dk2"/>
+              </a:solidFill>
+              <a:latin typeface="Lato"/>
+              <a:ea typeface="Lato"/>
+              <a:cs typeface="Lato"/>
+              <a:sym typeface="Lato"/>
+            </a:endParaRPr>
+          </a:p>
+          <a:p>
+            <a:pPr indent="-336550" lvl="0" marL="457200" rtl="0" algn="l">
+              <a:lnSpc>
+                <a:spcPct val="115000"/>
+              </a:lnSpc>
+              <a:spcBef>
+                <a:spcPts val="1200"/>
+              </a:spcBef>
+              <a:spcAft>
+                <a:spcPts val="0"/>
+              </a:spcAft>
+              <a:buClr>
+                <a:schemeClr val="accent1"/>
+              </a:buClr>
+              <a:buSzPts val="1700"/>
+              <a:buFont typeface="Lato"/>
+              <a:buChar char="●"/>
+            </a:pPr>
+            <a:r>
+              <a:rPr b="1" lang="ja" sz="1700">
+                <a:solidFill>
+                  <a:schemeClr val="accent1"/>
+                </a:solidFill>
+                <a:latin typeface="Lato"/>
+                <a:ea typeface="Lato"/>
+                <a:cs typeface="Lato"/>
+                <a:sym typeface="Lato"/>
+              </a:rPr>
+              <a:t>カテゴリ一覧</a:t>
+            </a:r>
+            <a:endParaRPr b="1" sz="1700">
+              <a:solidFill>
+                <a:schemeClr val="accent1"/>
+              </a:solidFill>
+              <a:latin typeface="Lato"/>
+              <a:ea typeface="Lato"/>
+              <a:cs typeface="Lato"/>
+              <a:sym typeface="Lato"/>
+            </a:endParaRPr>
+          </a:p>
+          <a:p>
+            <a:pPr indent="-336550" lvl="0" marL="457200" rtl="0" algn="l">
+              <a:lnSpc>
+                <a:spcPct val="115000"/>
+              </a:lnSpc>
+              <a:spcBef>
+                <a:spcPts val="0"/>
+              </a:spcBef>
+              <a:spcAft>
+                <a:spcPts val="0"/>
+              </a:spcAft>
+              <a:buClr>
+                <a:schemeClr val="accent1"/>
+              </a:buClr>
+              <a:buSzPts val="1700"/>
+              <a:buFont typeface="Lato"/>
+              <a:buChar char="●"/>
+            </a:pPr>
+            <a:r>
+              <a:rPr b="1" lang="ja" sz="1700">
+                <a:solidFill>
+                  <a:schemeClr val="accent1"/>
+                </a:solidFill>
+                <a:latin typeface="Lato"/>
+                <a:ea typeface="Lato"/>
+                <a:cs typeface="Lato"/>
+                <a:sym typeface="Lato"/>
+              </a:rPr>
+              <a:t>宿一覧取得</a:t>
+            </a:r>
+            <a:endParaRPr b="1" sz="1700">
+              <a:solidFill>
+                <a:schemeClr val="accent1"/>
+              </a:solidFill>
+              <a:latin typeface="Lato"/>
+              <a:ea typeface="Lato"/>
+              <a:cs typeface="Lato"/>
+              <a:sym typeface="Lato"/>
+            </a:endParaRPr>
+          </a:p>
+          <a:p>
+            <a:pPr indent="-336550" lvl="0" marL="457200" rtl="0" algn="l">
+              <a:lnSpc>
+                <a:spcPct val="115000"/>
+              </a:lnSpc>
+              <a:spcBef>
+                <a:spcPts val="0"/>
+              </a:spcBef>
+              <a:spcAft>
+                <a:spcPts val="0"/>
+              </a:spcAft>
+              <a:buClr>
+                <a:schemeClr val="accent1"/>
+              </a:buClr>
+              <a:buSzPts val="1700"/>
+              <a:buFont typeface="Lato"/>
+              <a:buChar char="●"/>
+            </a:pPr>
+            <a:r>
+              <a:rPr b="1" lang="ja" sz="1700">
+                <a:solidFill>
+                  <a:schemeClr val="accent1"/>
+                </a:solidFill>
+                <a:latin typeface="Lato"/>
+                <a:ea typeface="Lato"/>
+                <a:cs typeface="Lato"/>
+                <a:sym typeface="Lato"/>
+              </a:rPr>
+              <a:t>検索</a:t>
+            </a:r>
+            <a:endParaRPr b="1" sz="1700">
+              <a:solidFill>
+                <a:schemeClr val="accent1"/>
+              </a:solidFill>
+              <a:latin typeface="Lato"/>
+              <a:ea typeface="Lato"/>
+              <a:cs typeface="Lato"/>
+              <a:sym typeface="Lato"/>
+            </a:endParaRPr>
+          </a:p>
+          <a:p>
+            <a:pPr indent="-336550" lvl="0" marL="457200" rtl="0" algn="l">
+              <a:lnSpc>
+                <a:spcPct val="115000"/>
+              </a:lnSpc>
+              <a:spcBef>
+                <a:spcPts val="0"/>
+              </a:spcBef>
+              <a:spcAft>
+                <a:spcPts val="0"/>
+              </a:spcAft>
+              <a:buClr>
+                <a:schemeClr val="accent1"/>
+              </a:buClr>
+              <a:buSzPts val="1700"/>
+              <a:buFont typeface="Lato"/>
+              <a:buChar char="●"/>
+            </a:pPr>
+            <a:r>
+              <a:rPr b="1" lang="ja" sz="1700">
+                <a:solidFill>
+                  <a:schemeClr val="accent1"/>
+                </a:solidFill>
+                <a:latin typeface="Lato"/>
+                <a:ea typeface="Lato"/>
+                <a:cs typeface="Lato"/>
+                <a:sym typeface="Lato"/>
+              </a:rPr>
+              <a:t>プラン一覧取得</a:t>
+            </a:r>
+            <a:endParaRPr b="1" sz="1700">
+              <a:solidFill>
+                <a:schemeClr val="accent1"/>
+              </a:solidFill>
+              <a:latin typeface="Lato"/>
+              <a:ea typeface="Lato"/>
+              <a:cs typeface="Lato"/>
+              <a:sym typeface="Lato"/>
+            </a:endParaRPr>
+          </a:p>
+          <a:p>
+            <a:pPr indent="-336550" lvl="0" marL="457200" rtl="0" algn="l">
+              <a:lnSpc>
+                <a:spcPct val="115000"/>
+              </a:lnSpc>
+              <a:spcBef>
+                <a:spcPts val="0"/>
+              </a:spcBef>
+              <a:spcAft>
+                <a:spcPts val="0"/>
+              </a:spcAft>
+              <a:buClr>
+                <a:schemeClr val="accent1"/>
+              </a:buClr>
+              <a:buSzPts val="1700"/>
+              <a:buFont typeface="Lato"/>
+              <a:buChar char="●"/>
+            </a:pPr>
+            <a:r>
+              <a:rPr b="1" lang="ja" sz="1700">
+                <a:solidFill>
+                  <a:schemeClr val="accent1"/>
+                </a:solidFill>
+                <a:latin typeface="Lato"/>
+                <a:ea typeface="Lato"/>
+                <a:cs typeface="Lato"/>
+                <a:sym typeface="Lato"/>
+              </a:rPr>
+              <a:t>予約登録 </a:t>
+            </a:r>
+            <a:endParaRPr b="1" sz="1700">
+              <a:solidFill>
+                <a:schemeClr val="dk2"/>
+              </a:solidFill>
+              <a:latin typeface="Lato"/>
+              <a:ea typeface="Lato"/>
+              <a:cs typeface="Lato"/>
+              <a:sym typeface="Lato"/>
+            </a:endParaRPr>
+          </a:p>
+        </p:txBody>
+      </p:sp>
+      <p:sp>
+        <p:nvSpPr>
+          <p:cNvPr id="101" name="Google Shape;101;p15"/>
+          <p:cNvSpPr/>
+          <p:nvPr/>
+        </p:nvSpPr>
+        <p:spPr>
+          <a:xfrm>
+            <a:off x="3257650" y="2065600"/>
+            <a:ext cx="2487900" cy="2599200"/>
+          </a:xfrm>
+          <a:prstGeom prst="roundRect">
+            <a:avLst>
+              <a:gd fmla="val 16667" name="adj"/>
+            </a:avLst>
+          </a:prstGeom>
+          <a:solidFill>
+            <a:srgbClr val="FFF2CC"/>
+          </a:solidFill>
+          <a:ln cap="flat" cmpd="sng" w="9525">
+            <a:solidFill>
+              <a:schemeClr val="dk2"/>
+            </a:solidFill>
+            <a:prstDash val="solid"/>
+            <a:round/>
+            <a:headEnd len="sm" w="sm" type="none"/>
+            <a:tailEnd len="sm" w="sm" type="none"/>
+          </a:ln>
+        </p:spPr>
+        <p:txBody>
+          <a:bodyPr anchorCtr="0" anchor="ctr" bIns="91425" lIns="91425" spcFirstLastPara="1" rIns="91425" wrap="square" tIns="91425">
+            <a:noAutofit/>
+          </a:bodyPr>
+          <a:lstStyle/>
+          <a:p>
+            <a:pPr indent="0" lvl="0" marL="0" rtl="0" algn="ctr">
+              <a:lnSpc>
+                <a:spcPct val="115000"/>
+              </a:lnSpc>
+              <a:spcBef>
+                <a:spcPts val="0"/>
+              </a:spcBef>
+              <a:spcAft>
+                <a:spcPts val="0"/>
+              </a:spcAft>
+              <a:buNone/>
+            </a:pPr>
+            <a:r>
+              <a:rPr b="1" lang="ja" sz="1700">
+                <a:solidFill>
+                  <a:schemeClr val="dk2"/>
+                </a:solidFill>
+                <a:latin typeface="Lato"/>
+                <a:ea typeface="Lato"/>
+                <a:cs typeface="Lato"/>
+                <a:sym typeface="Lato"/>
+              </a:rPr>
+              <a:t>口コミシステム</a:t>
+            </a:r>
+            <a:endParaRPr b="1" sz="1700">
+              <a:solidFill>
+                <a:schemeClr val="dk2"/>
+              </a:solidFill>
+              <a:latin typeface="Lato"/>
+              <a:ea typeface="Lato"/>
+              <a:cs typeface="Lato"/>
+              <a:sym typeface="Lato"/>
+            </a:endParaRPr>
+          </a:p>
+          <a:p>
+            <a:pPr indent="-336550" lvl="0" marL="457200" rtl="0" algn="l">
+              <a:lnSpc>
+                <a:spcPct val="115000"/>
+              </a:lnSpc>
+              <a:spcBef>
+                <a:spcPts val="1200"/>
+              </a:spcBef>
+              <a:spcAft>
+                <a:spcPts val="0"/>
+              </a:spcAft>
+              <a:buClr>
+                <a:schemeClr val="accent1"/>
+              </a:buClr>
+              <a:buSzPts val="1700"/>
+              <a:buFont typeface="Lato"/>
+              <a:buChar char="●"/>
+            </a:pPr>
+            <a:r>
+              <a:rPr b="1" lang="ja" sz="1700">
+                <a:solidFill>
+                  <a:schemeClr val="accent1"/>
+                </a:solidFill>
+                <a:latin typeface="Lato"/>
+                <a:ea typeface="Lato"/>
+                <a:cs typeface="Lato"/>
+                <a:sym typeface="Lato"/>
+              </a:rPr>
+              <a:t>一覧取得</a:t>
+            </a:r>
+            <a:endParaRPr b="1" sz="1700">
+              <a:solidFill>
+                <a:schemeClr val="accent1"/>
+              </a:solidFill>
+              <a:latin typeface="Lato"/>
+              <a:ea typeface="Lato"/>
+              <a:cs typeface="Lato"/>
+              <a:sym typeface="Lato"/>
+            </a:endParaRPr>
+          </a:p>
+          <a:p>
+            <a:pPr indent="-336550" lvl="0" marL="457200" rtl="0" algn="l">
+              <a:lnSpc>
+                <a:spcPct val="115000"/>
+              </a:lnSpc>
+              <a:spcBef>
+                <a:spcPts val="0"/>
+              </a:spcBef>
+              <a:spcAft>
+                <a:spcPts val="0"/>
+              </a:spcAft>
+              <a:buClr>
+                <a:schemeClr val="accent1"/>
+              </a:buClr>
+              <a:buSzPts val="1700"/>
+              <a:buFont typeface="Lato"/>
+              <a:buChar char="●"/>
+            </a:pPr>
+            <a:r>
+              <a:rPr b="1" lang="ja" sz="1700">
+                <a:solidFill>
+                  <a:schemeClr val="accent1"/>
+                </a:solidFill>
+                <a:latin typeface="Lato"/>
+                <a:ea typeface="Lato"/>
+                <a:cs typeface="Lato"/>
+                <a:sym typeface="Lato"/>
+              </a:rPr>
+              <a:t>新規投稿</a:t>
+            </a:r>
+            <a:endParaRPr b="1" sz="1700">
+              <a:solidFill>
+                <a:schemeClr val="accent1"/>
+              </a:solidFill>
+              <a:latin typeface="Lato"/>
+              <a:ea typeface="Lato"/>
+              <a:cs typeface="Lato"/>
+              <a:sym typeface="Lato"/>
+            </a:endParaRPr>
+          </a:p>
+          <a:p>
+            <a:pPr indent="-336550" lvl="0" marL="457200" rtl="0" algn="l">
+              <a:lnSpc>
+                <a:spcPct val="115000"/>
+              </a:lnSpc>
+              <a:spcBef>
+                <a:spcPts val="0"/>
+              </a:spcBef>
+              <a:spcAft>
+                <a:spcPts val="0"/>
+              </a:spcAft>
+              <a:buClr>
+                <a:schemeClr val="accent1"/>
+              </a:buClr>
+              <a:buSzPts val="1700"/>
+              <a:buFont typeface="Lato"/>
+              <a:buChar char="●"/>
+            </a:pPr>
+            <a:r>
+              <a:rPr b="1" lang="ja" sz="1700">
+                <a:solidFill>
+                  <a:schemeClr val="accent1"/>
+                </a:solidFill>
+                <a:latin typeface="Lato"/>
+                <a:ea typeface="Lato"/>
+                <a:cs typeface="Lato"/>
+                <a:sym typeface="Lato"/>
+              </a:rPr>
+              <a:t>編集</a:t>
+            </a:r>
+            <a:endParaRPr b="1" sz="1700">
+              <a:solidFill>
+                <a:schemeClr val="accent1"/>
+              </a:solidFill>
+              <a:latin typeface="Lato"/>
+              <a:ea typeface="Lato"/>
+              <a:cs typeface="Lato"/>
+              <a:sym typeface="Lato"/>
+            </a:endParaRPr>
+          </a:p>
+          <a:p>
+            <a:pPr indent="-336550" lvl="0" marL="457200" rtl="0" algn="l">
+              <a:lnSpc>
+                <a:spcPct val="115000"/>
+              </a:lnSpc>
+              <a:spcBef>
+                <a:spcPts val="0"/>
+              </a:spcBef>
+              <a:spcAft>
+                <a:spcPts val="0"/>
+              </a:spcAft>
+              <a:buClr>
+                <a:schemeClr val="accent1"/>
+              </a:buClr>
+              <a:buSzPts val="1700"/>
+              <a:buFont typeface="Lato"/>
+              <a:buChar char="●"/>
+            </a:pPr>
+            <a:r>
+              <a:rPr b="1" lang="ja" sz="1700">
+                <a:solidFill>
+                  <a:schemeClr val="accent1"/>
+                </a:solidFill>
+                <a:latin typeface="Lato"/>
+                <a:ea typeface="Lato"/>
+                <a:cs typeface="Lato"/>
+                <a:sym typeface="Lato"/>
+              </a:rPr>
+              <a:t>削除</a:t>
+            </a:r>
+            <a:endParaRPr>
+              <a:latin typeface="Lato"/>
+              <a:ea typeface="Lato"/>
+              <a:cs typeface="Lato"/>
+              <a:sym typeface="Lato"/>
+            </a:endParaRPr>
+          </a:p>
+        </p:txBody>
+      </p:sp>
+      <p:sp>
+        <p:nvSpPr>
+          <p:cNvPr id="102" name="Google Shape;102;p15"/>
+          <p:cNvSpPr/>
+          <p:nvPr/>
+        </p:nvSpPr>
+        <p:spPr>
+          <a:xfrm>
+            <a:off x="5956475" y="2065600"/>
+            <a:ext cx="2968500" cy="2599200"/>
+          </a:xfrm>
+          <a:prstGeom prst="roundRect">
+            <a:avLst>
+              <a:gd fmla="val 16667" name="adj"/>
+            </a:avLst>
+          </a:prstGeom>
+          <a:solidFill>
+            <a:schemeClr val="lt2"/>
+          </a:solidFill>
+          <a:ln cap="flat" cmpd="sng" w="9525">
+            <a:solidFill>
+              <a:schemeClr val="dk2"/>
+            </a:solidFill>
+            <a:prstDash val="solid"/>
+            <a:round/>
+            <a:headEnd len="sm" w="sm" type="none"/>
+            <a:tailEnd len="sm" w="sm" type="none"/>
+          </a:ln>
+        </p:spPr>
+        <p:txBody>
+          <a:bodyPr anchorCtr="0" anchor="ctr" bIns="91425" lIns="91425" spcFirstLastPara="1" rIns="91425" wrap="square" tIns="91425">
+            <a:noAutofit/>
+          </a:bodyPr>
+          <a:lstStyle/>
+          <a:p>
+            <a:pPr indent="0" lvl="0" marL="0" rtl="0" algn="ctr">
+              <a:lnSpc>
+                <a:spcPct val="115000"/>
+              </a:lnSpc>
+              <a:spcBef>
+                <a:spcPts val="0"/>
+              </a:spcBef>
+              <a:spcAft>
+                <a:spcPts val="0"/>
+              </a:spcAft>
+              <a:buNone/>
+            </a:pPr>
+            <a:r>
+              <a:rPr b="1" lang="ja" sz="1700">
+                <a:solidFill>
+                  <a:schemeClr val="dk2"/>
+                </a:solidFill>
+                <a:latin typeface="Lato"/>
+                <a:ea typeface="Lato"/>
+                <a:cs typeface="Lato"/>
+                <a:sym typeface="Lato"/>
+              </a:rPr>
+              <a:t>アカウント管理</a:t>
+            </a:r>
+            <a:endParaRPr b="1" sz="1700">
+              <a:solidFill>
+                <a:schemeClr val="dk2"/>
+              </a:solidFill>
+              <a:latin typeface="Lato"/>
+              <a:ea typeface="Lato"/>
+              <a:cs typeface="Lato"/>
+              <a:sym typeface="Lato"/>
+            </a:endParaRPr>
+          </a:p>
+          <a:p>
+            <a:pPr indent="-317500" lvl="0" marL="457200" rtl="0" algn="l">
+              <a:lnSpc>
+                <a:spcPct val="115000"/>
+              </a:lnSpc>
+              <a:spcBef>
+                <a:spcPts val="1200"/>
+              </a:spcBef>
+              <a:spcAft>
+                <a:spcPts val="0"/>
+              </a:spcAft>
+              <a:buSzPts val="1400"/>
+              <a:buFont typeface="Lato"/>
+              <a:buChar char="●"/>
+            </a:pPr>
+            <a:r>
+              <a:rPr b="1" lang="ja" sz="1700">
+                <a:solidFill>
+                  <a:schemeClr val="accent1"/>
+                </a:solidFill>
+                <a:latin typeface="Lato"/>
+                <a:ea typeface="Lato"/>
+                <a:cs typeface="Lato"/>
+                <a:sym typeface="Lato"/>
+              </a:rPr>
+              <a:t>ログイン/ログアウト</a:t>
+            </a:r>
+            <a:endParaRPr b="1" sz="1700">
+              <a:solidFill>
+                <a:schemeClr val="accent1"/>
+              </a:solidFill>
+              <a:latin typeface="Lato"/>
+              <a:ea typeface="Lato"/>
+              <a:cs typeface="Lato"/>
+              <a:sym typeface="Lato"/>
+            </a:endParaRPr>
+          </a:p>
+          <a:p>
+            <a:pPr indent="-317500" lvl="0" marL="457200" rtl="0" algn="l">
+              <a:lnSpc>
+                <a:spcPct val="115000"/>
+              </a:lnSpc>
+              <a:spcBef>
+                <a:spcPts val="0"/>
+              </a:spcBef>
+              <a:spcAft>
+                <a:spcPts val="0"/>
+              </a:spcAft>
+              <a:buSzPts val="1400"/>
+              <a:buFont typeface="Lato"/>
+              <a:buChar char="●"/>
+            </a:pPr>
+            <a:r>
+              <a:rPr b="1" lang="ja" sz="1700">
+                <a:solidFill>
+                  <a:schemeClr val="accent1"/>
+                </a:solidFill>
+                <a:latin typeface="Lato"/>
+                <a:ea typeface="Lato"/>
+                <a:cs typeface="Lato"/>
+                <a:sym typeface="Lato"/>
+              </a:rPr>
+              <a:t>ゲスト</a:t>
+            </a:r>
+            <a:endParaRPr b="1" sz="1700">
+              <a:solidFill>
+                <a:schemeClr val="accent1"/>
+              </a:solidFill>
+              <a:latin typeface="Lato"/>
+              <a:ea typeface="Lato"/>
+              <a:cs typeface="Lato"/>
+              <a:sym typeface="Lato"/>
+            </a:endParaRPr>
+          </a:p>
+          <a:p>
+            <a:pPr indent="-317500" lvl="0" marL="457200" rtl="0" algn="l">
+              <a:lnSpc>
+                <a:spcPct val="115000"/>
+              </a:lnSpc>
+              <a:spcBef>
+                <a:spcPts val="0"/>
+              </a:spcBef>
+              <a:spcAft>
+                <a:spcPts val="0"/>
+              </a:spcAft>
+              <a:buSzPts val="1400"/>
+              <a:buFont typeface="Lato"/>
+              <a:buChar char="●"/>
+            </a:pPr>
+            <a:r>
+              <a:rPr b="1" lang="ja" sz="1700">
+                <a:solidFill>
+                  <a:schemeClr val="accent1"/>
+                </a:solidFill>
+                <a:latin typeface="Lato"/>
+                <a:ea typeface="Lato"/>
+                <a:cs typeface="Lato"/>
+                <a:sym typeface="Lato"/>
+              </a:rPr>
+              <a:t>マイページ</a:t>
+            </a:r>
+            <a:endParaRPr b="1" sz="1700">
+              <a:solidFill>
+                <a:schemeClr val="accent1"/>
+              </a:solidFill>
+              <a:latin typeface="Lato"/>
+              <a:ea typeface="Lato"/>
+              <a:cs typeface="Lato"/>
+              <a:sym typeface="Lato"/>
+            </a:endParaRPr>
+          </a:p>
+          <a:p>
+            <a:pPr indent="-317500" lvl="0" marL="457200" rtl="0" algn="l">
+              <a:lnSpc>
+                <a:spcPct val="115000"/>
+              </a:lnSpc>
+              <a:spcBef>
+                <a:spcPts val="0"/>
+              </a:spcBef>
+              <a:spcAft>
+                <a:spcPts val="0"/>
+              </a:spcAft>
+              <a:buSzPts val="1400"/>
+              <a:buFont typeface="Lato"/>
+              <a:buChar char="●"/>
+            </a:pPr>
+            <a:r>
+              <a:rPr b="1" lang="ja" sz="1700">
+                <a:solidFill>
+                  <a:schemeClr val="accent1"/>
+                </a:solidFill>
+                <a:latin typeface="Lato"/>
+                <a:ea typeface="Lato"/>
+                <a:cs typeface="Lato"/>
+                <a:sym typeface="Lato"/>
+              </a:rPr>
+              <a:t>（予約、口コミ、退会）</a:t>
+            </a:r>
+            <a:endParaRPr>
+              <a:latin typeface="Lato"/>
+              <a:ea typeface="Lato"/>
+              <a:cs typeface="Lato"/>
+              <a:sym typeface="Lato"/>
+            </a:endParaRPr>
+          </a:p>
+        </p:txBody>
+      </p:sp>
+    </p:spTree>
+  </p:cSld>
+  <p:clrMapOvr>
+    <a:masterClrMapping/>
+  </p:clrMapOvr>
+</p:sld>
+</file>
+
+<file path=ppt/slides/slide4.xml><?xml version="1.0" encoding="utf-8"?>
+<p:sld xmlns:a="http://schemas.openxmlformats.org/drawingml/2006/main" xmlns:r="http://schemas.openxmlformats.org/officeDocument/2006/relationships" xmlns:mc="http://schemas.openxmlformats.org/markup-compatibility/2006" xmlns:mv="urn:schemas-microsoft-com:mac:vml" xmlns:p="http://schemas.openxmlformats.org/presentationml/2006/main" xmlns:c="http://schemas.openxmlformats.org/drawingml/2006/chart" xmlns:dgm="http://schemas.openxmlformats.org/drawingml/2006/diagram" xmlns:o="urn:schemas-microsoft-com:office:office" xmlns:v="urn:schemas-microsoft-com:vml" xmlns:pvml="urn:schemas-microsoft-com:office:powerpoint" xmlns:com="http://schemas.openxmlformats.org/drawingml/2006/compatibility" xmlns:p14="http://schemas.microsoft.com/office/powerpoint/2010/main" xmlns:p15="http://schemas.microsoft.com/office/powerpoint/2012/main" xmlns:ahyp="http://schemas.microsoft.com/office/drawing/2018/hyperlinkcolor">
+  <p:cSld>
+    <p:spTree>
+      <p:nvGrpSpPr>
+        <p:cNvPr id="106" name="Shape 106"/>
+        <p:cNvGrpSpPr/>
+        <p:nvPr/>
+      </p:nvGrpSpPr>
+      <p:grpSpPr>
+        <a:xfrm>
+          <a:off x="0" y="0"/>
+          <a:ext cx="0" cy="0"/>
+          <a:chOff x="0" y="0"/>
+          <a:chExt cx="0" cy="0"/>
+        </a:xfrm>
+      </p:grpSpPr>
+      <p:sp>
+        <p:nvSpPr>
+          <p:cNvPr id="107" name="Google Shape;107;p16"/>
+          <p:cNvSpPr txBox="1"/>
+          <p:nvPr>
+            <p:ph type="title"/>
+          </p:nvPr>
+        </p:nvSpPr>
+        <p:spPr>
+          <a:xfrm>
+            <a:off x="729450" y="1318650"/>
+            <a:ext cx="7688700" cy="535200"/>
+          </a:xfrm>
+          <a:prstGeom prst="rect">
+            <a:avLst/>
+          </a:prstGeom>
+        </p:spPr>
+        <p:txBody>
+          <a:bodyPr anchorCtr="0" anchor="t" bIns="91425" lIns="91425" spcFirstLastPara="1" rIns="91425" wrap="square" tIns="91425">
+            <a:normAutofit fontScale="90000"/>
+          </a:bodyPr>
+          <a:lstStyle/>
+          <a:p>
+            <a:pPr indent="0" lvl="0" marL="0" rtl="0" algn="l">
+              <a:spcBef>
+                <a:spcPts val="0"/>
+              </a:spcBef>
+              <a:spcAft>
+                <a:spcPts val="0"/>
+              </a:spcAft>
+              <a:buNone/>
+            </a:pPr>
+            <a:r>
+              <a:rPr lang="ja"/>
+              <a:t>会員側の機能：デモ</a:t>
+            </a:r>
+            <a:endParaRPr/>
+          </a:p>
+        </p:txBody>
+      </p:sp>
+      <p:sp>
+        <p:nvSpPr>
+          <p:cNvPr id="108" name="Google Shape;108;p16"/>
           <p:cNvSpPr txBox="1"/>
           <p:nvPr>
             <p:ph idx="1" type="body"/>
@@ -8637,17 +9982,66 @@
                 <a:spcPts val="0"/>
               </a:spcBef>
               <a:spcAft>
-                <a:spcPts val="1200"/>
+                <a:spcPts val="0"/>
               </a:spcAft>
               <a:buNone/>
             </a:pPr>
             <a:r>
-              <a:t/>
+              <a:rPr lang="ja"/>
+              <a:t>top</a:t>
+            </a:r>
+            <a:r>
+              <a:rPr lang="ja"/>
+              <a:t>→ゲスト利用</a:t>
+            </a:r>
+            <a:endParaRPr/>
+          </a:p>
+          <a:p>
+            <a:pPr indent="0" lvl="0" marL="0" rtl="0" algn="l">
+              <a:spcBef>
+                <a:spcPts val="1200"/>
+              </a:spcBef>
+              <a:spcAft>
+                <a:spcPts val="1200"/>
+              </a:spcAft>
+              <a:buNone/>
+            </a:pPr>
+            <a:r>
+              <a:rPr lang="ja"/>
+              <a:t>login→ホテル→口コミ投稿→予約→マイページ</a:t>
             </a:r>
             <a:endParaRPr/>
           </a:p>
         </p:txBody>
       </p:sp>
+      <p:pic>
+        <p:nvPicPr>
+          <p:cNvPr id="109" name="Google Shape;109;p16"/>
+          <p:cNvPicPr preferRelativeResize="0"/>
+          <p:nvPr/>
+        </p:nvPicPr>
+        <p:blipFill>
+          <a:blip r:embed="rId3">
+            <a:alphaModFix/>
+          </a:blip>
+          <a:stretch>
+            <a:fillRect/>
+          </a:stretch>
+        </p:blipFill>
+        <p:spPr>
+          <a:xfrm>
+            <a:off x="5359325" y="721850"/>
+            <a:ext cx="3058825" cy="4161950"/>
+          </a:xfrm>
+          <a:prstGeom prst="rect">
+            <a:avLst/>
+          </a:prstGeom>
+          <a:noFill/>
+          <a:ln>
+            <a:noFill/>
+          </a:ln>
+        </p:spPr>
+      </p:pic>
     </p:spTree>
   </p:cSld>
   <p:clrMapOvr>
@@ -8656,12 +10050,12 @@
 </p:sld>
 </file>
 
-<file path=ppt/slides/slide4.xml><?xml version="1.0" encoding="utf-8"?>
+<file path=ppt/slides/slide5.xml><?xml version="1.0" encoding="utf-8"?>
 <p:sld xmlns:a="http://schemas.openxmlformats.org/drawingml/2006/main" xmlns:r="http://schemas.openxmlformats.org/officeDocument/2006/relationships" xmlns:mc="http://schemas.openxmlformats.org/markup-compatibility/2006" xmlns:mv="urn:schemas-microsoft-com:mac:vml" xmlns:p="http://schemas.openxmlformats.org/presentationml/2006/main" xmlns:c="http://schemas.openxmlformats.org/drawingml/2006/chart" xmlns:dgm="http://schemas.openxmlformats.org/drawingml/2006/diagram" xmlns:o="urn:schemas-microsoft-com:office:office" xmlns:v="urn:schemas-microsoft-com:vml" xmlns:pvml="urn:schemas-microsoft-com:office:powerpoint" xmlns:com="http://schemas.openxmlformats.org/drawingml/2006/compatibility" xmlns:p14="http://schemas.microsoft.com/office/powerpoint/2010/main" xmlns:p15="http://schemas.microsoft.com/office/powerpoint/2012/main" xmlns:ahyp="http://schemas.microsoft.com/office/drawing/2018/hyperlinkcolor">
   <p:cSld>
     <p:spTree>
       <p:nvGrpSpPr>
-        <p:cNvPr id="103" name="Shape 103"/>
+        <p:cNvPr id="113" name="Shape 113"/>
         <p:cNvGrpSpPr/>
         <p:nvPr/>
       </p:nvGrpSpPr>
@@ -8675,7 +10069,7 @@
       </p:grpSpPr>
       <p:sp>
         <p:nvSpPr>
-          <p:cNvPr id="104" name="Google Shape;104;p16"/>
+          <p:cNvPr id="114" name="Google Shape;114;p17"/>
           <p:cNvSpPr txBox="1"/>
           <p:nvPr>
             <p:ph type="title"/>
@@ -8707,7 +10101,7 @@
             </a:pPr>
             <a:r>
               <a:rPr lang="ja"/>
-              <a:t>会員側の機能：デモ</a:t>
+              <a:t>管理者側の機能</a:t>
             </a:r>
             <a:endParaRPr/>
           </a:p>
@@ -8715,40 +10109,536 @@
       </p:sp>
       <p:sp>
         <p:nvSpPr>
-          <p:cNvPr id="105" name="Google Shape;105;p16"/>
-          <p:cNvSpPr txBox="1"/>
-          <p:nvPr>
-            <p:ph idx="1" type="body"/>
-          </p:nvPr>
+          <p:cNvPr id="115" name="Google Shape;115;p17"/>
+          <p:cNvSpPr/>
+          <p:nvPr/>
         </p:nvSpPr>
         <p:spPr>
           <a:xfrm>
-            <a:off x="729450" y="2078875"/>
-            <a:ext cx="7688700" cy="2261100"/>
+            <a:off x="957575" y="2065600"/>
+            <a:ext cx="3269400" cy="2599200"/>
           </a:xfrm>
-          <a:prstGeom prst="rect">
-            <a:avLst/>
+          <a:prstGeom prst="roundRect">
+            <a:avLst>
+              <a:gd fmla="val 16667" name="adj"/>
+            </a:avLst>
           </a:prstGeom>
+          <a:solidFill>
+            <a:srgbClr val="F4CCCC"/>
+          </a:solidFill>
+          <a:ln cap="flat" cmpd="sng" w="9525">
+            <a:solidFill>
+              <a:schemeClr val="dk2"/>
+            </a:solidFill>
+            <a:prstDash val="solid"/>
+            <a:round/>
+            <a:headEnd len="sm" w="sm" type="none"/>
+            <a:tailEnd len="sm" w="sm" type="none"/>
+          </a:ln>
         </p:spPr>
         <p:txBody>
-          <a:bodyPr anchorCtr="0" anchor="t" bIns="91425" lIns="91425" spcFirstLastPara="1" rIns="91425" wrap="square" tIns="91425">
-            <a:normAutofit/>
+          <a:bodyPr anchorCtr="0" anchor="ctr" bIns="91425" lIns="91425" spcFirstLastPara="1" rIns="91425" wrap="square" tIns="91425">
+            <a:noAutofit/>
           </a:bodyPr>
           <a:lstStyle/>
           <a:p>
-            <a:pPr indent="0" lvl="0" marL="0" rtl="0" algn="l">
-              <a:spcBef>
-                <a:spcPts val="0"/>
-              </a:spcBef>
-              <a:spcAft>
-                <a:spcPts val="1200"/>
+            <a:pPr indent="0" lvl="0" marL="0" rtl="0" algn="ctr">
+              <a:lnSpc>
+                <a:spcPct val="115000"/>
+              </a:lnSpc>
+              <a:spcBef>
+                <a:spcPts val="0"/>
+              </a:spcBef>
+              <a:spcAft>
+                <a:spcPts val="0"/>
               </a:spcAft>
               <a:buNone/>
             </a:pPr>
             <a:r>
-              <a:t/>
+              <a:rPr b="1" lang="ja" sz="1700">
+                <a:solidFill>
+                  <a:schemeClr val="dk2"/>
+                </a:solidFill>
+                <a:latin typeface="Lato"/>
+                <a:ea typeface="Lato"/>
+                <a:cs typeface="Lato"/>
+                <a:sym typeface="Lato"/>
+              </a:rPr>
+              <a:t>宿</a:t>
             </a:r>
-            <a:endParaRPr/>
+            <a:r>
+              <a:rPr b="1" lang="ja" sz="1700">
+                <a:solidFill>
+                  <a:schemeClr val="dk2"/>
+                </a:solidFill>
+                <a:latin typeface="Lato"/>
+                <a:ea typeface="Lato"/>
+                <a:cs typeface="Lato"/>
+                <a:sym typeface="Lato"/>
+              </a:rPr>
+              <a:t>管理</a:t>
+            </a:r>
+            <a:r>
+              <a:rPr b="1" lang="ja" sz="1700">
+                <a:solidFill>
+                  <a:schemeClr val="dk2"/>
+                </a:solidFill>
+                <a:latin typeface="Lato"/>
+                <a:ea typeface="Lato"/>
+                <a:cs typeface="Lato"/>
+                <a:sym typeface="Lato"/>
+              </a:rPr>
+              <a:t>システム</a:t>
+            </a:r>
+            <a:endParaRPr b="1" sz="1700">
+              <a:solidFill>
+                <a:schemeClr val="dk2"/>
+              </a:solidFill>
+              <a:latin typeface="Lato"/>
+              <a:ea typeface="Lato"/>
+              <a:cs typeface="Lato"/>
+              <a:sym typeface="Lato"/>
+            </a:endParaRPr>
+          </a:p>
+          <a:p>
+            <a:pPr indent="-336550" lvl="0" marL="457200" rtl="0" algn="l">
+              <a:lnSpc>
+                <a:spcPct val="115000"/>
+              </a:lnSpc>
+              <a:spcBef>
+                <a:spcPts val="1200"/>
+              </a:spcBef>
+              <a:spcAft>
+                <a:spcPts val="0"/>
+              </a:spcAft>
+              <a:buClr>
+                <a:schemeClr val="accent1"/>
+              </a:buClr>
+              <a:buSzPts val="1700"/>
+              <a:buFont typeface="Lato"/>
+              <a:buChar char="●"/>
+            </a:pPr>
+            <a:r>
+              <a:rPr b="1" lang="ja" sz="1700">
+                <a:solidFill>
+                  <a:schemeClr val="accent1"/>
+                </a:solidFill>
+                <a:latin typeface="Lato"/>
+                <a:ea typeface="Lato"/>
+                <a:cs typeface="Lato"/>
+                <a:sym typeface="Lato"/>
+              </a:rPr>
+              <a:t>宿情報</a:t>
+            </a:r>
+            <a:endParaRPr b="1" sz="1700">
+              <a:solidFill>
+                <a:schemeClr val="accent1"/>
+              </a:solidFill>
+              <a:latin typeface="Lato"/>
+              <a:ea typeface="Lato"/>
+              <a:cs typeface="Lato"/>
+              <a:sym typeface="Lato"/>
+            </a:endParaRPr>
+          </a:p>
+          <a:p>
+            <a:pPr indent="-336550" lvl="1" marL="914400" rtl="0" algn="l">
+              <a:lnSpc>
+                <a:spcPct val="115000"/>
+              </a:lnSpc>
+              <a:spcBef>
+                <a:spcPts val="0"/>
+              </a:spcBef>
+              <a:spcAft>
+                <a:spcPts val="0"/>
+              </a:spcAft>
+              <a:buClr>
+                <a:schemeClr val="accent1"/>
+              </a:buClr>
+              <a:buSzPts val="1700"/>
+              <a:buFont typeface="Lato"/>
+              <a:buChar char="○"/>
+            </a:pPr>
+            <a:r>
+              <a:rPr b="1" lang="ja" sz="1700">
+                <a:solidFill>
+                  <a:schemeClr val="accent1"/>
+                </a:solidFill>
+                <a:latin typeface="Lato"/>
+                <a:ea typeface="Lato"/>
+                <a:cs typeface="Lato"/>
+                <a:sym typeface="Lato"/>
+              </a:rPr>
+              <a:t>閲覧・登録</a:t>
+            </a:r>
+            <a:endParaRPr b="1" sz="1700">
+              <a:solidFill>
+                <a:schemeClr val="accent1"/>
+              </a:solidFill>
+              <a:latin typeface="Lato"/>
+              <a:ea typeface="Lato"/>
+              <a:cs typeface="Lato"/>
+              <a:sym typeface="Lato"/>
+            </a:endParaRPr>
+          </a:p>
+          <a:p>
+            <a:pPr indent="-336550" lvl="1" marL="914400" rtl="0" algn="l">
+              <a:lnSpc>
+                <a:spcPct val="115000"/>
+              </a:lnSpc>
+              <a:spcBef>
+                <a:spcPts val="0"/>
+              </a:spcBef>
+              <a:spcAft>
+                <a:spcPts val="0"/>
+              </a:spcAft>
+              <a:buClr>
+                <a:schemeClr val="accent1"/>
+              </a:buClr>
+              <a:buSzPts val="1700"/>
+              <a:buFont typeface="Lato"/>
+              <a:buChar char="○"/>
+            </a:pPr>
+            <a:r>
+              <a:rPr b="1" lang="ja" sz="1700">
+                <a:solidFill>
+                  <a:schemeClr val="accent1"/>
+                </a:solidFill>
+                <a:latin typeface="Lato"/>
+                <a:ea typeface="Lato"/>
+                <a:cs typeface="Lato"/>
+                <a:sym typeface="Lato"/>
+              </a:rPr>
+              <a:t>検索・更新・削除</a:t>
+            </a:r>
+            <a:endParaRPr b="1" sz="1700">
+              <a:solidFill>
+                <a:schemeClr val="accent1"/>
+              </a:solidFill>
+              <a:latin typeface="Lato"/>
+              <a:ea typeface="Lato"/>
+              <a:cs typeface="Lato"/>
+              <a:sym typeface="Lato"/>
+            </a:endParaRPr>
+          </a:p>
+          <a:p>
+            <a:pPr indent="-336550" lvl="0" marL="457200" rtl="0" algn="l">
+              <a:lnSpc>
+                <a:spcPct val="115000"/>
+              </a:lnSpc>
+              <a:spcBef>
+                <a:spcPts val="0"/>
+              </a:spcBef>
+              <a:spcAft>
+                <a:spcPts val="0"/>
+              </a:spcAft>
+              <a:buClr>
+                <a:schemeClr val="accent1"/>
+              </a:buClr>
+              <a:buSzPts val="1700"/>
+              <a:buFont typeface="Lato"/>
+              <a:buChar char="●"/>
+            </a:pPr>
+            <a:r>
+              <a:rPr b="1" lang="ja" sz="1700">
+                <a:solidFill>
+                  <a:schemeClr val="accent1"/>
+                </a:solidFill>
+                <a:latin typeface="Lato"/>
+                <a:ea typeface="Lato"/>
+                <a:cs typeface="Lato"/>
+                <a:sym typeface="Lato"/>
+              </a:rPr>
+              <a:t>プラン情報</a:t>
+            </a:r>
+            <a:endParaRPr b="1" sz="1700">
+              <a:solidFill>
+                <a:schemeClr val="accent1"/>
+              </a:solidFill>
+              <a:latin typeface="Lato"/>
+              <a:ea typeface="Lato"/>
+              <a:cs typeface="Lato"/>
+              <a:sym typeface="Lato"/>
+            </a:endParaRPr>
+          </a:p>
+          <a:p>
+            <a:pPr indent="-336550" lvl="1" marL="914400" rtl="0" algn="l">
+              <a:lnSpc>
+                <a:spcPct val="115000"/>
+              </a:lnSpc>
+              <a:spcBef>
+                <a:spcPts val="0"/>
+              </a:spcBef>
+              <a:spcAft>
+                <a:spcPts val="0"/>
+              </a:spcAft>
+              <a:buClr>
+                <a:schemeClr val="accent1"/>
+              </a:buClr>
+              <a:buSzPts val="1700"/>
+              <a:buFont typeface="Lato"/>
+              <a:buChar char="○"/>
+            </a:pPr>
+            <a:r>
+              <a:rPr b="1" lang="ja" sz="1700">
+                <a:solidFill>
+                  <a:schemeClr val="accent1"/>
+                </a:solidFill>
+                <a:latin typeface="Lato"/>
+                <a:ea typeface="Lato"/>
+                <a:cs typeface="Lato"/>
+                <a:sym typeface="Lato"/>
+              </a:rPr>
+              <a:t>閲覧・登録</a:t>
+            </a:r>
+            <a:endParaRPr b="1" sz="1700">
+              <a:solidFill>
+                <a:schemeClr val="accent1"/>
+              </a:solidFill>
+              <a:latin typeface="Lato"/>
+              <a:ea typeface="Lato"/>
+              <a:cs typeface="Lato"/>
+              <a:sym typeface="Lato"/>
+            </a:endParaRPr>
+          </a:p>
+          <a:p>
+            <a:pPr indent="-336550" lvl="1" marL="914400" rtl="0" algn="l">
+              <a:lnSpc>
+                <a:spcPct val="115000"/>
+              </a:lnSpc>
+              <a:spcBef>
+                <a:spcPts val="0"/>
+              </a:spcBef>
+              <a:spcAft>
+                <a:spcPts val="0"/>
+              </a:spcAft>
+              <a:buClr>
+                <a:schemeClr val="accent1"/>
+              </a:buClr>
+              <a:buSzPts val="1700"/>
+              <a:buFont typeface="Lato"/>
+              <a:buChar char="○"/>
+            </a:pPr>
+            <a:r>
+              <a:rPr b="1" lang="ja" sz="1700">
+                <a:solidFill>
+                  <a:schemeClr val="accent1"/>
+                </a:solidFill>
+                <a:latin typeface="Lato"/>
+                <a:ea typeface="Lato"/>
+                <a:cs typeface="Lato"/>
+                <a:sym typeface="Lato"/>
+              </a:rPr>
+              <a:t>更新・削除</a:t>
+            </a:r>
+            <a:endParaRPr b="1" sz="1700">
+              <a:solidFill>
+                <a:schemeClr val="accent1"/>
+              </a:solidFill>
+              <a:latin typeface="Lato"/>
+              <a:ea typeface="Lato"/>
+              <a:cs typeface="Lato"/>
+              <a:sym typeface="Lato"/>
+            </a:endParaRPr>
+          </a:p>
+        </p:txBody>
+      </p:sp>
+      <p:sp>
+        <p:nvSpPr>
+          <p:cNvPr id="116" name="Google Shape;116;p17"/>
+          <p:cNvSpPr/>
+          <p:nvPr/>
+        </p:nvSpPr>
+        <p:spPr>
+          <a:xfrm>
+            <a:off x="4869900" y="2065600"/>
+            <a:ext cx="3269400" cy="2599200"/>
+          </a:xfrm>
+          <a:prstGeom prst="roundRect">
+            <a:avLst>
+              <a:gd fmla="val 16667" name="adj"/>
+            </a:avLst>
+          </a:prstGeom>
+          <a:solidFill>
+            <a:srgbClr val="FFF2CC"/>
+          </a:solidFill>
+          <a:ln cap="flat" cmpd="sng" w="9525">
+            <a:solidFill>
+              <a:schemeClr val="dk2"/>
+            </a:solidFill>
+            <a:prstDash val="solid"/>
+            <a:round/>
+            <a:headEnd len="sm" w="sm" type="none"/>
+            <a:tailEnd len="sm" w="sm" type="none"/>
+          </a:ln>
+        </p:spPr>
+        <p:txBody>
+          <a:bodyPr anchorCtr="0" anchor="ctr" bIns="91425" lIns="91425" spcFirstLastPara="1" rIns="91425" wrap="square" tIns="91425">
+            <a:noAutofit/>
+          </a:bodyPr>
+          <a:lstStyle/>
+          <a:p>
+            <a:pPr indent="0" lvl="0" marL="0" rtl="0" algn="ctr">
+              <a:lnSpc>
+                <a:spcPct val="115000"/>
+              </a:lnSpc>
+              <a:spcBef>
+                <a:spcPts val="0"/>
+              </a:spcBef>
+              <a:spcAft>
+                <a:spcPts val="0"/>
+              </a:spcAft>
+              <a:buNone/>
+            </a:pPr>
+            <a:r>
+              <a:rPr b="1" lang="ja" sz="1700">
+                <a:solidFill>
+                  <a:schemeClr val="dk2"/>
+                </a:solidFill>
+                <a:latin typeface="Lato"/>
+                <a:ea typeface="Lato"/>
+                <a:cs typeface="Lato"/>
+                <a:sym typeface="Lato"/>
+              </a:rPr>
+              <a:t>会員管理</a:t>
+            </a:r>
+            <a:r>
+              <a:rPr b="1" lang="ja" sz="1700">
+                <a:solidFill>
+                  <a:schemeClr val="dk2"/>
+                </a:solidFill>
+                <a:latin typeface="Lato"/>
+                <a:ea typeface="Lato"/>
+                <a:cs typeface="Lato"/>
+                <a:sym typeface="Lato"/>
+              </a:rPr>
+              <a:t>システム</a:t>
+            </a:r>
+            <a:endParaRPr b="1" sz="1700">
+              <a:solidFill>
+                <a:schemeClr val="dk2"/>
+              </a:solidFill>
+              <a:latin typeface="Lato"/>
+              <a:ea typeface="Lato"/>
+              <a:cs typeface="Lato"/>
+              <a:sym typeface="Lato"/>
+            </a:endParaRPr>
+          </a:p>
+          <a:p>
+            <a:pPr indent="-336550" lvl="0" marL="457200" rtl="0" algn="l">
+              <a:lnSpc>
+                <a:spcPct val="115000"/>
+              </a:lnSpc>
+              <a:spcBef>
+                <a:spcPts val="1200"/>
+              </a:spcBef>
+              <a:spcAft>
+                <a:spcPts val="0"/>
+              </a:spcAft>
+              <a:buClr>
+                <a:schemeClr val="accent1"/>
+              </a:buClr>
+              <a:buSzPts val="1700"/>
+              <a:buFont typeface="Lato"/>
+              <a:buChar char="●"/>
+            </a:pPr>
+            <a:r>
+              <a:rPr b="1" lang="ja" sz="1700">
+                <a:solidFill>
+                  <a:schemeClr val="accent1"/>
+                </a:solidFill>
+                <a:latin typeface="Lato"/>
+                <a:ea typeface="Lato"/>
+                <a:cs typeface="Lato"/>
+                <a:sym typeface="Lato"/>
+              </a:rPr>
+              <a:t>顧客情報</a:t>
+            </a:r>
+            <a:endParaRPr b="1" sz="1700">
+              <a:solidFill>
+                <a:schemeClr val="accent1"/>
+              </a:solidFill>
+              <a:latin typeface="Lato"/>
+              <a:ea typeface="Lato"/>
+              <a:cs typeface="Lato"/>
+              <a:sym typeface="Lato"/>
+            </a:endParaRPr>
+          </a:p>
+          <a:p>
+            <a:pPr indent="-336550" lvl="1" marL="914400" rtl="0" algn="l">
+              <a:lnSpc>
+                <a:spcPct val="115000"/>
+              </a:lnSpc>
+              <a:spcBef>
+                <a:spcPts val="0"/>
+              </a:spcBef>
+              <a:spcAft>
+                <a:spcPts val="0"/>
+              </a:spcAft>
+              <a:buClr>
+                <a:schemeClr val="accent1"/>
+              </a:buClr>
+              <a:buSzPts val="1700"/>
+              <a:buFont typeface="Lato"/>
+              <a:buChar char="○"/>
+            </a:pPr>
+            <a:r>
+              <a:rPr b="1" lang="ja" sz="1700">
+                <a:solidFill>
+                  <a:schemeClr val="accent1"/>
+                </a:solidFill>
+                <a:latin typeface="Lato"/>
+                <a:ea typeface="Lato"/>
+                <a:cs typeface="Lato"/>
+                <a:sym typeface="Lato"/>
+              </a:rPr>
+              <a:t>閲覧・検索</a:t>
+            </a:r>
+            <a:endParaRPr b="1" sz="1700">
+              <a:solidFill>
+                <a:schemeClr val="accent1"/>
+              </a:solidFill>
+              <a:latin typeface="Lato"/>
+              <a:ea typeface="Lato"/>
+              <a:cs typeface="Lato"/>
+              <a:sym typeface="Lato"/>
+            </a:endParaRPr>
+          </a:p>
+          <a:p>
+            <a:pPr indent="-336550" lvl="1" marL="914400" rtl="0" algn="l">
+              <a:lnSpc>
+                <a:spcPct val="115000"/>
+              </a:lnSpc>
+              <a:spcBef>
+                <a:spcPts val="0"/>
+              </a:spcBef>
+              <a:spcAft>
+                <a:spcPts val="0"/>
+              </a:spcAft>
+              <a:buClr>
+                <a:schemeClr val="accent1"/>
+              </a:buClr>
+              <a:buSzPts val="1700"/>
+              <a:buFont typeface="Lato"/>
+              <a:buChar char="○"/>
+            </a:pPr>
+            <a:r>
+              <a:rPr b="1" lang="ja" sz="1700">
+                <a:solidFill>
+                  <a:schemeClr val="accent1"/>
+                </a:solidFill>
+                <a:latin typeface="Lato"/>
+                <a:ea typeface="Lato"/>
+                <a:cs typeface="Lato"/>
+                <a:sym typeface="Lato"/>
+              </a:rPr>
+              <a:t>更新・削除</a:t>
+            </a:r>
+            <a:endParaRPr>
+              <a:latin typeface="Lato"/>
+              <a:ea typeface="Lato"/>
+              <a:cs typeface="Lato"/>
+              <a:sym typeface="Lato"/>
+            </a:endParaRPr>
           </a:p>
         </p:txBody>
       </p:sp>
@@ -8760,12 +10650,12 @@
 </p:sld>
 </file>
 
-<file path=ppt/slides/slide5.xml><?xml version="1.0" encoding="utf-8"?>
+<file path=ppt/slides/slide6.xml><?xml version="1.0" encoding="utf-8"?>
 <p:sld xmlns:a="http://schemas.openxmlformats.org/drawingml/2006/main" xmlns:r="http://schemas.openxmlformats.org/officeDocument/2006/relationships" xmlns:mc="http://schemas.openxmlformats.org/markup-compatibility/2006" xmlns:mv="urn:schemas-microsoft-com:mac:vml" xmlns:p="http://schemas.openxmlformats.org/presentationml/2006/main" xmlns:c="http://schemas.openxmlformats.org/drawingml/2006/chart" xmlns:dgm="http://schemas.openxmlformats.org/drawingml/2006/diagram" xmlns:o="urn:schemas-microsoft-com:office:office" xmlns:v="urn:schemas-microsoft-com:vml" xmlns:pvml="urn:schemas-microsoft-com:office:powerpoint" xmlns:com="http://schemas.openxmlformats.org/drawingml/2006/compatibility" xmlns:p14="http://schemas.microsoft.com/office/powerpoint/2010/main" xmlns:p15="http://schemas.microsoft.com/office/powerpoint/2012/main" xmlns:ahyp="http://schemas.microsoft.com/office/drawing/2018/hyperlinkcolor">
   <p:cSld>
     <p:spTree>
       <p:nvGrpSpPr>
-        <p:cNvPr id="109" name="Shape 109"/>
+        <p:cNvPr id="120" name="Shape 120"/>
         <p:cNvGrpSpPr/>
         <p:nvPr/>
       </p:nvGrpSpPr>
@@ -8779,7 +10669,7 @@
       </p:grpSpPr>
       <p:sp>
         <p:nvSpPr>
-          <p:cNvPr id="110" name="Google Shape;110;p17"/>
+          <p:cNvPr id="121" name="Google Shape;121;p18"/>
           <p:cNvSpPr txBox="1"/>
           <p:nvPr>
             <p:ph type="title"/>
@@ -8811,7 +10701,7 @@
             </a:pPr>
             <a:r>
               <a:rPr lang="ja"/>
-              <a:t>管理者側の機能</a:t>
+              <a:t>管理者側の機能：デモ</a:t>
             </a:r>
             <a:endParaRPr/>
           </a:p>
@@ -8819,7 +10709,7 @@
       </p:sp>
       <p:sp>
         <p:nvSpPr>
-          <p:cNvPr id="111" name="Google Shape;111;p17"/>
+          <p:cNvPr id="122" name="Google Shape;122;p18"/>
           <p:cNvSpPr txBox="1"/>
           <p:nvPr>
             <p:ph idx="1" type="body"/>
@@ -8828,7 +10718,7 @@
         <p:spPr>
           <a:xfrm>
             <a:off x="729450" y="2078875"/>
-            <a:ext cx="7688700" cy="2261100"/>
+            <a:ext cx="7688700" cy="2808900"/>
           </a:xfrm>
           <a:prstGeom prst="rect">
             <a:avLst/>
@@ -8843,6 +10733,36 @@
             <a:pPr indent="0" lvl="0" marL="0" rtl="0" algn="l">
               <a:spcBef>
                 <a:spcPts val="0"/>
+              </a:spcBef>
+              <a:spcAft>
+                <a:spcPts val="0"/>
+              </a:spcAft>
+              <a:buNone/>
+            </a:pPr>
+            <a:r>
+              <a:t/>
+            </a:r>
+            <a:endParaRPr b="1" sz="1700"/>
+          </a:p>
+          <a:p>
+            <a:pPr indent="0" lvl="0" marL="0" rtl="0" algn="l">
+              <a:spcBef>
+                <a:spcPts val="1200"/>
+              </a:spcBef>
+              <a:spcAft>
+                <a:spcPts val="0"/>
+              </a:spcAft>
+              <a:buNone/>
+            </a:pPr>
+            <a:r>
+              <a:t/>
+            </a:r>
+            <a:endParaRPr/>
+          </a:p>
+          <a:p>
+            <a:pPr indent="0" lvl="0" marL="0" rtl="0" algn="l">
+              <a:spcBef>
+                <a:spcPts val="1200"/>
               </a:spcBef>
               <a:spcAft>
                 <a:spcPts val="1200"/>
@@ -8864,12 +10784,12 @@
 </p:sld>
 </file>
 
-<file path=ppt/slides/slide6.xml><?xml version="1.0" encoding="utf-8"?>
+<file path=ppt/slides/slide7.xml><?xml version="1.0" encoding="utf-8"?>
 <p:sld xmlns:a="http://schemas.openxmlformats.org/drawingml/2006/main" xmlns:r="http://schemas.openxmlformats.org/officeDocument/2006/relationships" xmlns:mc="http://schemas.openxmlformats.org/markup-compatibility/2006" xmlns:mv="urn:schemas-microsoft-com:mac:vml" xmlns:p="http://schemas.openxmlformats.org/presentationml/2006/main" xmlns:c="http://schemas.openxmlformats.org/drawingml/2006/chart" xmlns:dgm="http://schemas.openxmlformats.org/drawingml/2006/diagram" xmlns:o="urn:schemas-microsoft-com:office:office" xmlns:v="urn:schemas-microsoft-com:vml" xmlns:pvml="urn:schemas-microsoft-com:office:powerpoint" xmlns:com="http://schemas.openxmlformats.org/drawingml/2006/compatibility" xmlns:p14="http://schemas.microsoft.com/office/powerpoint/2010/main" xmlns:p15="http://schemas.microsoft.com/office/powerpoint/2012/main" xmlns:ahyp="http://schemas.microsoft.com/office/drawing/2018/hyperlinkcolor">
   <p:cSld>
     <p:spTree>
       <p:nvGrpSpPr>
-        <p:cNvPr id="115" name="Shape 115"/>
+        <p:cNvPr id="126" name="Shape 126"/>
         <p:cNvGrpSpPr/>
         <p:nvPr/>
       </p:nvGrpSpPr>
@@ -8883,7 +10803,7 @@
       </p:grpSpPr>
       <p:sp>
         <p:nvSpPr>
-          <p:cNvPr id="116" name="Google Shape;116;p18"/>
+          <p:cNvPr id="127" name="Google Shape;127;p19"/>
           <p:cNvSpPr txBox="1"/>
           <p:nvPr>
             <p:ph type="title"/>
@@ -8915,7 +10835,7 @@
             </a:pPr>
             <a:r>
               <a:rPr lang="ja"/>
-              <a:t>管理者側の機能：デモ</a:t>
+              <a:t>アピールポイント</a:t>
             </a:r>
             <a:endParaRPr/>
           </a:p>
@@ -8923,7 +10843,7 @@
       </p:sp>
       <p:sp>
         <p:nvSpPr>
-          <p:cNvPr id="117" name="Google Shape;117;p18"/>
+          <p:cNvPr id="128" name="Google Shape;128;p19"/>
           <p:cNvSpPr txBox="1"/>
           <p:nvPr>
             <p:ph idx="1" type="body"/>
@@ -8932,7 +10852,7 @@
         <p:spPr>
           <a:xfrm>
             <a:off x="729450" y="2078875"/>
-            <a:ext cx="7688700" cy="2261100"/>
+            <a:ext cx="8193900" cy="2261100"/>
           </a:xfrm>
           <a:prstGeom prst="rect">
             <a:avLst/>
@@ -8944,123 +10864,108 @@
           </a:bodyPr>
           <a:lstStyle/>
           <a:p>
-            <a:pPr indent="0" lvl="0" marL="0" rtl="0" algn="l">
-              <a:spcBef>
-                <a:spcPts val="0"/>
-              </a:spcBef>
-              <a:spcAft>
-                <a:spcPts val="1200"/>
-              </a:spcAft>
-              <a:buNone/>
+            <a:pPr indent="-342900" lvl="0" marL="457200" rtl="0" algn="l">
+              <a:lnSpc>
+                <a:spcPct val="150000"/>
+              </a:lnSpc>
+              <a:spcBef>
+                <a:spcPts val="0"/>
+              </a:spcBef>
+              <a:spcAft>
+                <a:spcPts val="0"/>
+              </a:spcAft>
+              <a:buSzPts val="1800"/>
+              <a:buChar char="●"/>
             </a:pPr>
             <a:r>
-              <a:t/>
+              <a:rPr lang="ja" sz="1800"/>
+              <a:t>システム化要件の</a:t>
             </a:r>
-            <a:endParaRPr/>
+            <a:r>
+              <a:rPr b="1" lang="ja" sz="1800"/>
+              <a:t>全ての機能を実現</a:t>
+            </a:r>
+            <a:r>
+              <a:rPr lang="ja" sz="1800"/>
+              <a:t>した</a:t>
+            </a:r>
+            <a:endParaRPr sz="1800"/>
           </a:p>
-        </p:txBody>
-      </p:sp>
-    </p:spTree>
-  </p:cSld>
-  <p:clrMapOvr>
-    <a:masterClrMapping/>
-  </p:clrMapOvr>
-</p:sld>
-</file>
-
-<file path=ppt/slides/slide7.xml><?xml version="1.0" encoding="utf-8"?>
-<p:sld xmlns:a="http://schemas.openxmlformats.org/drawingml/2006/main" xmlns:r="http://schemas.openxmlformats.org/officeDocument/2006/relationships" xmlns:mc="http://schemas.openxmlformats.org/markup-compatibility/2006" xmlns:mv="urn:schemas-microsoft-com:mac:vml" xmlns:p="http://schemas.openxmlformats.org/presentationml/2006/main" xmlns:c="http://schemas.openxmlformats.org/drawingml/2006/chart" xmlns:dgm="http://schemas.openxmlformats.org/drawingml/2006/diagram" xmlns:o="urn:schemas-microsoft-com:office:office" xmlns:v="urn:schemas-microsoft-com:vml" xmlns:pvml="urn:schemas-microsoft-com:office:powerpoint" xmlns:com="http://schemas.openxmlformats.org/drawingml/2006/compatibility" xmlns:p14="http://schemas.microsoft.com/office/powerpoint/2010/main" xmlns:p15="http://schemas.microsoft.com/office/powerpoint/2012/main" xmlns:ahyp="http://schemas.microsoft.com/office/drawing/2018/hyperlinkcolor">
-  <p:cSld>
-    <p:spTree>
-      <p:nvGrpSpPr>
-        <p:cNvPr id="121" name="Shape 121"/>
-        <p:cNvGrpSpPr/>
-        <p:nvPr/>
-      </p:nvGrpSpPr>
-      <p:grpSpPr>
-        <a:xfrm>
-          <a:off x="0" y="0"/>
-          <a:ext cx="0" cy="0"/>
-          <a:chOff x="0" y="0"/>
-          <a:chExt cx="0" cy="0"/>
-        </a:xfrm>
-      </p:grpSpPr>
-      <p:sp>
-        <p:nvSpPr>
-          <p:cNvPr id="122" name="Google Shape;122;p19"/>
-          <p:cNvSpPr txBox="1"/>
-          <p:nvPr>
-            <p:ph type="title"/>
-          </p:nvPr>
-        </p:nvSpPr>
-        <p:spPr>
-          <a:xfrm>
-            <a:off x="729450" y="1318650"/>
-            <a:ext cx="7688700" cy="535200"/>
-          </a:xfrm>
-          <a:prstGeom prst="rect">
-            <a:avLst/>
-          </a:prstGeom>
-        </p:spPr>
-        <p:txBody>
-          <a:bodyPr anchorCtr="0" anchor="t" bIns="91425" lIns="91425" spcFirstLastPara="1" rIns="91425" wrap="square" tIns="91425">
-            <a:normAutofit fontScale="90000"/>
-          </a:bodyPr>
-          <a:lstStyle/>
           <a:p>
-            <a:pPr indent="0" lvl="0" marL="0" rtl="0" algn="l">
-              <a:spcBef>
-                <a:spcPts val="0"/>
-              </a:spcBef>
-              <a:spcAft>
-                <a:spcPts val="0"/>
-              </a:spcAft>
-              <a:buNone/>
+            <a:pPr indent="-342900" lvl="0" marL="457200" rtl="0" algn="l">
+              <a:lnSpc>
+                <a:spcPct val="150000"/>
+              </a:lnSpc>
+              <a:spcBef>
+                <a:spcPts val="0"/>
+              </a:spcBef>
+              <a:spcAft>
+                <a:spcPts val="0"/>
+              </a:spcAft>
+              <a:buSzPts val="1800"/>
+              <a:buChar char="●"/>
             </a:pPr>
             <a:r>
-              <a:rPr lang="ja"/>
-              <a:t>アピールポイント</a:t>
+              <a:rPr lang="ja" sz="1800"/>
+              <a:t>口コミについて投稿者が</a:t>
             </a:r>
-            <a:endParaRPr/>
+            <a:r>
+              <a:rPr b="1" lang="ja" sz="1800"/>
+              <a:t>後から編集・削除する機能</a:t>
+            </a:r>
+            <a:r>
+              <a:rPr lang="ja" sz="1800"/>
+              <a:t>を実装した</a:t>
+            </a:r>
+            <a:endParaRPr sz="1800"/>
           </a:p>
-        </p:txBody>
-      </p:sp>
-      <p:sp>
-        <p:nvSpPr>
-          <p:cNvPr id="123" name="Google Shape;123;p19"/>
-          <p:cNvSpPr txBox="1"/>
-          <p:nvPr>
-            <p:ph idx="1" type="body"/>
-          </p:nvPr>
-        </p:nvSpPr>
-        <p:spPr>
-          <a:xfrm>
-            <a:off x="729450" y="2078875"/>
-            <a:ext cx="7688700" cy="2261100"/>
-          </a:xfrm>
-          <a:prstGeom prst="rect">
-            <a:avLst/>
-          </a:prstGeom>
-        </p:spPr>
-        <p:txBody>
-          <a:bodyPr anchorCtr="0" anchor="t" bIns="91425" lIns="91425" spcFirstLastPara="1" rIns="91425" wrap="square" tIns="91425">
-            <a:normAutofit/>
-          </a:bodyPr>
-          <a:lstStyle/>
           <a:p>
-            <a:pPr indent="0" lvl="0" marL="0" rtl="0" algn="l">
-              <a:spcBef>
-                <a:spcPts val="0"/>
-              </a:spcBef>
-              <a:spcAft>
-                <a:spcPts val="1200"/>
-              </a:spcAft>
-              <a:buNone/>
+            <a:pPr indent="-342900" lvl="0" marL="457200" rtl="0" algn="l">
+              <a:lnSpc>
+                <a:spcPct val="150000"/>
+              </a:lnSpc>
+              <a:spcBef>
+                <a:spcPts val="0"/>
+              </a:spcBef>
+              <a:spcAft>
+                <a:spcPts val="0"/>
+              </a:spcAft>
+              <a:buSzPts val="1800"/>
+              <a:buChar char="●"/>
             </a:pPr>
             <a:r>
-              <a:t/>
+              <a:rPr b="1" lang="ja" sz="1800"/>
+              <a:t>セッション管理</a:t>
             </a:r>
-            <a:endParaRPr/>
+            <a:r>
+              <a:rPr lang="ja" sz="1800"/>
+              <a:t>によって未ログインユーザに宿やプランの情報の閲覧のみ許可し、予約、口コミの投稿を禁止した</a:t>
+            </a:r>
+            <a:endParaRPr sz="1800"/>
+          </a:p>
+          <a:p>
+            <a:pPr indent="-342900" lvl="0" marL="457200" rtl="0" algn="l">
+              <a:lnSpc>
+                <a:spcPct val="150000"/>
+              </a:lnSpc>
+              <a:spcBef>
+                <a:spcPts val="0"/>
+              </a:spcBef>
+              <a:spcAft>
+                <a:spcPts val="0"/>
+              </a:spcAft>
+              <a:buSzPts val="1800"/>
+              <a:buChar char="●"/>
+            </a:pPr>
+            <a:r>
+              <a:rPr b="1" lang="ja" sz="1800"/>
+              <a:t>見やすい画面デザイン</a:t>
+            </a:r>
+            <a:r>
+              <a:rPr lang="ja" sz="1800"/>
+              <a:t>を実現した</a:t>
+            </a:r>
+            <a:endParaRPr sz="1800"/>
           </a:p>
         </p:txBody>
       </p:sp>
@@ -9077,7 +10982,7 @@
   <p:cSld>
     <p:spTree>
       <p:nvGrpSpPr>
-        <p:cNvPr id="127" name="Shape 127"/>
+        <p:cNvPr id="132" name="Shape 132"/>
         <p:cNvGrpSpPr/>
         <p:nvPr/>
       </p:nvGrpSpPr>
@@ -9091,7 +10996,409 @@
       </p:grpSpPr>
       <p:sp>
         <p:nvSpPr>
-          <p:cNvPr id="128" name="Google Shape;128;p20"/>
+          <p:cNvPr id="133" name="Google Shape;133;p20"/>
+          <p:cNvSpPr/>
+          <p:nvPr/>
+        </p:nvSpPr>
+        <p:spPr>
+          <a:xfrm>
+            <a:off x="285750" y="1376800"/>
+            <a:ext cx="4014600" cy="3662700"/>
+          </a:xfrm>
+          <a:prstGeom prst="roundRect">
+            <a:avLst>
+              <a:gd fmla="val 16667" name="adj"/>
+            </a:avLst>
+          </a:prstGeom>
+          <a:solidFill>
+            <a:srgbClr val="F4CCCC"/>
+          </a:solidFill>
+          <a:ln cap="flat" cmpd="sng" w="9525">
+            <a:solidFill>
+              <a:schemeClr val="dk2"/>
+            </a:solidFill>
+            <a:prstDash val="solid"/>
+            <a:round/>
+            <a:headEnd len="sm" w="sm" type="none"/>
+            <a:tailEnd len="sm" w="sm" type="none"/>
+          </a:ln>
+        </p:spPr>
+        <p:txBody>
+          <a:bodyPr anchorCtr="0" anchor="ctr" bIns="91425" lIns="91425" spcFirstLastPara="1" rIns="91425" wrap="square" tIns="91425">
+            <a:noAutofit/>
+          </a:bodyPr>
+          <a:lstStyle/>
+          <a:p>
+            <a:pPr indent="0" lvl="0" marL="0" rtl="0" algn="ctr">
+              <a:lnSpc>
+                <a:spcPct val="115000"/>
+              </a:lnSpc>
+              <a:spcBef>
+                <a:spcPts val="0"/>
+              </a:spcBef>
+              <a:spcAft>
+                <a:spcPts val="0"/>
+              </a:spcAft>
+              <a:buNone/>
+            </a:pPr>
+            <a:r>
+              <a:rPr b="1" lang="ja" sz="1700">
+                <a:solidFill>
+                  <a:schemeClr val="dk2"/>
+                </a:solidFill>
+                <a:latin typeface="Lato"/>
+                <a:ea typeface="Lato"/>
+                <a:cs typeface="Lato"/>
+                <a:sym typeface="Lato"/>
+              </a:rPr>
+              <a:t>会員側システム</a:t>
+            </a:r>
+            <a:endParaRPr b="1" sz="1700">
+              <a:solidFill>
+                <a:schemeClr val="dk2"/>
+              </a:solidFill>
+              <a:latin typeface="Lato"/>
+              <a:ea typeface="Lato"/>
+              <a:cs typeface="Lato"/>
+              <a:sym typeface="Lato"/>
+            </a:endParaRPr>
+          </a:p>
+          <a:p>
+            <a:pPr indent="-336550" lvl="0" marL="457200" rtl="0" algn="l">
+              <a:lnSpc>
+                <a:spcPct val="115000"/>
+              </a:lnSpc>
+              <a:spcBef>
+                <a:spcPts val="1200"/>
+              </a:spcBef>
+              <a:spcAft>
+                <a:spcPts val="0"/>
+              </a:spcAft>
+              <a:buClr>
+                <a:schemeClr val="accent1"/>
+              </a:buClr>
+              <a:buSzPts val="1700"/>
+              <a:buFont typeface="Lato"/>
+              <a:buChar char="●"/>
+            </a:pPr>
+            <a:r>
+              <a:rPr b="1" lang="ja" sz="1700">
+                <a:solidFill>
+                  <a:schemeClr val="accent1"/>
+                </a:solidFill>
+                <a:latin typeface="Lato"/>
+                <a:ea typeface="Lato"/>
+                <a:cs typeface="Lato"/>
+                <a:sym typeface="Lato"/>
+              </a:rPr>
+              <a:t>宿をカテゴリ横断で検索する機能を実装する(現状は６つに分かれている)</a:t>
+            </a:r>
+            <a:endParaRPr b="1" sz="1700">
+              <a:solidFill>
+                <a:schemeClr val="accent1"/>
+              </a:solidFill>
+              <a:latin typeface="Lato"/>
+              <a:ea typeface="Lato"/>
+              <a:cs typeface="Lato"/>
+              <a:sym typeface="Lato"/>
+            </a:endParaRPr>
+          </a:p>
+          <a:p>
+            <a:pPr indent="-336550" lvl="0" marL="457200" rtl="0" algn="l">
+              <a:lnSpc>
+                <a:spcPct val="115000"/>
+              </a:lnSpc>
+              <a:spcBef>
+                <a:spcPts val="0"/>
+              </a:spcBef>
+              <a:spcAft>
+                <a:spcPts val="0"/>
+              </a:spcAft>
+              <a:buClr>
+                <a:schemeClr val="accent1"/>
+              </a:buClr>
+              <a:buSzPts val="1700"/>
+              <a:buFont typeface="Lato"/>
+              <a:buChar char="●"/>
+            </a:pPr>
+            <a:r>
+              <a:rPr b="1" lang="ja" sz="1700">
+                <a:solidFill>
+                  <a:schemeClr val="accent1"/>
+                </a:solidFill>
+                <a:latin typeface="Lato"/>
+                <a:ea typeface="Lato"/>
+                <a:cs typeface="Lato"/>
+                <a:sym typeface="Lato"/>
+              </a:rPr>
+              <a:t>各種入力がNULLだった場合の処理をメソッドで一括する</a:t>
+            </a:r>
+            <a:endParaRPr b="1" sz="1700">
+              <a:solidFill>
+                <a:schemeClr val="accent1"/>
+              </a:solidFill>
+              <a:latin typeface="Lato"/>
+              <a:ea typeface="Lato"/>
+              <a:cs typeface="Lato"/>
+              <a:sym typeface="Lato"/>
+            </a:endParaRPr>
+          </a:p>
+          <a:p>
+            <a:pPr indent="-336550" lvl="0" marL="457200" rtl="0" algn="l">
+              <a:lnSpc>
+                <a:spcPct val="115000"/>
+              </a:lnSpc>
+              <a:spcBef>
+                <a:spcPts val="0"/>
+              </a:spcBef>
+              <a:spcAft>
+                <a:spcPts val="0"/>
+              </a:spcAft>
+              <a:buClr>
+                <a:schemeClr val="accent1"/>
+              </a:buClr>
+              <a:buSzPts val="1700"/>
+              <a:buFont typeface="Lato"/>
+              <a:buChar char="●"/>
+            </a:pPr>
+            <a:r>
+              <a:rPr b="1" lang="ja" sz="1700">
+                <a:solidFill>
+                  <a:schemeClr val="accent1"/>
+                </a:solidFill>
+                <a:latin typeface="Lato"/>
+                <a:ea typeface="Lato"/>
+                <a:cs typeface="Lato"/>
+                <a:sym typeface="Lato"/>
+              </a:rPr>
+              <a:t>口コミの星の数を集計してホテルの評価を計算・表示する</a:t>
+            </a:r>
+            <a:endParaRPr b="1" sz="1700">
+              <a:solidFill>
+                <a:schemeClr val="accent1"/>
+              </a:solidFill>
+              <a:latin typeface="Lato"/>
+              <a:ea typeface="Lato"/>
+              <a:cs typeface="Lato"/>
+              <a:sym typeface="Lato"/>
+            </a:endParaRPr>
+          </a:p>
+          <a:p>
+            <a:pPr indent="-336550" lvl="0" marL="457200" rtl="0" algn="l">
+              <a:lnSpc>
+                <a:spcPct val="115000"/>
+              </a:lnSpc>
+              <a:spcBef>
+                <a:spcPts val="0"/>
+              </a:spcBef>
+              <a:spcAft>
+                <a:spcPts val="0"/>
+              </a:spcAft>
+              <a:buClr>
+                <a:schemeClr val="accent1"/>
+              </a:buClr>
+              <a:buSzPts val="1700"/>
+              <a:buFont typeface="Lato"/>
+              <a:buChar char="●"/>
+            </a:pPr>
+            <a:r>
+              <a:rPr b="1" lang="ja" sz="1700">
+                <a:solidFill>
+                  <a:schemeClr val="accent1"/>
+                </a:solidFill>
+                <a:latin typeface="Lato"/>
+                <a:ea typeface="Lato"/>
+                <a:cs typeface="Lato"/>
+                <a:sym typeface="Lato"/>
+              </a:rPr>
+              <a:t>未ログインユーザがログイン後、予約などのタスクに戻れるようにする</a:t>
+            </a:r>
+            <a:endParaRPr b="1" sz="1700">
+              <a:solidFill>
+                <a:schemeClr val="accent1"/>
+              </a:solidFill>
+              <a:latin typeface="Lato"/>
+              <a:ea typeface="Lato"/>
+              <a:cs typeface="Lato"/>
+              <a:sym typeface="Lato"/>
+            </a:endParaRPr>
+          </a:p>
+        </p:txBody>
+      </p:sp>
+      <p:sp>
+        <p:nvSpPr>
+          <p:cNvPr id="134" name="Google Shape;134;p20"/>
+          <p:cNvSpPr/>
+          <p:nvPr/>
+        </p:nvSpPr>
+        <p:spPr>
+          <a:xfrm>
+            <a:off x="4791628" y="1376800"/>
+            <a:ext cx="4014600" cy="3662700"/>
+          </a:xfrm>
+          <a:prstGeom prst="roundRect">
+            <a:avLst>
+              <a:gd fmla="val 16667" name="adj"/>
+            </a:avLst>
+          </a:prstGeom>
+          <a:solidFill>
+            <a:srgbClr val="FFF2CC"/>
+          </a:solidFill>
+          <a:ln cap="flat" cmpd="sng" w="9525">
+            <a:solidFill>
+              <a:schemeClr val="dk2"/>
+            </a:solidFill>
+            <a:prstDash val="solid"/>
+            <a:round/>
+            <a:headEnd len="sm" w="sm" type="none"/>
+            <a:tailEnd len="sm" w="sm" type="none"/>
+          </a:ln>
+        </p:spPr>
+        <p:txBody>
+          <a:bodyPr anchorCtr="0" anchor="ctr" bIns="91425" lIns="91425" spcFirstLastPara="1" rIns="91425" wrap="square" tIns="91425">
+            <a:noAutofit/>
+          </a:bodyPr>
+          <a:lstStyle/>
+          <a:p>
+            <a:pPr indent="0" lvl="0" marL="0" rtl="0" algn="ctr">
+              <a:lnSpc>
+                <a:spcPct val="115000"/>
+              </a:lnSpc>
+              <a:spcBef>
+                <a:spcPts val="0"/>
+              </a:spcBef>
+              <a:spcAft>
+                <a:spcPts val="0"/>
+              </a:spcAft>
+              <a:buNone/>
+            </a:pPr>
+            <a:r>
+              <a:rPr b="1" lang="ja" sz="1700">
+                <a:solidFill>
+                  <a:schemeClr val="dk2"/>
+                </a:solidFill>
+                <a:latin typeface="Lato"/>
+                <a:ea typeface="Lato"/>
+                <a:cs typeface="Lato"/>
+                <a:sym typeface="Lato"/>
+              </a:rPr>
+              <a:t>管理者側システム</a:t>
+            </a:r>
+            <a:endParaRPr b="1" sz="1700">
+              <a:solidFill>
+                <a:schemeClr val="dk2"/>
+              </a:solidFill>
+              <a:latin typeface="Lato"/>
+              <a:ea typeface="Lato"/>
+              <a:cs typeface="Lato"/>
+              <a:sym typeface="Lato"/>
+            </a:endParaRPr>
+          </a:p>
+          <a:p>
+            <a:pPr indent="-336550" lvl="0" marL="457200" rtl="0" algn="l">
+              <a:lnSpc>
+                <a:spcPct val="115000"/>
+              </a:lnSpc>
+              <a:spcBef>
+                <a:spcPts val="1200"/>
+              </a:spcBef>
+              <a:spcAft>
+                <a:spcPts val="0"/>
+              </a:spcAft>
+              <a:buClr>
+                <a:schemeClr val="accent1"/>
+              </a:buClr>
+              <a:buSzPts val="1700"/>
+              <a:buFont typeface="Lato"/>
+              <a:buChar char="●"/>
+            </a:pPr>
+            <a:r>
+              <a:rPr b="1" lang="ja" sz="1700">
+                <a:solidFill>
+                  <a:schemeClr val="accent1"/>
+                </a:solidFill>
+                <a:latin typeface="Lato"/>
+                <a:ea typeface="Lato"/>
+                <a:cs typeface="Lato"/>
+                <a:sym typeface="Lato"/>
+              </a:rPr>
+              <a:t>ログイン管理機能を実装してセキュリティを向上させる</a:t>
+            </a:r>
+            <a:endParaRPr b="1" sz="1700">
+              <a:solidFill>
+                <a:schemeClr val="accent1"/>
+              </a:solidFill>
+              <a:latin typeface="Lato"/>
+              <a:ea typeface="Lato"/>
+              <a:cs typeface="Lato"/>
+              <a:sym typeface="Lato"/>
+            </a:endParaRPr>
+          </a:p>
+          <a:p>
+            <a:pPr indent="-336550" lvl="0" marL="457200" rtl="0" algn="l">
+              <a:lnSpc>
+                <a:spcPct val="115000"/>
+              </a:lnSpc>
+              <a:spcBef>
+                <a:spcPts val="0"/>
+              </a:spcBef>
+              <a:spcAft>
+                <a:spcPts val="0"/>
+              </a:spcAft>
+              <a:buClr>
+                <a:schemeClr val="accent1"/>
+              </a:buClr>
+              <a:buSzPts val="1700"/>
+              <a:buFont typeface="Lato"/>
+              <a:buChar char="●"/>
+            </a:pPr>
+            <a:r>
+              <a:rPr b="1" lang="ja" sz="1700">
+                <a:solidFill>
+                  <a:schemeClr val="accent1"/>
+                </a:solidFill>
+                <a:latin typeface="Lato"/>
+                <a:ea typeface="Lato"/>
+                <a:cs typeface="Lato"/>
+                <a:sym typeface="Lato"/>
+              </a:rPr>
+              <a:t>口コミの閲覧・編集・削除を可能にする</a:t>
+            </a:r>
+            <a:endParaRPr b="1" sz="1700">
+              <a:solidFill>
+                <a:schemeClr val="accent1"/>
+              </a:solidFill>
+              <a:latin typeface="Lato"/>
+              <a:ea typeface="Lato"/>
+              <a:cs typeface="Lato"/>
+              <a:sym typeface="Lato"/>
+            </a:endParaRPr>
+          </a:p>
+          <a:p>
+            <a:pPr indent="0" lvl="0" marL="0" rtl="0" algn="ctr">
+              <a:spcBef>
+                <a:spcPts val="1200"/>
+              </a:spcBef>
+              <a:spcAft>
+                <a:spcPts val="0"/>
+              </a:spcAft>
+              <a:buNone/>
+            </a:pPr>
+            <a:r>
+              <a:t/>
+            </a:r>
+            <a:endParaRPr>
+              <a:latin typeface="Lato"/>
+              <a:ea typeface="Lato"/>
+              <a:cs typeface="Lato"/>
+              <a:sym typeface="Lato"/>
+            </a:endParaRPr>
+          </a:p>
+        </p:txBody>
+      </p:sp>
+      <p:sp>
+        <p:nvSpPr>
+          <p:cNvPr id="135" name="Google Shape;135;p20"/>
           <p:cNvSpPr txBox="1"/>
           <p:nvPr>
             <p:ph type="title"/>
@@ -9099,7 +11406,7 @@
         </p:nvSpPr>
         <p:spPr>
           <a:xfrm>
-            <a:off x="729450" y="1318650"/>
+            <a:off x="729450" y="552325"/>
             <a:ext cx="7688700" cy="535200"/>
           </a:xfrm>
           <a:prstGeom prst="rect">
@@ -9123,46 +11430,7 @@
             </a:pPr>
             <a:r>
               <a:rPr lang="ja"/>
-              <a:t>個人の振り返り：高瀬(ドキュメントリーダー)</a:t>
-            </a:r>
-            <a:endParaRPr/>
-          </a:p>
-        </p:txBody>
-      </p:sp>
-      <p:sp>
-        <p:nvSpPr>
-          <p:cNvPr id="129" name="Google Shape;129;p20"/>
-          <p:cNvSpPr txBox="1"/>
-          <p:nvPr>
-            <p:ph idx="1" type="body"/>
-          </p:nvPr>
-        </p:nvSpPr>
-        <p:spPr>
-          <a:xfrm>
-            <a:off x="729450" y="2078875"/>
-            <a:ext cx="7688700" cy="2261100"/>
-          </a:xfrm>
-          <a:prstGeom prst="rect">
-            <a:avLst/>
-          </a:prstGeom>
-        </p:spPr>
-        <p:txBody>
-          <a:bodyPr anchorCtr="0" anchor="t" bIns="91425" lIns="91425" spcFirstLastPara="1" rIns="91425" wrap="square" tIns="91425">
-            <a:normAutofit/>
-          </a:bodyPr>
-          <a:lstStyle/>
-          <a:p>
-            <a:pPr indent="0" lvl="0" marL="0" rtl="0" algn="l">
-              <a:spcBef>
-                <a:spcPts val="0"/>
-              </a:spcBef>
-              <a:spcAft>
-                <a:spcPts val="1200"/>
-              </a:spcAft>
-              <a:buNone/>
-            </a:pPr>
-            <a:r>
-              <a:t/>
+              <a:t>今後の展望</a:t>
             </a:r>
             <a:endParaRPr/>
           </a:p>
@@ -9181,7 +11449,7 @@
   <p:cSld>
     <p:spTree>
       <p:nvGrpSpPr>
-        <p:cNvPr id="133" name="Shape 133"/>
+        <p:cNvPr id="139" name="Shape 139"/>
         <p:cNvGrpSpPr/>
         <p:nvPr/>
       </p:nvGrpSpPr>
@@ -9195,7 +11463,7 @@
       </p:grpSpPr>
       <p:sp>
         <p:nvSpPr>
-          <p:cNvPr id="134" name="Google Shape;134;p21"/>
+          <p:cNvPr id="140" name="Google Shape;140;p21"/>
           <p:cNvSpPr txBox="1"/>
           <p:nvPr>
             <p:ph type="title"/>
@@ -9203,7 +11471,7 @@
         </p:nvSpPr>
         <p:spPr>
           <a:xfrm>
-            <a:off x="729450" y="1318650"/>
+            <a:off x="727650" y="1253725"/>
             <a:ext cx="7688700" cy="535200"/>
           </a:xfrm>
           <a:prstGeom prst="rect">
@@ -9227,7 +11495,7 @@
             </a:pPr>
             <a:r>
               <a:rPr lang="ja"/>
-              <a:t>個人の振り返り：坂本(DBリーダー)</a:t>
+              <a:t>個人の振り返り：高瀬(ドキュメントリーダー)</a:t>
             </a:r>
             <a:endParaRPr/>
           </a:p>
@@ -9235,7 +11503,7 @@
       </p:sp>
       <p:sp>
         <p:nvSpPr>
-          <p:cNvPr id="135" name="Google Shape;135;p21"/>
+          <p:cNvPr id="141" name="Google Shape;141;p21"/>
           <p:cNvSpPr txBox="1"/>
           <p:nvPr>
             <p:ph idx="1" type="body"/>
@@ -9243,8 +11511,8 @@
         </p:nvSpPr>
         <p:spPr>
           <a:xfrm>
-            <a:off x="729450" y="2078875"/>
-            <a:ext cx="7688700" cy="2261100"/>
+            <a:off x="727650" y="1970725"/>
+            <a:ext cx="7986000" cy="3064500"/>
           </a:xfrm>
           <a:prstGeom prst="rect">
             <a:avLst/>
@@ -9252,23 +11520,127 @@
         </p:spPr>
         <p:txBody>
           <a:bodyPr anchorCtr="0" anchor="t" bIns="91425" lIns="91425" spcFirstLastPara="1" rIns="91425" wrap="square" tIns="91425">
-            <a:normAutofit/>
+            <a:noAutofit/>
           </a:bodyPr>
           <a:lstStyle/>
           <a:p>
             <a:pPr indent="0" lvl="0" marL="0" rtl="0" algn="l">
-              <a:spcBef>
-                <a:spcPts val="0"/>
-              </a:spcBef>
-              <a:spcAft>
+              <a:lnSpc>
+                <a:spcPct val="95000"/>
+              </a:lnSpc>
+              <a:spcBef>
+                <a:spcPts val="0"/>
+              </a:spcBef>
+              <a:spcAft>
+                <a:spcPts val="0"/>
+              </a:spcAft>
+              <a:buSzPts val="605"/>
+              <a:buNone/>
+            </a:pPr>
+            <a:r>
+              <a:rPr lang="ja" sz="1800"/>
+              <a:t>学んだ点</a:t>
+            </a:r>
+            <a:endParaRPr sz="1800"/>
+          </a:p>
+          <a:p>
+            <a:pPr indent="-342900" lvl="0" marL="457200" rtl="0" algn="l">
+              <a:lnSpc>
+                <a:spcPct val="95000"/>
+              </a:lnSpc>
+              <a:spcBef>
                 <a:spcPts val="1200"/>
-              </a:spcAft>
+              </a:spcBef>
+              <a:spcAft>
+                <a:spcPts val="0"/>
+              </a:spcAft>
+              <a:buSzPts val="1800"/>
+              <a:buChar char="●"/>
+            </a:pPr>
+            <a:r>
+              <a:rPr lang="ja" sz="1800"/>
+              <a:t>スペルミスをしない、HTMLのタグや括弧を開いたらすぐ閉じるなど、型にはまったコーディングがエラー防止に大切</a:t>
+            </a:r>
+            <a:endParaRPr sz="1800"/>
+          </a:p>
+          <a:p>
+            <a:pPr indent="-342900" lvl="0" marL="457200" rtl="0" algn="l">
+              <a:lnSpc>
+                <a:spcPct val="95000"/>
+              </a:lnSpc>
+              <a:spcBef>
+                <a:spcPts val="0"/>
+              </a:spcBef>
+              <a:spcAft>
+                <a:spcPts val="0"/>
+              </a:spcAft>
+              <a:buSzPts val="1800"/>
+              <a:buChar char="●"/>
+            </a:pPr>
+            <a:r>
+              <a:rPr lang="ja" sz="1800"/>
+              <a:t>リダイレクトではパスパラメータは使えないなど、サンプルコードを勝手に組み合わせてたら動かないことがあるので、一つ一つ丁寧に学習する必要がある</a:t>
+            </a:r>
+            <a:endParaRPr sz="1800"/>
+          </a:p>
+          <a:p>
+            <a:pPr indent="0" lvl="0" marL="0" rtl="0" algn="l">
+              <a:lnSpc>
+                <a:spcPct val="95000"/>
+              </a:lnSpc>
+              <a:spcBef>
+                <a:spcPts val="1200"/>
+              </a:spcBef>
+              <a:spcAft>
+                <a:spcPts val="0"/>
+              </a:spcAft>
+              <a:buSzPts val="605"/>
+              <a:buNone/>
+            </a:pPr>
+            <a:r>
+              <a:rPr lang="ja" sz="1800"/>
+              <a:t>意気込み</a:t>
+            </a:r>
+            <a:endParaRPr sz="1800"/>
+          </a:p>
+          <a:p>
+            <a:pPr indent="-342900" lvl="0" marL="457200" rtl="0" algn="l">
+              <a:lnSpc>
+                <a:spcPct val="95000"/>
+              </a:lnSpc>
+              <a:spcBef>
+                <a:spcPts val="1200"/>
+              </a:spcBef>
+              <a:spcAft>
+                <a:spcPts val="0"/>
+              </a:spcAft>
+              <a:buSzPts val="1800"/>
+              <a:buChar char="●"/>
+            </a:pPr>
+            <a:r>
+              <a:rPr lang="ja" sz="1800"/>
+              <a:t>今回Springでのチーム開発の経験を、ほかの言語の学習やフレームワークでのチーム開発に一般化して生かしたい</a:t>
+            </a:r>
+            <a:endParaRPr sz="1800"/>
+          </a:p>
+          <a:p>
+            <a:pPr indent="0" lvl="0" marL="0" rtl="0" algn="l">
+              <a:lnSpc>
+                <a:spcPct val="95000"/>
+              </a:lnSpc>
+              <a:spcBef>
+                <a:spcPts val="1200"/>
+              </a:spcBef>
+              <a:spcAft>
+                <a:spcPts val="1200"/>
+              </a:spcAft>
+              <a:buSzPts val="605"/>
               <a:buNone/>
             </a:pPr>
             <a:r>
               <a:t/>
             </a:r>
-            <a:endParaRPr/>
+            <a:endParaRPr sz="1500"/>
           </a:p>
         </p:txBody>
       </p:sp>
@@ -9281,6 +11653,285 @@
 </file>
 
 <file path=ppt/theme/theme1.xml><?xml version="1.0" encoding="utf-8"?>
+<a:theme xmlns:a="http://schemas.openxmlformats.org/drawingml/2006/main" xmlns:r="http://schemas.openxmlformats.org/officeDocument/2006/relationships" name="Streamline">
+  <a:themeElements>
+    <a:clrScheme name="Streamline">
+      <a:dk1>
+        <a:srgbClr val="1A9988"/>
+      </a:dk1>
+      <a:lt1>
+        <a:srgbClr val="FFFFFF"/>
+      </a:lt1>
+      <a:dk2>
+        <a:srgbClr val="1A1A1A"/>
+      </a:dk2>
+      <a:lt2>
+        <a:srgbClr val="E9EDEE"/>
+      </a:lt2>
+      <a:accent1>
+        <a:srgbClr val="595959"/>
+      </a:accent1>
+      <a:accent2>
+        <a:srgbClr val="6AA4C8"/>
+      </a:accent2>
+      <a:accent3>
+        <a:srgbClr val="EB5600"/>
+      </a:accent3>
+      <a:accent4>
+        <a:srgbClr val="A2FFE8"/>
+      </a:accent4>
+      <a:accent5>
+        <a:srgbClr val="1C3678"/>
+      </a:accent5>
+      <a:accent6>
+        <a:srgbClr val="FFB8A2"/>
+      </a:accent6>
+      <a:hlink>
+        <a:srgbClr val="1C3678"/>
+      </a:hlink>
+      <a:folHlink>
+        <a:srgbClr val="1C3678"/>
+      </a:folHlink>
+    </a:clrScheme>
+    <a:fontScheme name="Office">
+      <a:majorFont>
+        <a:latin typeface="Arial"/>
+        <a:ea typeface=""/>
+        <a:cs typeface=""/>
+        <a:font script="Jpan" typeface="ＭＳ Ｐゴシック"/>
+        <a:font script="Hang" typeface="맑은 고딕"/>
+        <a:font script="Hans" typeface="宋体"/>
+        <a:font script="Hant" typeface="新細明體"/>
+        <a:font script="Arab" typeface="Times New Roman"/>
+        <a:font script="Hebr" typeface="Times New Roman"/>
+        <a:font script="Thai" typeface="Angsana New"/>
+        <a:font script="Ethi" typeface="Nyala"/>
+        <a:font script="Beng" typeface="Vrinda"/>
+        <a:font script="Gujr" typeface="Shruti"/>
+        <a:font script="Khmr" typeface="MoolBoran"/>
+        <a:font script="Knda" typeface="Tunga"/>
+        <a:font script="Guru" typeface="Raavi"/>
+        <a:font script="Cans" typeface="Euphemia"/>
+        <a:font script="Cher" typeface="Plantagenet Cherokee"/>
+        <a:font script="Yiii" typeface="Microsoft Yi Baiti"/>
+        <a:font script="Tibt" typeface="Microsoft Himalaya"/>
+        <a:font script="Thaa" typeface="MV Boli"/>
+        <a:font script="Deva" typeface="Mangal"/>
+        <a:font script="Telu" typeface="Gautami"/>
+        <a:font script="Taml" typeface="Latha"/>
+        <a:font script="Syrc" typeface="Estrangelo Edessa"/>
+        <a:font script="Orya" typeface="Kalinga"/>
+        <a:font script="Mlym" typeface="Kartika"/>
+        <a:font script="Laoo" typeface="DokChampa"/>
+        <a:font script="Sinh" typeface="Iskoola Pota"/>
+        <a:font script="Mong" typeface="Mongolian Baiti"/>
+        <a:font script="Viet" typeface="Times New Roman"/>
+        <a:font script="Uigh" typeface="Microsoft Uighur"/>
+        <a:font script="Geor" typeface="Sylfaen"/>
+      </a:majorFont>
+      <a:minorFont>
+        <a:latin typeface="Arial"/>
+        <a:ea typeface=""/>
+        <a:cs typeface=""/>
+        <a:font script="Jpan" typeface="ＭＳ Ｐゴシック"/>
+        <a:font script="Hang" typeface="맑은 고딕"/>
+        <a:font script="Hans" typeface="宋体"/>
+        <a:font script="Hant" typeface="新細明體"/>
+        <a:font script="Arab" typeface="Arial"/>
+        <a:font script="Hebr" typeface="Arial"/>
+        <a:font script="Thai" typeface="Cordia New"/>
+        <a:font script="Ethi" typeface="Nyala"/>
+        <a:font script="Beng" typeface="Vrinda"/>
+        <a:font script="Gujr" typeface="Shruti"/>
+        <a:font script="Khmr" typeface="DaunPenh"/>
+        <a:font script="Knda" typeface="Tunga"/>
+        <a:font script="Guru" typeface="Raavi"/>
+        <a:font script="Cans" typeface="Euphemia"/>
+        <a:font script="Cher" typeface="Plantagenet Cherokee"/>
+        <a:font script="Yiii" typeface="Microsoft Yi Baiti"/>
+        <a:font script="Tibt" typeface="Microsoft Himalaya"/>
+        <a:font script="Thaa" typeface="MV Boli"/>
+        <a:font script="Deva" typeface="Mangal"/>
+        <a:font script="Telu" typeface="Gautami"/>
+        <a:font script="Taml" typeface="Latha"/>
+        <a:font script="Syrc" typeface="Estrangelo Edessa"/>
+        <a:font script="Orya" typeface="Kalinga"/>
+        <a:font script="Mlym" typeface="Kartika"/>
+        <a:font script="Laoo" typeface="DokChampa"/>
+        <a:font script="Sinh" typeface="Iskoola Pota"/>
+        <a:font script="Mong" typeface="Mongolian Baiti"/>
+        <a:font script="Viet" typeface="Arial"/>
+        <a:font script="Uigh" typeface="Microsoft Uighur"/>
+        <a:font script="Geor" typeface="Sylfaen"/>
+      </a:minorFont>
+    </a:fontScheme>
+    <a:fmtScheme name="Office">
+      <a:fillStyleLst>
+        <a:solidFill>
+          <a:schemeClr val="phClr"/>
+        </a:solidFill>
+        <a:gradFill rotWithShape="1">
+          <a:gsLst>
+            <a:gs pos="0">
+              <a:schemeClr val="phClr">
+                <a:tint val="50000"/>
+                <a:satMod val="300000"/>
+              </a:schemeClr>
+            </a:gs>
+            <a:gs pos="35000">
+              <a:schemeClr val="phClr">
+                <a:tint val="37000"/>
+                <a:satMod val="300000"/>
+              </a:schemeClr>
+            </a:gs>
+            <a:gs pos="100000">
+              <a:schemeClr val="phClr">
+                <a:tint val="15000"/>
+                <a:satMod val="350000"/>
+              </a:schemeClr>
+            </a:gs>
+          </a:gsLst>
+          <a:lin ang="16200000" scaled="1"/>
+        </a:gradFill>
+        <a:gradFill rotWithShape="1">
+          <a:gsLst>
+            <a:gs pos="0">
+              <a:schemeClr val="phClr">
+                <a:tint val="100000"/>
+                <a:shade val="100000"/>
+                <a:satMod val="130000"/>
+              </a:schemeClr>
+            </a:gs>
+            <a:gs pos="100000">
+              <a:schemeClr val="phClr">
+                <a:tint val="50000"/>
+                <a:shade val="100000"/>
+                <a:satMod val="350000"/>
+              </a:schemeClr>
+            </a:gs>
+          </a:gsLst>
+          <a:lin ang="16200000" scaled="0"/>
+        </a:gradFill>
+      </a:fillStyleLst>
+      <a:lnStyleLst>
+        <a:ln w="9525" cap="flat" cmpd="sng" algn="ctr">
+          <a:solidFill>
+            <a:schemeClr val="phClr">
+              <a:shade val="95000"/>
+              <a:satMod val="105000"/>
+            </a:schemeClr>
+          </a:solidFill>
+          <a:prstDash val="solid"/>
+        </a:ln>
+        <a:ln w="25400" cap="flat" cmpd="sng" algn="ctr">
+          <a:solidFill>
+            <a:schemeClr val="phClr"/>
+          </a:solidFill>
+          <a:prstDash val="solid"/>
+        </a:ln>
+        <a:ln w="38100" cap="flat" cmpd="sng" algn="ctr">
+          <a:solidFill>
+            <a:schemeClr val="phClr"/>
+          </a:solidFill>
+          <a:prstDash val="solid"/>
+        </a:ln>
+      </a:lnStyleLst>
+      <a:effectStyleLst>
+        <a:effectStyle>
+          <a:effectLst>
+            <a:outerShdw blurRad="40000" dist="20000" dir="5400000" rotWithShape="0">
+              <a:srgbClr val="000000">
+                <a:alpha val="38000"/>
+              </a:srgbClr>
+            </a:outerShdw>
+          </a:effectLst>
+        </a:effectStyle>
+        <a:effectStyle>
+          <a:effectLst>
+            <a:outerShdw blurRad="40000" dist="23000" dir="5400000" rotWithShape="0">
+              <a:srgbClr val="000000">
+                <a:alpha val="35000"/>
+              </a:srgbClr>
+            </a:outerShdw>
+          </a:effectLst>
+        </a:effectStyle>
+        <a:effectStyle>
+          <a:effectLst>
+            <a:outerShdw blurRad="40000" dist="23000" dir="5400000" rotWithShape="0">
+              <a:srgbClr val="000000">
+                <a:alpha val="35000"/>
+              </a:srgbClr>
+            </a:outerShdw>
+          </a:effectLst>
+          <a:scene3d>
+            <a:camera prst="orthographicFront">
+              <a:rot lat="0" lon="0" rev="0"/>
+            </a:camera>
+            <a:lightRig rig="threePt" dir="t">
+              <a:rot lat="0" lon="0" rev="1200000"/>
+            </a:lightRig>
+          </a:scene3d>
+          <a:sp3d>
+            <a:bevelT w="63500" h="25400"/>
+          </a:sp3d>
+        </a:effectStyle>
+      </a:effectStyleLst>
+      <a:bgFillStyleLst>
+        <a:solidFill>
+          <a:schemeClr val="phClr"/>
+        </a:solidFill>
+        <a:gradFill rotWithShape="1">
+          <a:gsLst>
+            <a:gs pos="0">
+              <a:schemeClr val="phClr">
+                <a:tint val="40000"/>
+                <a:satMod val="350000"/>
+              </a:schemeClr>
+            </a:gs>
+            <a:gs pos="40000">
+              <a:schemeClr val="phClr">
+                <a:tint val="45000"/>
+                <a:shade val="99000"/>
+                <a:satMod val="350000"/>
+              </a:schemeClr>
+            </a:gs>
+            <a:gs pos="100000">
+              <a:schemeClr val="phClr">
+                <a:shade val="20000"/>
+                <a:satMod val="255000"/>
+              </a:schemeClr>
+            </a:gs>
+          </a:gsLst>
+          <a:path path="circle">
+            <a:fillToRect l="50000" t="-80000" r="50000" b="180000"/>
+          </a:path>
+        </a:gradFill>
+        <a:gradFill rotWithShape="1">
+          <a:gsLst>
+            <a:gs pos="0">
+              <a:schemeClr val="phClr">
+                <a:tint val="80000"/>
+                <a:satMod val="300000"/>
+              </a:schemeClr>
+            </a:gs>
+            <a:gs pos="100000">
+              <a:schemeClr val="phClr">
+                <a:shade val="30000"/>
+                <a:satMod val="200000"/>
+              </a:schemeClr>
+            </a:gs>
+          </a:gsLst>
+          <a:path path="circle">
+            <a:fillToRect l="50000" t="50000" r="50000" b="50000"/>
+          </a:path>
+        </a:gradFill>
+      </a:bgFillStyleLst>
+    </a:fmtScheme>
+  </a:themeElements>
+</a:theme>
+</file>
+
+<file path=ppt/theme/theme2.xml><?xml version="1.0" encoding="utf-8"?>
 <a:theme xmlns:a="http://schemas.openxmlformats.org/drawingml/2006/main" xmlns:r="http://schemas.openxmlformats.org/officeDocument/2006/relationships">
   <a:themeElements>
     <a:clrScheme name="Default">
@@ -9557,283 +12208,4 @@
     </a:fmtScheme>
   </a:themeElements>
 </a:theme>
-</file>
-
-<file path=ppt/theme/theme2.xml><?xml version="1.0" encoding="utf-8"?>
-<a:theme xmlns:a="http://schemas.openxmlformats.org/drawingml/2006/main" xmlns:r="http://schemas.openxmlformats.org/officeDocument/2006/relationships" name="Streamline">
-  <a:themeElements>
-    <a:clrScheme name="Streamline">
-      <a:dk1>
-        <a:srgbClr val="1A9988"/>
-      </a:dk1>
-      <a:lt1>
-        <a:srgbClr val="FFFFFF"/>
-      </a:lt1>
-      <a:dk2>
-        <a:srgbClr val="1A1A1A"/>
-      </a:dk2>
-      <a:lt2>
-        <a:srgbClr val="E9EDEE"/>
-      </a:lt2>
-      <a:accent1>
-        <a:srgbClr val="595959"/>
-      </a:accent1>
-      <a:accent2>
-        <a:srgbClr val="6AA4C8"/>
-      </a:accent2>
-      <a:accent3>
-        <a:srgbClr val="EB5600"/>
-      </a:accent3>
-      <a:accent4>
-        <a:srgbClr val="A2FFE8"/>
-      </a:accent4>
-      <a:accent5>
-        <a:srgbClr val="1C3678"/>
-      </a:accent5>
-      <a:accent6>
-        <a:srgbClr val="FFB8A2"/>
-      </a:accent6>
-      <a:hlink>
-        <a:srgbClr val="1C3678"/>
-      </a:hlink>
-      <a:folHlink>
-        <a:srgbClr val="1C3678"/>
-      </a:folHlink>
-    </a:clrScheme>
-    <a:fontScheme name="Office">
-      <a:majorFont>
-        <a:latin typeface="Arial"/>
-        <a:ea typeface=""/>
-        <a:cs typeface=""/>
-        <a:font script="Jpan" typeface="ＭＳ Ｐゴシック"/>
-        <a:font script="Hang" typeface="맑은 고딕"/>
-        <a:font script="Hans" typeface="宋体"/>
-        <a:font script="Hant" typeface="新細明體"/>
-        <a:font script="Arab" typeface="Times New Roman"/>
-        <a:font script="Hebr" typeface="Times New Roman"/>
-        <a:font script="Thai" typeface="Angsana New"/>
-        <a:font script="Ethi" typeface="Nyala"/>
-        <a:font script="Beng" typeface="Vrinda"/>
-        <a:font script="Gujr" typeface="Shruti"/>
-        <a:font script="Khmr" typeface="MoolBoran"/>
-        <a:font script="Knda" typeface="Tunga"/>
-        <a:font script="Guru" typeface="Raavi"/>
-        <a:font script="Cans" typeface="Euphemia"/>
-        <a:font script="Cher" typeface="Plantagenet Cherokee"/>
-        <a:font script="Yiii" typeface="Microsoft Yi Baiti"/>
-        <a:font script="Tibt" typeface="Microsoft Himalaya"/>
-        <a:font script="Thaa" typeface="MV Boli"/>
-        <a:font script="Deva" typeface="Mangal"/>
-        <a:font script="Telu" typeface="Gautami"/>
-        <a:font script="Taml" typeface="Latha"/>
-        <a:font script="Syrc" typeface="Estrangelo Edessa"/>
-        <a:font script="Orya" typeface="Kalinga"/>
-        <a:font script="Mlym" typeface="Kartika"/>
-        <a:font script="Laoo" typeface="DokChampa"/>
-        <a:font script="Sinh" typeface="Iskoola Pota"/>
-        <a:font script="Mong" typeface="Mongolian Baiti"/>
-        <a:font script="Viet" typeface="Times New Roman"/>
-        <a:font script="Uigh" typeface="Microsoft Uighur"/>
-        <a:font script="Geor" typeface="Sylfaen"/>
-      </a:majorFont>
-      <a:minorFont>
-        <a:latin typeface="Arial"/>
-        <a:ea typeface=""/>
-        <a:cs typeface=""/>
-        <a:font script="Jpan" typeface="ＭＳ Ｐゴシック"/>
-        <a:font script="Hang" typeface="맑은 고딕"/>
-        <a:font script="Hans" typeface="宋体"/>
-        <a:font script="Hant" typeface="新細明體"/>
-        <a:font script="Arab" typeface="Arial"/>
-        <a:font script="Hebr" typeface="Arial"/>
-        <a:font script="Thai" typeface="Cordia New"/>
-        <a:font script="Ethi" typeface="Nyala"/>
-        <a:font script="Beng" typeface="Vrinda"/>
-        <a:font script="Gujr" typeface="Shruti"/>
-        <a:font script="Khmr" typeface="DaunPenh"/>
-        <a:font script="Knda" typeface="Tunga"/>
-        <a:font script="Guru" typeface="Raavi"/>
-        <a:font script="Cans" typeface="Euphemia"/>
-        <a:font script="Cher" typeface="Plantagenet Cherokee"/>
-        <a:font script="Yiii" typeface="Microsoft Yi Baiti"/>
-        <a:font script="Tibt" typeface="Microsoft Himalaya"/>
-        <a:font script="Thaa" typeface="MV Boli"/>
-        <a:font script="Deva" typeface="Mangal"/>
-        <a:font script="Telu" typeface="Gautami"/>
-        <a:font script="Taml" typeface="Latha"/>
-        <a:font script="Syrc" typeface="Estrangelo Edessa"/>
-        <a:font script="Orya" typeface="Kalinga"/>
-        <a:font script="Mlym" typeface="Kartika"/>
-        <a:font script="Laoo" typeface="DokChampa"/>
-        <a:font script="Sinh" typeface="Iskoola Pota"/>
-        <a:font script="Mong" typeface="Mongolian Baiti"/>
-        <a:font script="Viet" typeface="Arial"/>
-        <a:font script="Uigh" typeface="Microsoft Uighur"/>
-        <a:font script="Geor" typeface="Sylfaen"/>
-      </a:minorFont>
-    </a:fontScheme>
-    <a:fmtScheme name="Office">
-      <a:fillStyleLst>
-        <a:solidFill>
-          <a:schemeClr val="phClr"/>
-        </a:solidFill>
-        <a:gradFill rotWithShape="1">
-          <a:gsLst>
-            <a:gs pos="0">
-              <a:schemeClr val="phClr">
-                <a:tint val="50000"/>
-                <a:satMod val="300000"/>
-              </a:schemeClr>
-            </a:gs>
-            <a:gs pos="35000">
-              <a:schemeClr val="phClr">
-                <a:tint val="37000"/>
-                <a:satMod val="300000"/>
-              </a:schemeClr>
-            </a:gs>
-            <a:gs pos="100000">
-              <a:schemeClr val="phClr">
-                <a:tint val="15000"/>
-                <a:satMod val="350000"/>
-              </a:schemeClr>
-            </a:gs>
-          </a:gsLst>
-          <a:lin ang="16200000" scaled="1"/>
-        </a:gradFill>
-        <a:gradFill rotWithShape="1">
-          <a:gsLst>
-            <a:gs pos="0">
-              <a:schemeClr val="phClr">
-                <a:tint val="100000"/>
-                <a:shade val="100000"/>
-                <a:satMod val="130000"/>
-              </a:schemeClr>
-            </a:gs>
-            <a:gs pos="100000">
-              <a:schemeClr val="phClr">
-                <a:tint val="50000"/>
-                <a:shade val="100000"/>
-                <a:satMod val="350000"/>
-              </a:schemeClr>
-            </a:gs>
-          </a:gsLst>
-          <a:lin ang="16200000" scaled="0"/>
-        </a:gradFill>
-      </a:fillStyleLst>
-      <a:lnStyleLst>
-        <a:ln w="9525" cap="flat" cmpd="sng" algn="ctr">
-          <a:solidFill>
-            <a:schemeClr val="phClr">
-              <a:shade val="95000"/>
-              <a:satMod val="105000"/>
-            </a:schemeClr>
-          </a:solidFill>
-          <a:prstDash val="solid"/>
-        </a:ln>
-        <a:ln w="25400" cap="flat" cmpd="sng" algn="ctr">
-          <a:solidFill>
-            <a:schemeClr val="phClr"/>
-          </a:solidFill>
-          <a:prstDash val="solid"/>
-        </a:ln>
-        <a:ln w="38100" cap="flat" cmpd="sng" algn="ctr">
-          <a:solidFill>
-            <a:schemeClr val="phClr"/>
-          </a:solidFill>
-          <a:prstDash val="solid"/>
-        </a:ln>
-      </a:lnStyleLst>
-      <a:effectStyleLst>
-        <a:effectStyle>
-          <a:effectLst>
-            <a:outerShdw blurRad="40000" dist="20000" dir="5400000" rotWithShape="0">
-              <a:srgbClr val="000000">
-                <a:alpha val="38000"/>
-              </a:srgbClr>
-            </a:outerShdw>
-          </a:effectLst>
-        </a:effectStyle>
-        <a:effectStyle>
-          <a:effectLst>
-            <a:outerShdw blurRad="40000" dist="23000" dir="5400000" rotWithShape="0">
-              <a:srgbClr val="000000">
-                <a:alpha val="35000"/>
-              </a:srgbClr>
-            </a:outerShdw>
-          </a:effectLst>
-        </a:effectStyle>
-        <a:effectStyle>
-          <a:effectLst>
-            <a:outerShdw blurRad="40000" dist="23000" dir="5400000" rotWithShape="0">
-              <a:srgbClr val="000000">
-                <a:alpha val="35000"/>
-              </a:srgbClr>
-            </a:outerShdw>
-          </a:effectLst>
-          <a:scene3d>
-            <a:camera prst="orthographicFront">
-              <a:rot lat="0" lon="0" rev="0"/>
-            </a:camera>
-            <a:lightRig rig="threePt" dir="t">
-              <a:rot lat="0" lon="0" rev="1200000"/>
-            </a:lightRig>
-          </a:scene3d>
-          <a:sp3d>
-            <a:bevelT w="63500" h="25400"/>
-          </a:sp3d>
-        </a:effectStyle>
-      </a:effectStyleLst>
-      <a:bgFillStyleLst>
-        <a:solidFill>
-          <a:schemeClr val="phClr"/>
-        </a:solidFill>
-        <a:gradFill rotWithShape="1">
-          <a:gsLst>
-            <a:gs pos="0">
-              <a:schemeClr val="phClr">
-                <a:tint val="40000"/>
-                <a:satMod val="350000"/>
-              </a:schemeClr>
-            </a:gs>
-            <a:gs pos="40000">
-              <a:schemeClr val="phClr">
-                <a:tint val="45000"/>
-                <a:shade val="99000"/>
-                <a:satMod val="350000"/>
-              </a:schemeClr>
-            </a:gs>
-            <a:gs pos="100000">
-              <a:schemeClr val="phClr">
-                <a:shade val="20000"/>
-                <a:satMod val="255000"/>
-              </a:schemeClr>
-            </a:gs>
-          </a:gsLst>
-          <a:path path="circle">
-            <a:fillToRect l="50000" t="-80000" r="50000" b="180000"/>
-          </a:path>
-        </a:gradFill>
-        <a:gradFill rotWithShape="1">
-          <a:gsLst>
-            <a:gs pos="0">
-              <a:schemeClr val="phClr">
-                <a:tint val="80000"/>
-                <a:satMod val="300000"/>
-              </a:schemeClr>
-            </a:gs>
-            <a:gs pos="100000">
-              <a:schemeClr val="phClr">
-                <a:shade val="30000"/>
-                <a:satMod val="200000"/>
-              </a:schemeClr>
-            </a:gs>
-          </a:gsLst>
-          <a:path path="circle">
-            <a:fillToRect l="50000" t="50000" r="50000" b="50000"/>
-          </a:path>
-        </a:gradFill>
-      </a:bgFillStyleLst>
-    </a:fmtScheme>
-  </a:themeElements>
-</a:theme>
 </file>
--- a/document/成果発表会資料.pptx
+++ b/document/成果発表会資料.pptx
@@ -20,6 +20,7 @@
     <p:sldId id="265" r:id="rId15"/>
     <p:sldId id="266" r:id="rId16"/>
     <p:sldId id="267" r:id="rId17"/>
+    <p:sldId id="268" r:id="rId18"/>
   </p:sldIdLst>
   <p:sldSz cy="5143500" cx="9144000"/>
   <p:notesSz cx="6858000" cy="9144000"/>
@@ -801,7 +802,7 @@
   <p:cSld>
     <p:spTree>
       <p:nvGrpSpPr>
-        <p:cNvPr id="142" name="Shape 142"/>
+        <p:cNvPr id="144" name="Shape 144"/>
         <p:cNvGrpSpPr/>
         <p:nvPr/>
       </p:nvGrpSpPr>
@@ -815,7 +816,7 @@
       </p:grpSpPr>
       <p:sp>
         <p:nvSpPr>
-          <p:cNvPr id="143" name="Google Shape;143;g2e842f42f01_1_1167:notes"/>
+          <p:cNvPr id="145" name="Google Shape;145;g2e842f42f01_1_1162:notes"/>
           <p:cNvSpPr/>
           <p:nvPr>
             <p:ph idx="2" type="sldImg"/>
@@ -850,7 +851,7 @@
       </p:sp>
       <p:sp>
         <p:nvSpPr>
-          <p:cNvPr id="144" name="Google Shape;144;g2e842f42f01_1_1167:notes"/>
+          <p:cNvPr id="146" name="Google Shape;146;g2e842f42f01_1_1162:notes"/>
           <p:cNvSpPr txBox="1"/>
           <p:nvPr>
             <p:ph idx="1" type="body"/>
@@ -900,7 +901,7 @@
   <p:cSld>
     <p:spTree>
       <p:nvGrpSpPr>
-        <p:cNvPr id="148" name="Shape 148"/>
+        <p:cNvPr id="150" name="Shape 150"/>
         <p:cNvGrpSpPr/>
         <p:nvPr/>
       </p:nvGrpSpPr>
@@ -914,7 +915,7 @@
       </p:grpSpPr>
       <p:sp>
         <p:nvSpPr>
-          <p:cNvPr id="149" name="Google Shape;149;g2e842f42f01_1_1182:notes"/>
+          <p:cNvPr id="151" name="Google Shape;151;g2e842f42f01_1_1167:notes"/>
           <p:cNvSpPr/>
           <p:nvPr>
             <p:ph idx="2" type="sldImg"/>
@@ -949,7 +950,7 @@
       </p:sp>
       <p:sp>
         <p:nvSpPr>
-          <p:cNvPr id="150" name="Google Shape;150;g2e842f42f01_1_1182:notes"/>
+          <p:cNvPr id="152" name="Google Shape;152;g2e842f42f01_1_1167:notes"/>
           <p:cNvSpPr txBox="1"/>
           <p:nvPr>
             <p:ph idx="1" type="body"/>
@@ -999,7 +1000,7 @@
   <p:cSld>
     <p:spTree>
       <p:nvGrpSpPr>
-        <p:cNvPr id="154" name="Shape 154"/>
+        <p:cNvPr id="156" name="Shape 156"/>
         <p:cNvGrpSpPr/>
         <p:nvPr/>
       </p:nvGrpSpPr>
@@ -1013,7 +1014,7 @@
       </p:grpSpPr>
       <p:sp>
         <p:nvSpPr>
-          <p:cNvPr id="155" name="Google Shape;155;g2e842f42f01_1_1187:notes"/>
+          <p:cNvPr id="157" name="Google Shape;157;g2e842f42f01_1_1182:notes"/>
           <p:cNvSpPr/>
           <p:nvPr>
             <p:ph idx="2" type="sldImg"/>
@@ -1048,7 +1049,7 @@
       </p:sp>
       <p:sp>
         <p:nvSpPr>
-          <p:cNvPr id="156" name="Google Shape;156;g2e842f42f01_1_1187:notes"/>
+          <p:cNvPr id="158" name="Google Shape;158;g2e842f42f01_1_1182:notes"/>
           <p:cNvSpPr txBox="1"/>
           <p:nvPr>
             <p:ph idx="1" type="body"/>
@@ -1093,12 +1094,12 @@
 </p:notes>
 </file>
 
-<file path=ppt/notesSlides/notesSlide2.xml><?xml version="1.0" encoding="utf-8"?>
+<file path=ppt/notesSlides/notesSlide13.xml><?xml version="1.0" encoding="utf-8"?>
 <p:notes xmlns:a="http://schemas.openxmlformats.org/drawingml/2006/main" xmlns:r="http://schemas.openxmlformats.org/officeDocument/2006/relationships" xmlns:mc="http://schemas.openxmlformats.org/markup-compatibility/2006" xmlns:mv="urn:schemas-microsoft-com:mac:vml" xmlns:p="http://schemas.openxmlformats.org/presentationml/2006/main" xmlns:c="http://schemas.openxmlformats.org/drawingml/2006/chart" xmlns:dgm="http://schemas.openxmlformats.org/drawingml/2006/diagram" xmlns:o="urn:schemas-microsoft-com:office:office" xmlns:v="urn:schemas-microsoft-com:vml" xmlns:pvml="urn:schemas-microsoft-com:office:powerpoint" xmlns:com="http://schemas.openxmlformats.org/drawingml/2006/compatibility" xmlns:p14="http://schemas.microsoft.com/office/powerpoint/2010/main" xmlns:p15="http://schemas.microsoft.com/office/powerpoint/2012/main" xmlns:ahyp="http://schemas.microsoft.com/office/drawing/2018/hyperlinkcolor" showMasterPhAnim="0" showMasterSp="0">
   <p:cSld>
     <p:spTree>
       <p:nvGrpSpPr>
-        <p:cNvPr id="88" name="Shape 88"/>
+        <p:cNvPr id="162" name="Shape 162"/>
         <p:cNvGrpSpPr/>
         <p:nvPr/>
       </p:nvGrpSpPr>
@@ -1112,7 +1113,7 @@
       </p:grpSpPr>
       <p:sp>
         <p:nvSpPr>
-          <p:cNvPr id="89" name="Google Shape;89;g2e842f42f01_1_450:notes"/>
+          <p:cNvPr id="163" name="Google Shape;163;g2e842f42f01_1_1187:notes"/>
           <p:cNvSpPr/>
           <p:nvPr>
             <p:ph idx="2" type="sldImg"/>
@@ -1147,7 +1148,7 @@
       </p:sp>
       <p:sp>
         <p:nvSpPr>
-          <p:cNvPr id="90" name="Google Shape;90;g2e842f42f01_1_450:notes"/>
+          <p:cNvPr id="164" name="Google Shape;164;g2e842f42f01_1_1187:notes"/>
           <p:cNvSpPr txBox="1"/>
           <p:nvPr>
             <p:ph idx="1" type="body"/>
@@ -1192,12 +1193,12 @@
 </p:notes>
 </file>
 
-<file path=ppt/notesSlides/notesSlide3.xml><?xml version="1.0" encoding="utf-8"?>
+<file path=ppt/notesSlides/notesSlide2.xml><?xml version="1.0" encoding="utf-8"?>
 <p:notes xmlns:a="http://schemas.openxmlformats.org/drawingml/2006/main" xmlns:r="http://schemas.openxmlformats.org/officeDocument/2006/relationships" xmlns:mc="http://schemas.openxmlformats.org/markup-compatibility/2006" xmlns:mv="urn:schemas-microsoft-com:mac:vml" xmlns:p="http://schemas.openxmlformats.org/presentationml/2006/main" xmlns:c="http://schemas.openxmlformats.org/drawingml/2006/chart" xmlns:dgm="http://schemas.openxmlformats.org/drawingml/2006/diagram" xmlns:o="urn:schemas-microsoft-com:office:office" xmlns:v="urn:schemas-microsoft-com:vml" xmlns:pvml="urn:schemas-microsoft-com:office:powerpoint" xmlns:com="http://schemas.openxmlformats.org/drawingml/2006/compatibility" xmlns:p14="http://schemas.microsoft.com/office/powerpoint/2010/main" xmlns:p15="http://schemas.microsoft.com/office/powerpoint/2012/main" xmlns:ahyp="http://schemas.microsoft.com/office/drawing/2018/hyperlinkcolor" showMasterPhAnim="0" showMasterSp="0">
   <p:cSld>
     <p:spTree>
       <p:nvGrpSpPr>
-        <p:cNvPr id="95" name="Shape 95"/>
+        <p:cNvPr id="88" name="Shape 88"/>
         <p:cNvGrpSpPr/>
         <p:nvPr/>
       </p:nvGrpSpPr>
@@ -1211,7 +1212,7 @@
       </p:grpSpPr>
       <p:sp>
         <p:nvSpPr>
-          <p:cNvPr id="96" name="Google Shape;96;g2e842f42f01_10_3:notes"/>
+          <p:cNvPr id="89" name="Google Shape;89;g2e842f42f01_10_33:notes"/>
           <p:cNvSpPr/>
           <p:nvPr>
             <p:ph idx="2" type="sldImg"/>
@@ -1246,7 +1247,7 @@
       </p:sp>
       <p:sp>
         <p:nvSpPr>
-          <p:cNvPr id="97" name="Google Shape;97;g2e842f42f01_10_3:notes"/>
+          <p:cNvPr id="90" name="Google Shape;90;g2e842f42f01_10_33:notes"/>
           <p:cNvSpPr txBox="1"/>
           <p:nvPr>
             <p:ph idx="1" type="body"/>
@@ -1291,12 +1292,12 @@
 </p:notes>
 </file>
 
-<file path=ppt/notesSlides/notesSlide4.xml><?xml version="1.0" encoding="utf-8"?>
+<file path=ppt/notesSlides/notesSlide3.xml><?xml version="1.0" encoding="utf-8"?>
 <p:notes xmlns:a="http://schemas.openxmlformats.org/drawingml/2006/main" xmlns:r="http://schemas.openxmlformats.org/officeDocument/2006/relationships" xmlns:mc="http://schemas.openxmlformats.org/markup-compatibility/2006" xmlns:mv="urn:schemas-microsoft-com:mac:vml" xmlns:p="http://schemas.openxmlformats.org/presentationml/2006/main" xmlns:c="http://schemas.openxmlformats.org/drawingml/2006/chart" xmlns:dgm="http://schemas.openxmlformats.org/drawingml/2006/diagram" xmlns:o="urn:schemas-microsoft-com:office:office" xmlns:v="urn:schemas-microsoft-com:vml" xmlns:pvml="urn:schemas-microsoft-com:office:powerpoint" xmlns:com="http://schemas.openxmlformats.org/drawingml/2006/compatibility" xmlns:p14="http://schemas.microsoft.com/office/powerpoint/2010/main" xmlns:p15="http://schemas.microsoft.com/office/powerpoint/2012/main" xmlns:ahyp="http://schemas.microsoft.com/office/drawing/2018/hyperlinkcolor" showMasterPhAnim="0" showMasterSp="0">
   <p:cSld>
     <p:spTree>
       <p:nvGrpSpPr>
-        <p:cNvPr id="103" name="Shape 103"/>
+        <p:cNvPr id="96" name="Shape 96"/>
         <p:cNvGrpSpPr/>
         <p:nvPr/>
       </p:nvGrpSpPr>
@@ -1310,7 +1311,7 @@
       </p:grpSpPr>
       <p:sp>
         <p:nvSpPr>
-          <p:cNvPr id="104" name="Google Shape;104;g2e842f42f01_1_1172:notes"/>
+          <p:cNvPr id="97" name="Google Shape;97;g2e842f42f01_1_450:notes"/>
           <p:cNvSpPr/>
           <p:nvPr>
             <p:ph idx="2" type="sldImg"/>
@@ -1345,7 +1346,7 @@
       </p:sp>
       <p:sp>
         <p:nvSpPr>
-          <p:cNvPr id="105" name="Google Shape;105;g2e842f42f01_1_1172:notes"/>
+          <p:cNvPr id="98" name="Google Shape;98;g2e842f42f01_1_450:notes"/>
           <p:cNvSpPr txBox="1"/>
           <p:nvPr>
             <p:ph idx="1" type="body"/>
@@ -1390,12 +1391,12 @@
 </p:notes>
 </file>
 
-<file path=ppt/notesSlides/notesSlide5.xml><?xml version="1.0" encoding="utf-8"?>
+<file path=ppt/notesSlides/notesSlide4.xml><?xml version="1.0" encoding="utf-8"?>
 <p:notes xmlns:a="http://schemas.openxmlformats.org/drawingml/2006/main" xmlns:r="http://schemas.openxmlformats.org/officeDocument/2006/relationships" xmlns:mc="http://schemas.openxmlformats.org/markup-compatibility/2006" xmlns:mv="urn:schemas-microsoft-com:mac:vml" xmlns:p="http://schemas.openxmlformats.org/presentationml/2006/main" xmlns:c="http://schemas.openxmlformats.org/drawingml/2006/chart" xmlns:dgm="http://schemas.openxmlformats.org/drawingml/2006/diagram" xmlns:o="urn:schemas-microsoft-com:office:office" xmlns:v="urn:schemas-microsoft-com:vml" xmlns:pvml="urn:schemas-microsoft-com:office:powerpoint" xmlns:com="http://schemas.openxmlformats.org/drawingml/2006/compatibility" xmlns:p14="http://schemas.microsoft.com/office/powerpoint/2010/main" xmlns:p15="http://schemas.microsoft.com/office/powerpoint/2012/main" xmlns:ahyp="http://schemas.microsoft.com/office/drawing/2018/hyperlinkcolor" showMasterPhAnim="0" showMasterSp="0">
   <p:cSld>
     <p:spTree>
       <p:nvGrpSpPr>
-        <p:cNvPr id="110" name="Shape 110"/>
+        <p:cNvPr id="103" name="Shape 103"/>
         <p:cNvGrpSpPr/>
         <p:nvPr/>
       </p:nvGrpSpPr>
@@ -1409,7 +1410,7 @@
       </p:grpSpPr>
       <p:sp>
         <p:nvSpPr>
-          <p:cNvPr id="111" name="Google Shape;111;g2e842f42f01_10_11:notes"/>
+          <p:cNvPr id="104" name="Google Shape;104;g2e842f42f01_10_3:notes"/>
           <p:cNvSpPr/>
           <p:nvPr>
             <p:ph idx="2" type="sldImg"/>
@@ -1444,7 +1445,7 @@
       </p:sp>
       <p:sp>
         <p:nvSpPr>
-          <p:cNvPr id="112" name="Google Shape;112;g2e842f42f01_10_11:notes"/>
+          <p:cNvPr id="105" name="Google Shape;105;g2e842f42f01_10_3:notes"/>
           <p:cNvSpPr txBox="1"/>
           <p:nvPr>
             <p:ph idx="1" type="body"/>
@@ -1489,12 +1490,12 @@
 </p:notes>
 </file>
 
-<file path=ppt/notesSlides/notesSlide6.xml><?xml version="1.0" encoding="utf-8"?>
+<file path=ppt/notesSlides/notesSlide5.xml><?xml version="1.0" encoding="utf-8"?>
 <p:notes xmlns:a="http://schemas.openxmlformats.org/drawingml/2006/main" xmlns:r="http://schemas.openxmlformats.org/officeDocument/2006/relationships" xmlns:mc="http://schemas.openxmlformats.org/markup-compatibility/2006" xmlns:mv="urn:schemas-microsoft-com:mac:vml" xmlns:p="http://schemas.openxmlformats.org/presentationml/2006/main" xmlns:c="http://schemas.openxmlformats.org/drawingml/2006/chart" xmlns:dgm="http://schemas.openxmlformats.org/drawingml/2006/diagram" xmlns:o="urn:schemas-microsoft-com:office:office" xmlns:v="urn:schemas-microsoft-com:vml" xmlns:pvml="urn:schemas-microsoft-com:office:powerpoint" xmlns:com="http://schemas.openxmlformats.org/drawingml/2006/compatibility" xmlns:p14="http://schemas.microsoft.com/office/powerpoint/2010/main" xmlns:p15="http://schemas.microsoft.com/office/powerpoint/2012/main" xmlns:ahyp="http://schemas.microsoft.com/office/drawing/2018/hyperlinkcolor" showMasterPhAnim="0" showMasterSp="0">
   <p:cSld>
     <p:spTree>
       <p:nvGrpSpPr>
-        <p:cNvPr id="117" name="Shape 117"/>
+        <p:cNvPr id="111" name="Shape 111"/>
         <p:cNvGrpSpPr/>
         <p:nvPr/>
       </p:nvGrpSpPr>
@@ -1508,7 +1509,7 @@
       </p:grpSpPr>
       <p:sp>
         <p:nvSpPr>
-          <p:cNvPr id="118" name="Google Shape;118;g2e842f42f01_1_1152:notes"/>
+          <p:cNvPr id="112" name="Google Shape;112;g2e842f42f01_1_1172:notes"/>
           <p:cNvSpPr/>
           <p:nvPr>
             <p:ph idx="2" type="sldImg"/>
@@ -1543,7 +1544,7 @@
       </p:sp>
       <p:sp>
         <p:nvSpPr>
-          <p:cNvPr id="119" name="Google Shape;119;g2e842f42f01_1_1152:notes"/>
+          <p:cNvPr id="113" name="Google Shape;113;g2e842f42f01_1_1172:notes"/>
           <p:cNvSpPr txBox="1"/>
           <p:nvPr>
             <p:ph idx="1" type="body"/>
@@ -1588,12 +1589,12 @@
 </p:notes>
 </file>
 
-<file path=ppt/notesSlides/notesSlide7.xml><?xml version="1.0" encoding="utf-8"?>
+<file path=ppt/notesSlides/notesSlide6.xml><?xml version="1.0" encoding="utf-8"?>
 <p:notes xmlns:a="http://schemas.openxmlformats.org/drawingml/2006/main" xmlns:r="http://schemas.openxmlformats.org/officeDocument/2006/relationships" xmlns:mc="http://schemas.openxmlformats.org/markup-compatibility/2006" xmlns:mv="urn:schemas-microsoft-com:mac:vml" xmlns:p="http://schemas.openxmlformats.org/presentationml/2006/main" xmlns:c="http://schemas.openxmlformats.org/drawingml/2006/chart" xmlns:dgm="http://schemas.openxmlformats.org/drawingml/2006/diagram" xmlns:o="urn:schemas-microsoft-com:office:office" xmlns:v="urn:schemas-microsoft-com:vml" xmlns:pvml="urn:schemas-microsoft-com:office:powerpoint" xmlns:com="http://schemas.openxmlformats.org/drawingml/2006/compatibility" xmlns:p14="http://schemas.microsoft.com/office/powerpoint/2010/main" xmlns:p15="http://schemas.microsoft.com/office/powerpoint/2012/main" xmlns:ahyp="http://schemas.microsoft.com/office/drawing/2018/hyperlinkcolor" showMasterPhAnim="0" showMasterSp="0">
   <p:cSld>
     <p:spTree>
       <p:nvGrpSpPr>
-        <p:cNvPr id="123" name="Shape 123"/>
+        <p:cNvPr id="117" name="Shape 117"/>
         <p:cNvGrpSpPr/>
         <p:nvPr/>
       </p:nvGrpSpPr>
@@ -1607,7 +1608,7 @@
       </p:grpSpPr>
       <p:sp>
         <p:nvSpPr>
-          <p:cNvPr id="124" name="Google Shape;124;g2e842f42f01_1_1157:notes"/>
+          <p:cNvPr id="118" name="Google Shape;118;g2e842f42f01_10_11:notes"/>
           <p:cNvSpPr/>
           <p:nvPr>
             <p:ph idx="2" type="sldImg"/>
@@ -1642,7 +1643,7 @@
       </p:sp>
       <p:sp>
         <p:nvSpPr>
-          <p:cNvPr id="125" name="Google Shape;125;g2e842f42f01_1_1157:notes"/>
+          <p:cNvPr id="119" name="Google Shape;119;g2e842f42f01_10_11:notes"/>
           <p:cNvSpPr txBox="1"/>
           <p:nvPr>
             <p:ph idx="1" type="body"/>
@@ -1687,12 +1688,12 @@
 </p:notes>
 </file>
 
-<file path=ppt/notesSlides/notesSlide8.xml><?xml version="1.0" encoding="utf-8"?>
+<file path=ppt/notesSlides/notesSlide7.xml><?xml version="1.0" encoding="utf-8"?>
 <p:notes xmlns:a="http://schemas.openxmlformats.org/drawingml/2006/main" xmlns:r="http://schemas.openxmlformats.org/officeDocument/2006/relationships" xmlns:mc="http://schemas.openxmlformats.org/markup-compatibility/2006" xmlns:mv="urn:schemas-microsoft-com:mac:vml" xmlns:p="http://schemas.openxmlformats.org/presentationml/2006/main" xmlns:c="http://schemas.openxmlformats.org/drawingml/2006/chart" xmlns:dgm="http://schemas.openxmlformats.org/drawingml/2006/diagram" xmlns:o="urn:schemas-microsoft-com:office:office" xmlns:v="urn:schemas-microsoft-com:vml" xmlns:pvml="urn:schemas-microsoft-com:office:powerpoint" xmlns:com="http://schemas.openxmlformats.org/drawingml/2006/compatibility" xmlns:p14="http://schemas.microsoft.com/office/powerpoint/2010/main" xmlns:p15="http://schemas.microsoft.com/office/powerpoint/2012/main" xmlns:ahyp="http://schemas.microsoft.com/office/drawing/2018/hyperlinkcolor" showMasterPhAnim="0" showMasterSp="0">
   <p:cSld>
     <p:spTree>
       <p:nvGrpSpPr>
-        <p:cNvPr id="129" name="Shape 129"/>
+        <p:cNvPr id="124" name="Shape 124"/>
         <p:cNvGrpSpPr/>
         <p:nvPr/>
       </p:nvGrpSpPr>
@@ -1706,7 +1707,7 @@
       </p:grpSpPr>
       <p:sp>
         <p:nvSpPr>
-          <p:cNvPr id="130" name="Google Shape;130;g2e842f42f01_1_1197:notes"/>
+          <p:cNvPr id="125" name="Google Shape;125;g2e842f42f01_1_1152:notes"/>
           <p:cNvSpPr/>
           <p:nvPr>
             <p:ph idx="2" type="sldImg"/>
@@ -1741,7 +1742,7 @@
       </p:sp>
       <p:sp>
         <p:nvSpPr>
-          <p:cNvPr id="131" name="Google Shape;131;g2e842f42f01_1_1197:notes"/>
+          <p:cNvPr id="126" name="Google Shape;126;g2e842f42f01_1_1152:notes"/>
           <p:cNvSpPr txBox="1"/>
           <p:nvPr>
             <p:ph idx="1" type="body"/>
@@ -1786,12 +1787,12 @@
 </p:notes>
 </file>
 
-<file path=ppt/notesSlides/notesSlide9.xml><?xml version="1.0" encoding="utf-8"?>
+<file path=ppt/notesSlides/notesSlide8.xml><?xml version="1.0" encoding="utf-8"?>
 <p:notes xmlns:a="http://schemas.openxmlformats.org/drawingml/2006/main" xmlns:r="http://schemas.openxmlformats.org/officeDocument/2006/relationships" xmlns:mc="http://schemas.openxmlformats.org/markup-compatibility/2006" xmlns:mv="urn:schemas-microsoft-com:mac:vml" xmlns:p="http://schemas.openxmlformats.org/presentationml/2006/main" xmlns:c="http://schemas.openxmlformats.org/drawingml/2006/chart" xmlns:dgm="http://schemas.openxmlformats.org/drawingml/2006/diagram" xmlns:o="urn:schemas-microsoft-com:office:office" xmlns:v="urn:schemas-microsoft-com:vml" xmlns:pvml="urn:schemas-microsoft-com:office:powerpoint" xmlns:com="http://schemas.openxmlformats.org/drawingml/2006/compatibility" xmlns:p14="http://schemas.microsoft.com/office/powerpoint/2010/main" xmlns:p15="http://schemas.microsoft.com/office/powerpoint/2012/main" xmlns:ahyp="http://schemas.microsoft.com/office/drawing/2018/hyperlinkcolor" showMasterPhAnim="0" showMasterSp="0">
   <p:cSld>
     <p:spTree>
       <p:nvGrpSpPr>
-        <p:cNvPr id="136" name="Shape 136"/>
+        <p:cNvPr id="131" name="Shape 131"/>
         <p:cNvGrpSpPr/>
         <p:nvPr/>
       </p:nvGrpSpPr>
@@ -1805,7 +1806,7 @@
       </p:grpSpPr>
       <p:sp>
         <p:nvSpPr>
-          <p:cNvPr id="137" name="Google Shape;137;g2e842f42f01_1_1162:notes"/>
+          <p:cNvPr id="132" name="Google Shape;132;g2e842f42f01_1_1157:notes"/>
           <p:cNvSpPr/>
           <p:nvPr>
             <p:ph idx="2" type="sldImg"/>
@@ -1840,7 +1841,106 @@
       </p:sp>
       <p:sp>
         <p:nvSpPr>
-          <p:cNvPr id="138" name="Google Shape;138;g2e842f42f01_1_1162:notes"/>
+          <p:cNvPr id="133" name="Google Shape;133;g2e842f42f01_1_1157:notes"/>
+          <p:cNvSpPr txBox="1"/>
+          <p:nvPr>
+            <p:ph idx="1" type="body"/>
+          </p:nvPr>
+        </p:nvSpPr>
+        <p:spPr>
+          <a:xfrm>
+            <a:off x="685800" y="4343400"/>
+            <a:ext cx="5486400" cy="4114800"/>
+          </a:xfrm>
+          <a:prstGeom prst="rect">
+            <a:avLst/>
+          </a:prstGeom>
+        </p:spPr>
+        <p:txBody>
+          <a:bodyPr anchorCtr="0" anchor="t" bIns="91425" lIns="91425" spcFirstLastPara="1" rIns="91425" wrap="square" tIns="91425">
+            <a:noAutofit/>
+          </a:bodyPr>
+          <a:lstStyle/>
+          <a:p>
+            <a:pPr indent="0" lvl="0" marL="0" rtl="0" algn="l">
+              <a:spcBef>
+                <a:spcPts val="0"/>
+              </a:spcBef>
+              <a:spcAft>
+                <a:spcPts val="0"/>
+              </a:spcAft>
+              <a:buNone/>
+            </a:pPr>
+            <a:r>
+              <a:t/>
+            </a:r>
+            <a:endParaRPr/>
+          </a:p>
+        </p:txBody>
+      </p:sp>
+    </p:spTree>
+  </p:cSld>
+  <p:clrMapOvr>
+    <a:masterClrMapping/>
+  </p:clrMapOvr>
+</p:notes>
+</file>
+
+<file path=ppt/notesSlides/notesSlide9.xml><?xml version="1.0" encoding="utf-8"?>
+<p:notes xmlns:a="http://schemas.openxmlformats.org/drawingml/2006/main" xmlns:r="http://schemas.openxmlformats.org/officeDocument/2006/relationships" xmlns:mc="http://schemas.openxmlformats.org/markup-compatibility/2006" xmlns:mv="urn:schemas-microsoft-com:mac:vml" xmlns:p="http://schemas.openxmlformats.org/presentationml/2006/main" xmlns:c="http://schemas.openxmlformats.org/drawingml/2006/chart" xmlns:dgm="http://schemas.openxmlformats.org/drawingml/2006/diagram" xmlns:o="urn:schemas-microsoft-com:office:office" xmlns:v="urn:schemas-microsoft-com:vml" xmlns:pvml="urn:schemas-microsoft-com:office:powerpoint" xmlns:com="http://schemas.openxmlformats.org/drawingml/2006/compatibility" xmlns:p14="http://schemas.microsoft.com/office/powerpoint/2010/main" xmlns:p15="http://schemas.microsoft.com/office/powerpoint/2012/main" xmlns:ahyp="http://schemas.microsoft.com/office/drawing/2018/hyperlinkcolor" showMasterPhAnim="0" showMasterSp="0">
+  <p:cSld>
+    <p:spTree>
+      <p:nvGrpSpPr>
+        <p:cNvPr id="137" name="Shape 137"/>
+        <p:cNvGrpSpPr/>
+        <p:nvPr/>
+      </p:nvGrpSpPr>
+      <p:grpSpPr>
+        <a:xfrm>
+          <a:off x="0" y="0"/>
+          <a:ext cx="0" cy="0"/>
+          <a:chOff x="0" y="0"/>
+          <a:chExt cx="0" cy="0"/>
+        </a:xfrm>
+      </p:grpSpPr>
+      <p:sp>
+        <p:nvSpPr>
+          <p:cNvPr id="138" name="Google Shape;138;g2e842f42f01_1_1197:notes"/>
+          <p:cNvSpPr/>
+          <p:nvPr>
+            <p:ph idx="2" type="sldImg"/>
+          </p:nvPr>
+        </p:nvSpPr>
+        <p:spPr>
+          <a:xfrm>
+            <a:off x="381300" y="685800"/>
+            <a:ext cx="6096000" cy="3429000"/>
+          </a:xfrm>
+          <a:custGeom>
+            <a:rect b="b" l="l" r="r" t="t"/>
+            <a:pathLst>
+              <a:path extrusionOk="0" h="120000" w="120000">
+                <a:moveTo>
+                  <a:pt x="0" y="0"/>
+                </a:moveTo>
+                <a:lnTo>
+                  <a:pt x="120000" y="0"/>
+                </a:lnTo>
+                <a:lnTo>
+                  <a:pt x="120000" y="120000"/>
+                </a:lnTo>
+                <a:lnTo>
+                  <a:pt x="0" y="120000"/>
+                </a:lnTo>
+                <a:close/>
+              </a:path>
+            </a:pathLst>
+          </a:custGeom>
+        </p:spPr>
+      </p:sp>
+      <p:sp>
+        <p:nvSpPr>
+          <p:cNvPr id="139" name="Google Shape;139;g2e842f42f01_1_1197:notes"/>
           <p:cNvSpPr txBox="1"/>
           <p:nvPr>
             <p:ph idx="1" type="body"/>
@@ -8329,7 +8429,7 @@
   <p:cSld>
     <p:spTree>
       <p:nvGrpSpPr>
-        <p:cNvPr id="145" name="Shape 145"/>
+        <p:cNvPr id="147" name="Shape 147"/>
         <p:cNvGrpSpPr/>
         <p:nvPr/>
       </p:nvGrpSpPr>
@@ -8343,7 +8443,215 @@
       </p:grpSpPr>
       <p:sp>
         <p:nvSpPr>
-          <p:cNvPr id="146" name="Google Shape;146;p22"/>
+          <p:cNvPr id="148" name="Google Shape;148;p22"/>
+          <p:cNvSpPr txBox="1"/>
+          <p:nvPr>
+            <p:ph type="title"/>
+          </p:nvPr>
+        </p:nvSpPr>
+        <p:spPr>
+          <a:xfrm>
+            <a:off x="727650" y="1253725"/>
+            <a:ext cx="7688700" cy="535200"/>
+          </a:xfrm>
+          <a:prstGeom prst="rect">
+            <a:avLst/>
+          </a:prstGeom>
+        </p:spPr>
+        <p:txBody>
+          <a:bodyPr anchorCtr="0" anchor="t" bIns="91425" lIns="91425" spcFirstLastPara="1" rIns="91425" wrap="square" tIns="91425">
+            <a:normAutofit fontScale="90000"/>
+          </a:bodyPr>
+          <a:lstStyle/>
+          <a:p>
+            <a:pPr indent="0" lvl="0" marL="0" rtl="0" algn="l">
+              <a:spcBef>
+                <a:spcPts val="0"/>
+              </a:spcBef>
+              <a:spcAft>
+                <a:spcPts val="0"/>
+              </a:spcAft>
+              <a:buNone/>
+            </a:pPr>
+            <a:r>
+              <a:rPr lang="ja"/>
+              <a:t>個人の振り返り：高瀬(ドキュメントリーダー)</a:t>
+            </a:r>
+            <a:endParaRPr/>
+          </a:p>
+        </p:txBody>
+      </p:sp>
+      <p:sp>
+        <p:nvSpPr>
+          <p:cNvPr id="149" name="Google Shape;149;p22"/>
+          <p:cNvSpPr txBox="1"/>
+          <p:nvPr>
+            <p:ph idx="1" type="body"/>
+          </p:nvPr>
+        </p:nvSpPr>
+        <p:spPr>
+          <a:xfrm>
+            <a:off x="727650" y="1970725"/>
+            <a:ext cx="7986000" cy="3064500"/>
+          </a:xfrm>
+          <a:prstGeom prst="rect">
+            <a:avLst/>
+          </a:prstGeom>
+        </p:spPr>
+        <p:txBody>
+          <a:bodyPr anchorCtr="0" anchor="t" bIns="91425" lIns="91425" spcFirstLastPara="1" rIns="91425" wrap="square" tIns="91425">
+            <a:noAutofit/>
+          </a:bodyPr>
+          <a:lstStyle/>
+          <a:p>
+            <a:pPr indent="0" lvl="0" marL="0" rtl="0" algn="l">
+              <a:lnSpc>
+                <a:spcPct val="95000"/>
+              </a:lnSpc>
+              <a:spcBef>
+                <a:spcPts val="0"/>
+              </a:spcBef>
+              <a:spcAft>
+                <a:spcPts val="0"/>
+              </a:spcAft>
+              <a:buSzPts val="605"/>
+              <a:buNone/>
+            </a:pPr>
+            <a:r>
+              <a:rPr lang="ja" sz="1800"/>
+              <a:t>学んだ点</a:t>
+            </a:r>
+            <a:endParaRPr sz="1800"/>
+          </a:p>
+          <a:p>
+            <a:pPr indent="-342900" lvl="0" marL="457200" rtl="0" algn="l">
+              <a:lnSpc>
+                <a:spcPct val="95000"/>
+              </a:lnSpc>
+              <a:spcBef>
+                <a:spcPts val="1200"/>
+              </a:spcBef>
+              <a:spcAft>
+                <a:spcPts val="0"/>
+              </a:spcAft>
+              <a:buSzPts val="1800"/>
+              <a:buChar char="●"/>
+            </a:pPr>
+            <a:r>
+              <a:rPr lang="ja" sz="1800"/>
+              <a:t>スペルミスをしない、HTMLのタグや括弧を開いたらすぐ閉じるなど、型にはまったコーディングがエラー防止に大切</a:t>
+            </a:r>
+            <a:endParaRPr sz="1800"/>
+          </a:p>
+          <a:p>
+            <a:pPr indent="-342900" lvl="0" marL="457200" rtl="0" algn="l">
+              <a:lnSpc>
+                <a:spcPct val="95000"/>
+              </a:lnSpc>
+              <a:spcBef>
+                <a:spcPts val="0"/>
+              </a:spcBef>
+              <a:spcAft>
+                <a:spcPts val="0"/>
+              </a:spcAft>
+              <a:buSzPts val="1800"/>
+              <a:buChar char="●"/>
+            </a:pPr>
+            <a:r>
+              <a:rPr lang="ja" sz="1800"/>
+              <a:t>リダイレクトではパスパラメータは使えないなど、サンプルコードを勝手に組み合わせてたら動かないことがあるので、一つ一つ丁寧に学習する必要がある</a:t>
+            </a:r>
+            <a:endParaRPr sz="1800"/>
+          </a:p>
+          <a:p>
+            <a:pPr indent="0" lvl="0" marL="0" rtl="0" algn="l">
+              <a:lnSpc>
+                <a:spcPct val="95000"/>
+              </a:lnSpc>
+              <a:spcBef>
+                <a:spcPts val="1200"/>
+              </a:spcBef>
+              <a:spcAft>
+                <a:spcPts val="0"/>
+              </a:spcAft>
+              <a:buSzPts val="605"/>
+              <a:buNone/>
+            </a:pPr>
+            <a:r>
+              <a:rPr lang="ja" sz="1800"/>
+              <a:t>意気込み</a:t>
+            </a:r>
+            <a:endParaRPr sz="1800"/>
+          </a:p>
+          <a:p>
+            <a:pPr indent="-342900" lvl="0" marL="457200" rtl="0" algn="l">
+              <a:lnSpc>
+                <a:spcPct val="95000"/>
+              </a:lnSpc>
+              <a:spcBef>
+                <a:spcPts val="1200"/>
+              </a:spcBef>
+              <a:spcAft>
+                <a:spcPts val="0"/>
+              </a:spcAft>
+              <a:buSzPts val="1800"/>
+              <a:buChar char="●"/>
+            </a:pPr>
+            <a:r>
+              <a:rPr lang="ja" sz="1800"/>
+              <a:t>今回Springでのチーム開発の経験を、他の言語の学習や他のフレームワークでのチーム開発に一般化して生かしたい</a:t>
+            </a:r>
+            <a:endParaRPr sz="1800"/>
+          </a:p>
+          <a:p>
+            <a:pPr indent="0" lvl="0" marL="0" rtl="0" algn="l">
+              <a:lnSpc>
+                <a:spcPct val="95000"/>
+              </a:lnSpc>
+              <a:spcBef>
+                <a:spcPts val="1200"/>
+              </a:spcBef>
+              <a:spcAft>
+                <a:spcPts val="1200"/>
+              </a:spcAft>
+              <a:buSzPts val="605"/>
+              <a:buNone/>
+            </a:pPr>
+            <a:r>
+              <a:t/>
+            </a:r>
+            <a:endParaRPr sz="1500"/>
+          </a:p>
+        </p:txBody>
+      </p:sp>
+    </p:spTree>
+  </p:cSld>
+  <p:clrMapOvr>
+    <a:masterClrMapping/>
+  </p:clrMapOvr>
+</p:sld>
+</file>
+
+<file path=ppt/slides/slide11.xml><?xml version="1.0" encoding="utf-8"?>
+<p:sld xmlns:a="http://schemas.openxmlformats.org/drawingml/2006/main" xmlns:r="http://schemas.openxmlformats.org/officeDocument/2006/relationships" xmlns:mc="http://schemas.openxmlformats.org/markup-compatibility/2006" xmlns:mv="urn:schemas-microsoft-com:mac:vml" xmlns:p="http://schemas.openxmlformats.org/presentationml/2006/main" xmlns:c="http://schemas.openxmlformats.org/drawingml/2006/chart" xmlns:dgm="http://schemas.openxmlformats.org/drawingml/2006/diagram" xmlns:o="urn:schemas-microsoft-com:office:office" xmlns:v="urn:schemas-microsoft-com:vml" xmlns:pvml="urn:schemas-microsoft-com:office:powerpoint" xmlns:com="http://schemas.openxmlformats.org/drawingml/2006/compatibility" xmlns:p14="http://schemas.microsoft.com/office/powerpoint/2010/main" xmlns:p15="http://schemas.microsoft.com/office/powerpoint/2012/main" xmlns:ahyp="http://schemas.microsoft.com/office/drawing/2018/hyperlinkcolor">
+  <p:cSld>
+    <p:spTree>
+      <p:nvGrpSpPr>
+        <p:cNvPr id="153" name="Shape 153"/>
+        <p:cNvGrpSpPr/>
+        <p:nvPr/>
+      </p:nvGrpSpPr>
+      <p:grpSpPr>
+        <a:xfrm>
+          <a:off x="0" y="0"/>
+          <a:ext cx="0" cy="0"/>
+          <a:chOff x="0" y="0"/>
+          <a:chExt cx="0" cy="0"/>
+        </a:xfrm>
+      </p:grpSpPr>
+      <p:sp>
+        <p:nvSpPr>
+          <p:cNvPr id="154" name="Google Shape;154;p23"/>
           <p:cNvSpPr txBox="1"/>
           <p:nvPr>
             <p:ph type="title"/>
@@ -8383,7 +8691,7 @@
       </p:sp>
       <p:sp>
         <p:nvSpPr>
-          <p:cNvPr id="147" name="Google Shape;147;p22"/>
+          <p:cNvPr id="155" name="Google Shape;155;p23"/>
           <p:cNvSpPr txBox="1"/>
           <p:nvPr>
             <p:ph idx="1" type="body"/>
@@ -8432,7 +8740,7 @@
             </a:pPr>
             <a:r>
               <a:rPr lang="ja" sz="1500"/>
-              <a:t>チーム開発における役割分担の重要性：事前の設計やコミュニケージョンが開発でのトラブルを減らす大きな要因となることが分かりました。</a:t>
+              <a:t>チーム開発における役割分担の重要性：事前の設計やコミュニケーションが開発でのトラブルを減らす大きな要因となることが分かりました。</a:t>
             </a:r>
             <a:endParaRPr sz="1500"/>
           </a:p>
@@ -8482,7 +8790,7 @@
             </a:pPr>
             <a:r>
               <a:rPr lang="ja" sz="1500"/>
-              <a:t>部署ではシステム、webページも取り扱っているので今回の経験を活用し、高度な業務レベルまで持っていけるよう学習を続けていきたいです。</a:t>
+              <a:t>部署ではシステム、webページも取り扱っているので今回の経験を活用し、高度な業務レベルまでこなせるよう学習を続けていきたいです。</a:t>
             </a:r>
             <a:endParaRPr sz="1500"/>
           </a:p>
@@ -8496,12 +8804,12 @@
 </p:sld>
 </file>
 
-<file path=ppt/slides/slide11.xml><?xml version="1.0" encoding="utf-8"?>
+<file path=ppt/slides/slide12.xml><?xml version="1.0" encoding="utf-8"?>
 <p:sld xmlns:a="http://schemas.openxmlformats.org/drawingml/2006/main" xmlns:r="http://schemas.openxmlformats.org/officeDocument/2006/relationships" xmlns:mc="http://schemas.openxmlformats.org/markup-compatibility/2006" xmlns:mv="urn:schemas-microsoft-com:mac:vml" xmlns:p="http://schemas.openxmlformats.org/presentationml/2006/main" xmlns:c="http://schemas.openxmlformats.org/drawingml/2006/chart" xmlns:dgm="http://schemas.openxmlformats.org/drawingml/2006/diagram" xmlns:o="urn:schemas-microsoft-com:office:office" xmlns:v="urn:schemas-microsoft-com:vml" xmlns:pvml="urn:schemas-microsoft-com:office:powerpoint" xmlns:com="http://schemas.openxmlformats.org/drawingml/2006/compatibility" xmlns:p14="http://schemas.microsoft.com/office/powerpoint/2010/main" xmlns:p15="http://schemas.microsoft.com/office/powerpoint/2012/main" xmlns:ahyp="http://schemas.microsoft.com/office/drawing/2018/hyperlinkcolor">
   <p:cSld>
     <p:spTree>
       <p:nvGrpSpPr>
-        <p:cNvPr id="151" name="Shape 151"/>
+        <p:cNvPr id="159" name="Shape 159"/>
         <p:cNvGrpSpPr/>
         <p:nvPr/>
       </p:nvGrpSpPr>
@@ -8515,7 +8823,7 @@
       </p:grpSpPr>
       <p:sp>
         <p:nvSpPr>
-          <p:cNvPr id="152" name="Google Shape;152;p23"/>
+          <p:cNvPr id="160" name="Google Shape;160;p24"/>
           <p:cNvSpPr txBox="1"/>
           <p:nvPr>
             <p:ph type="title"/>
@@ -8555,7 +8863,7 @@
       </p:sp>
       <p:sp>
         <p:nvSpPr>
-          <p:cNvPr id="153" name="Google Shape;153;p23"/>
+          <p:cNvPr id="161" name="Google Shape;161;p24"/>
           <p:cNvSpPr txBox="1"/>
           <p:nvPr>
             <p:ph idx="1" type="body"/>
@@ -8631,7 +8939,7 @@
             </a:pPr>
             <a:r>
               <a:rPr lang="ja" sz="1500"/>
-              <a:t>TLとして、プルリクの内容を手元で確認してからマージしてもらったことでコンフリクトを極力減らすことができました。一方でメンバーの待機時間をより短縮できればと感じました。</a:t>
+              <a:t>TLとして、プルリクの内容を手元で確認してからマージしてもらったことでコンフリクトを極力減らすことができました。一方でメンバーの待機時間をより短縮することが課題と感じました。</a:t>
             </a:r>
             <a:endParaRPr sz="1500"/>
           </a:p>
@@ -8671,7 +8979,7 @@
             </a:pPr>
             <a:r>
               <a:rPr lang="ja" sz="1500"/>
-              <a:t>今回のチーム開発経験で得た技術スキル・PJ管理スキルを今後の業務でも活用していきたいです。</a:t>
+              <a:t>今回のチーム開発経験で得た技術スキル・PJ管理スキルを今後の業務でも活用していきます。</a:t>
             </a:r>
             <a:endParaRPr sz="1500"/>
           </a:p>
@@ -8685,12 +8993,12 @@
 </p:sld>
 </file>
 
-<file path=ppt/slides/slide12.xml><?xml version="1.0" encoding="utf-8"?>
+<file path=ppt/slides/slide13.xml><?xml version="1.0" encoding="utf-8"?>
 <p:sld xmlns:a="http://schemas.openxmlformats.org/drawingml/2006/main" xmlns:r="http://schemas.openxmlformats.org/officeDocument/2006/relationships" xmlns:mc="http://schemas.openxmlformats.org/markup-compatibility/2006" xmlns:mv="urn:schemas-microsoft-com:mac:vml" xmlns:p="http://schemas.openxmlformats.org/presentationml/2006/main" xmlns:c="http://schemas.openxmlformats.org/drawingml/2006/chart" xmlns:dgm="http://schemas.openxmlformats.org/drawingml/2006/diagram" xmlns:o="urn:schemas-microsoft-com:office:office" xmlns:v="urn:schemas-microsoft-com:vml" xmlns:pvml="urn:schemas-microsoft-com:office:powerpoint" xmlns:com="http://schemas.openxmlformats.org/drawingml/2006/compatibility" xmlns:p14="http://schemas.microsoft.com/office/powerpoint/2010/main" xmlns:p15="http://schemas.microsoft.com/office/powerpoint/2012/main" xmlns:ahyp="http://schemas.microsoft.com/office/drawing/2018/hyperlinkcolor">
   <p:cSld>
     <p:spTree>
       <p:nvGrpSpPr>
-        <p:cNvPr id="157" name="Shape 157"/>
+        <p:cNvPr id="165" name="Shape 165"/>
         <p:cNvGrpSpPr/>
         <p:nvPr/>
       </p:nvGrpSpPr>
@@ -8704,7 +9012,7 @@
       </p:grpSpPr>
       <p:sp>
         <p:nvSpPr>
-          <p:cNvPr id="158" name="Google Shape;158;p24"/>
+          <p:cNvPr id="166" name="Google Shape;166;p25"/>
           <p:cNvSpPr txBox="1"/>
           <p:nvPr>
             <p:ph type="title"/>
@@ -8744,7 +9052,7 @@
       </p:sp>
       <p:sp>
         <p:nvSpPr>
-          <p:cNvPr id="159" name="Google Shape;159;p24"/>
+          <p:cNvPr id="167" name="Google Shape;167;p25"/>
           <p:cNvSpPr txBox="1"/>
           <p:nvPr>
             <p:ph idx="1" type="body"/>
@@ -8908,7 +9216,7 @@
             </a:pPr>
             <a:r>
               <a:rPr lang="ja"/>
-              <a:t>作成物概要</a:t>
+              <a:t>達成度</a:t>
             </a:r>
             <a:endParaRPr/>
           </a:p>
@@ -8917,6 +9225,594 @@
       <p:sp>
         <p:nvSpPr>
           <p:cNvPr id="93" name="Google Shape;93;p14"/>
+          <p:cNvSpPr txBox="1"/>
+          <p:nvPr/>
+        </p:nvSpPr>
+        <p:spPr>
+          <a:xfrm>
+            <a:off x="4194125" y="2071675"/>
+            <a:ext cx="4631100" cy="2733300"/>
+          </a:xfrm>
+          <a:prstGeom prst="rect">
+            <a:avLst/>
+          </a:prstGeom>
+          <a:noFill/>
+          <a:ln>
+            <a:noFill/>
+          </a:ln>
+        </p:spPr>
+        <p:txBody>
+          <a:bodyPr anchorCtr="0" anchor="t" bIns="91425" lIns="91425" spcFirstLastPara="1" rIns="91425" wrap="square" tIns="91425">
+            <a:noAutofit/>
+          </a:bodyPr>
+          <a:lstStyle/>
+          <a:p>
+            <a:pPr indent="0" lvl="0" marL="0" rtl="0" algn="l">
+              <a:spcBef>
+                <a:spcPts val="0"/>
+              </a:spcBef>
+              <a:spcAft>
+                <a:spcPts val="0"/>
+              </a:spcAft>
+              <a:buNone/>
+            </a:pPr>
+            <a:r>
+              <a:rPr lang="ja" sz="1300">
+                <a:solidFill>
+                  <a:schemeClr val="accent1"/>
+                </a:solidFill>
+                <a:latin typeface="Lato"/>
+                <a:ea typeface="Lato"/>
+                <a:cs typeface="Lato"/>
+                <a:sym typeface="Lato"/>
+              </a:rPr>
+              <a:t>GOOD</a:t>
+            </a:r>
+            <a:endParaRPr sz="1300">
+              <a:solidFill>
+                <a:schemeClr val="accent1"/>
+              </a:solidFill>
+              <a:latin typeface="Lato"/>
+              <a:ea typeface="Lato"/>
+              <a:cs typeface="Lato"/>
+              <a:sym typeface="Lato"/>
+            </a:endParaRPr>
+          </a:p>
+          <a:p>
+            <a:pPr indent="-311150" lvl="0" marL="457200" rtl="0" algn="l">
+              <a:spcBef>
+                <a:spcPts val="0"/>
+              </a:spcBef>
+              <a:spcAft>
+                <a:spcPts val="0"/>
+              </a:spcAft>
+              <a:buClr>
+                <a:schemeClr val="accent1"/>
+              </a:buClr>
+              <a:buSzPts val="1300"/>
+              <a:buFont typeface="Lato"/>
+              <a:buChar char="●"/>
+            </a:pPr>
+            <a:r>
+              <a:rPr lang="ja" sz="1300">
+                <a:solidFill>
+                  <a:schemeClr val="accent1"/>
+                </a:solidFill>
+                <a:latin typeface="Lato"/>
+                <a:ea typeface="Lato"/>
+                <a:cs typeface="Lato"/>
+                <a:sym typeface="Lato"/>
+              </a:rPr>
+              <a:t>機能要件をすべて作成することが出来た。</a:t>
+            </a:r>
+            <a:endParaRPr sz="1300">
+              <a:solidFill>
+                <a:schemeClr val="accent1"/>
+              </a:solidFill>
+              <a:latin typeface="Lato"/>
+              <a:ea typeface="Lato"/>
+              <a:cs typeface="Lato"/>
+              <a:sym typeface="Lato"/>
+            </a:endParaRPr>
+          </a:p>
+          <a:p>
+            <a:pPr indent="-311150" lvl="0" marL="457200" rtl="0" algn="l">
+              <a:spcBef>
+                <a:spcPts val="0"/>
+              </a:spcBef>
+              <a:spcAft>
+                <a:spcPts val="0"/>
+              </a:spcAft>
+              <a:buClr>
+                <a:schemeClr val="accent1"/>
+              </a:buClr>
+              <a:buSzPts val="1300"/>
+              <a:buFont typeface="Lato"/>
+              <a:buChar char="●"/>
+            </a:pPr>
+            <a:r>
+              <a:rPr lang="ja" sz="1300">
+                <a:solidFill>
+                  <a:schemeClr val="accent1"/>
+                </a:solidFill>
+                <a:latin typeface="Lato"/>
+                <a:ea typeface="Lato"/>
+                <a:cs typeface="Lato"/>
+                <a:sym typeface="Lato"/>
+              </a:rPr>
+              <a:t>＋αの機能を作成することができた。</a:t>
+            </a:r>
+            <a:endParaRPr sz="1300">
+              <a:solidFill>
+                <a:schemeClr val="accent1"/>
+              </a:solidFill>
+              <a:latin typeface="Lato"/>
+              <a:ea typeface="Lato"/>
+              <a:cs typeface="Lato"/>
+              <a:sym typeface="Lato"/>
+            </a:endParaRPr>
+          </a:p>
+          <a:p>
+            <a:pPr indent="-311150" lvl="1" marL="914400" rtl="0" algn="l">
+              <a:spcBef>
+                <a:spcPts val="0"/>
+              </a:spcBef>
+              <a:spcAft>
+                <a:spcPts val="0"/>
+              </a:spcAft>
+              <a:buClr>
+                <a:schemeClr val="accent1"/>
+              </a:buClr>
+              <a:buSzPts val="1300"/>
+              <a:buFont typeface="Lato"/>
+              <a:buChar char="○"/>
+            </a:pPr>
+            <a:r>
+              <a:rPr lang="ja" sz="1300">
+                <a:solidFill>
+                  <a:schemeClr val="accent1"/>
+                </a:solidFill>
+                <a:latin typeface="Lato"/>
+                <a:ea typeface="Lato"/>
+                <a:cs typeface="Lato"/>
+                <a:sym typeface="Lato"/>
+              </a:rPr>
+              <a:t>アカウント管理</a:t>
+            </a:r>
+            <a:endParaRPr sz="1300">
+              <a:solidFill>
+                <a:schemeClr val="accent1"/>
+              </a:solidFill>
+              <a:latin typeface="Lato"/>
+              <a:ea typeface="Lato"/>
+              <a:cs typeface="Lato"/>
+              <a:sym typeface="Lato"/>
+            </a:endParaRPr>
+          </a:p>
+          <a:p>
+            <a:pPr indent="-311150" lvl="1" marL="914400" rtl="0" algn="l">
+              <a:spcBef>
+                <a:spcPts val="0"/>
+              </a:spcBef>
+              <a:spcAft>
+                <a:spcPts val="0"/>
+              </a:spcAft>
+              <a:buClr>
+                <a:schemeClr val="accent1"/>
+              </a:buClr>
+              <a:buSzPts val="1300"/>
+              <a:buFont typeface="Lato"/>
+              <a:buChar char="○"/>
+            </a:pPr>
+            <a:r>
+              <a:rPr lang="ja" sz="1300">
+                <a:solidFill>
+                  <a:schemeClr val="accent1"/>
+                </a:solidFill>
+                <a:latin typeface="Lato"/>
+                <a:ea typeface="Lato"/>
+                <a:cs typeface="Lato"/>
+                <a:sym typeface="Lato"/>
+              </a:rPr>
+              <a:t>ゲスト利用</a:t>
+            </a:r>
+            <a:endParaRPr sz="1300">
+              <a:solidFill>
+                <a:schemeClr val="accent1"/>
+              </a:solidFill>
+              <a:latin typeface="Lato"/>
+              <a:ea typeface="Lato"/>
+              <a:cs typeface="Lato"/>
+              <a:sym typeface="Lato"/>
+            </a:endParaRPr>
+          </a:p>
+          <a:p>
+            <a:pPr indent="-311150" lvl="1" marL="914400" rtl="0" algn="l">
+              <a:spcBef>
+                <a:spcPts val="0"/>
+              </a:spcBef>
+              <a:spcAft>
+                <a:spcPts val="0"/>
+              </a:spcAft>
+              <a:buClr>
+                <a:schemeClr val="accent1"/>
+              </a:buClr>
+              <a:buSzPts val="1300"/>
+              <a:buFont typeface="Lato"/>
+              <a:buChar char="○"/>
+            </a:pPr>
+            <a:r>
+              <a:rPr lang="ja" sz="1300">
+                <a:solidFill>
+                  <a:schemeClr val="accent1"/>
+                </a:solidFill>
+                <a:latin typeface="Lato"/>
+                <a:ea typeface="Lato"/>
+                <a:cs typeface="Lato"/>
+                <a:sym typeface="Lato"/>
+              </a:rPr>
+              <a:t>口コミ・口コミ編集</a:t>
+            </a:r>
+            <a:endParaRPr sz="1300">
+              <a:solidFill>
+                <a:schemeClr val="accent1"/>
+              </a:solidFill>
+              <a:latin typeface="Lato"/>
+              <a:ea typeface="Lato"/>
+              <a:cs typeface="Lato"/>
+              <a:sym typeface="Lato"/>
+            </a:endParaRPr>
+          </a:p>
+          <a:p>
+            <a:pPr indent="-311150" lvl="0" marL="457200" rtl="0" algn="l">
+              <a:spcBef>
+                <a:spcPts val="0"/>
+              </a:spcBef>
+              <a:spcAft>
+                <a:spcPts val="0"/>
+              </a:spcAft>
+              <a:buClr>
+                <a:schemeClr val="accent1"/>
+              </a:buClr>
+              <a:buSzPts val="1300"/>
+              <a:buFont typeface="Lato"/>
+              <a:buChar char="●"/>
+            </a:pPr>
+            <a:r>
+              <a:rPr lang="ja" sz="1300">
+                <a:solidFill>
+                  <a:schemeClr val="accent1"/>
+                </a:solidFill>
+                <a:latin typeface="Lato"/>
+                <a:ea typeface="Lato"/>
+                <a:cs typeface="Lato"/>
+                <a:sym typeface="Lato"/>
+              </a:rPr>
+              <a:t>計画通りに完成させることができ、テスト作業に時間をかけることができた。</a:t>
+            </a:r>
+            <a:endParaRPr sz="1300">
+              <a:solidFill>
+                <a:schemeClr val="accent1"/>
+              </a:solidFill>
+              <a:latin typeface="Lato"/>
+              <a:ea typeface="Lato"/>
+              <a:cs typeface="Lato"/>
+              <a:sym typeface="Lato"/>
+            </a:endParaRPr>
+          </a:p>
+          <a:p>
+            <a:pPr indent="-311150" lvl="0" marL="457200" rtl="0" algn="l">
+              <a:spcBef>
+                <a:spcPts val="0"/>
+              </a:spcBef>
+              <a:spcAft>
+                <a:spcPts val="0"/>
+              </a:spcAft>
+              <a:buClr>
+                <a:schemeClr val="accent1"/>
+              </a:buClr>
+              <a:buSzPts val="1300"/>
+              <a:buFont typeface="Lato"/>
+              <a:buChar char="●"/>
+            </a:pPr>
+            <a:r>
+              <a:rPr lang="ja" sz="1300">
+                <a:solidFill>
+                  <a:schemeClr val="accent1"/>
+                </a:solidFill>
+                <a:latin typeface="Lato"/>
+                <a:ea typeface="Lato"/>
+                <a:cs typeface="Lato"/>
+                <a:sym typeface="Lato"/>
+              </a:rPr>
+              <a:t>チームで協力して役割分担を行うことが出来た</a:t>
+            </a:r>
+            <a:endParaRPr sz="1300">
+              <a:solidFill>
+                <a:schemeClr val="accent1"/>
+              </a:solidFill>
+              <a:latin typeface="Lato"/>
+              <a:ea typeface="Lato"/>
+              <a:cs typeface="Lato"/>
+              <a:sym typeface="Lato"/>
+            </a:endParaRPr>
+          </a:p>
+          <a:p>
+            <a:pPr indent="0" lvl="0" marL="0" rtl="0" algn="l">
+              <a:spcBef>
+                <a:spcPts val="0"/>
+              </a:spcBef>
+              <a:spcAft>
+                <a:spcPts val="0"/>
+              </a:spcAft>
+              <a:buNone/>
+            </a:pPr>
+            <a:r>
+              <a:t/>
+            </a:r>
+            <a:endParaRPr sz="1300">
+              <a:solidFill>
+                <a:schemeClr val="accent1"/>
+              </a:solidFill>
+              <a:latin typeface="Lato"/>
+              <a:ea typeface="Lato"/>
+              <a:cs typeface="Lato"/>
+              <a:sym typeface="Lato"/>
+            </a:endParaRPr>
+          </a:p>
+          <a:p>
+            <a:pPr indent="0" lvl="0" marL="0" rtl="0" algn="l">
+              <a:spcBef>
+                <a:spcPts val="0"/>
+              </a:spcBef>
+              <a:spcAft>
+                <a:spcPts val="0"/>
+              </a:spcAft>
+              <a:buNone/>
+            </a:pPr>
+            <a:r>
+              <a:rPr lang="ja" sz="1300">
+                <a:solidFill>
+                  <a:schemeClr val="accent1"/>
+                </a:solidFill>
+                <a:latin typeface="Lato"/>
+                <a:ea typeface="Lato"/>
+                <a:cs typeface="Lato"/>
+                <a:sym typeface="Lato"/>
+              </a:rPr>
+              <a:t>MORE</a:t>
+            </a:r>
+            <a:endParaRPr sz="1300">
+              <a:solidFill>
+                <a:schemeClr val="accent1"/>
+              </a:solidFill>
+              <a:latin typeface="Lato"/>
+              <a:ea typeface="Lato"/>
+              <a:cs typeface="Lato"/>
+              <a:sym typeface="Lato"/>
+            </a:endParaRPr>
+          </a:p>
+          <a:p>
+            <a:pPr indent="-311150" lvl="0" marL="457200" rtl="0" algn="l">
+              <a:spcBef>
+                <a:spcPts val="0"/>
+              </a:spcBef>
+              <a:spcAft>
+                <a:spcPts val="0"/>
+              </a:spcAft>
+              <a:buClr>
+                <a:schemeClr val="accent1"/>
+              </a:buClr>
+              <a:buSzPts val="1300"/>
+              <a:buFont typeface="Lato"/>
+              <a:buChar char="●"/>
+            </a:pPr>
+            <a:r>
+              <a:rPr lang="ja" sz="1300">
+                <a:solidFill>
+                  <a:schemeClr val="accent1"/>
+                </a:solidFill>
+                <a:latin typeface="Lato"/>
+                <a:ea typeface="Lato"/>
+                <a:cs typeface="Lato"/>
+                <a:sym typeface="Lato"/>
+              </a:rPr>
+              <a:t>機能の追加やよりユーザー目線のUIUXにも近づけることができると思う。</a:t>
+            </a:r>
+            <a:endParaRPr sz="1300">
+              <a:solidFill>
+                <a:schemeClr val="accent1"/>
+              </a:solidFill>
+              <a:latin typeface="Lato"/>
+              <a:ea typeface="Lato"/>
+              <a:cs typeface="Lato"/>
+              <a:sym typeface="Lato"/>
+            </a:endParaRPr>
+          </a:p>
+        </p:txBody>
+      </p:sp>
+      <p:sp>
+        <p:nvSpPr>
+          <p:cNvPr id="94" name="Google Shape;94;p14"/>
+          <p:cNvSpPr txBox="1"/>
+          <p:nvPr/>
+        </p:nvSpPr>
+        <p:spPr>
+          <a:xfrm>
+            <a:off x="4388150" y="853650"/>
+            <a:ext cx="3655200" cy="1000200"/>
+          </a:xfrm>
+          <a:prstGeom prst="rect">
+            <a:avLst/>
+          </a:prstGeom>
+          <a:noFill/>
+          <a:ln>
+            <a:noFill/>
+          </a:ln>
+        </p:spPr>
+        <p:txBody>
+          <a:bodyPr anchorCtr="0" anchor="t" bIns="91425" lIns="91425" spcFirstLastPara="1" rIns="91425" wrap="square" tIns="91425">
+            <a:noAutofit/>
+          </a:bodyPr>
+          <a:lstStyle/>
+          <a:p>
+            <a:pPr indent="0" lvl="0" marL="0" rtl="0" algn="ctr">
+              <a:spcBef>
+                <a:spcPts val="0"/>
+              </a:spcBef>
+              <a:spcAft>
+                <a:spcPts val="0"/>
+              </a:spcAft>
+              <a:buNone/>
+            </a:pPr>
+            <a:r>
+              <a:rPr b="1" lang="ja" sz="6000">
+                <a:solidFill>
+                  <a:schemeClr val="accent1"/>
+                </a:solidFill>
+                <a:latin typeface="Lato"/>
+                <a:ea typeface="Lato"/>
+                <a:cs typeface="Lato"/>
+                <a:sym typeface="Lato"/>
+              </a:rPr>
+              <a:t>98％</a:t>
+            </a:r>
+            <a:endParaRPr b="1" sz="6000">
+              <a:solidFill>
+                <a:schemeClr val="accent1"/>
+              </a:solidFill>
+              <a:latin typeface="Lato"/>
+              <a:ea typeface="Lato"/>
+              <a:cs typeface="Lato"/>
+              <a:sym typeface="Lato"/>
+            </a:endParaRPr>
+          </a:p>
+        </p:txBody>
+      </p:sp>
+      <p:sp>
+        <p:nvSpPr>
+          <p:cNvPr id="95" name="Google Shape;95;p14"/>
+          <p:cNvSpPr/>
+          <p:nvPr/>
+        </p:nvSpPr>
+        <p:spPr>
+          <a:xfrm>
+            <a:off x="1202550" y="2071675"/>
+            <a:ext cx="2440800" cy="2166900"/>
+          </a:xfrm>
+          <a:prstGeom prst="smileyFace">
+            <a:avLst>
+              <a:gd fmla="val 4653" name="adj"/>
+            </a:avLst>
+          </a:prstGeom>
+          <a:solidFill>
+            <a:schemeClr val="lt2"/>
+          </a:solidFill>
+          <a:ln cap="flat" cmpd="sng" w="9525">
+            <a:solidFill>
+              <a:schemeClr val="dk2"/>
+            </a:solidFill>
+            <a:prstDash val="solid"/>
+            <a:round/>
+            <a:headEnd len="sm" w="sm" type="none"/>
+            <a:tailEnd len="sm" w="sm" type="none"/>
+          </a:ln>
+        </p:spPr>
+        <p:txBody>
+          <a:bodyPr anchorCtr="0" anchor="ctr" bIns="91425" lIns="91425" spcFirstLastPara="1" rIns="91425" wrap="square" tIns="91425">
+            <a:noAutofit/>
+          </a:bodyPr>
+          <a:lstStyle/>
+          <a:p>
+            <a:pPr indent="0" lvl="0" marL="0" rtl="0" algn="ctr">
+              <a:spcBef>
+                <a:spcPts val="0"/>
+              </a:spcBef>
+              <a:spcAft>
+                <a:spcPts val="0"/>
+              </a:spcAft>
+              <a:buNone/>
+            </a:pPr>
+            <a:r>
+              <a:t/>
+            </a:r>
+            <a:endParaRPr>
+              <a:latin typeface="Lato"/>
+              <a:ea typeface="Lato"/>
+              <a:cs typeface="Lato"/>
+              <a:sym typeface="Lato"/>
+            </a:endParaRPr>
+          </a:p>
+        </p:txBody>
+      </p:sp>
+    </p:spTree>
+  </p:cSld>
+  <p:clrMapOvr>
+    <a:masterClrMapping/>
+  </p:clrMapOvr>
+</p:sld>
+</file>
+
+<file path=ppt/slides/slide3.xml><?xml version="1.0" encoding="utf-8"?>
+<p:sld xmlns:a="http://schemas.openxmlformats.org/drawingml/2006/main" xmlns:r="http://schemas.openxmlformats.org/officeDocument/2006/relationships" xmlns:mc="http://schemas.openxmlformats.org/markup-compatibility/2006" xmlns:mv="urn:schemas-microsoft-com:mac:vml" xmlns:p="http://schemas.openxmlformats.org/presentationml/2006/main" xmlns:c="http://schemas.openxmlformats.org/drawingml/2006/chart" xmlns:dgm="http://schemas.openxmlformats.org/drawingml/2006/diagram" xmlns:o="urn:schemas-microsoft-com:office:office" xmlns:v="urn:schemas-microsoft-com:vml" xmlns:pvml="urn:schemas-microsoft-com:office:powerpoint" xmlns:com="http://schemas.openxmlformats.org/drawingml/2006/compatibility" xmlns:p14="http://schemas.microsoft.com/office/powerpoint/2010/main" xmlns:p15="http://schemas.microsoft.com/office/powerpoint/2012/main" xmlns:ahyp="http://schemas.microsoft.com/office/drawing/2018/hyperlinkcolor">
+  <p:cSld>
+    <p:spTree>
+      <p:nvGrpSpPr>
+        <p:cNvPr id="99" name="Shape 99"/>
+        <p:cNvGrpSpPr/>
+        <p:nvPr/>
+      </p:nvGrpSpPr>
+      <p:grpSpPr>
+        <a:xfrm>
+          <a:off x="0" y="0"/>
+          <a:ext cx="0" cy="0"/>
+          <a:chOff x="0" y="0"/>
+          <a:chExt cx="0" cy="0"/>
+        </a:xfrm>
+      </p:grpSpPr>
+      <p:sp>
+        <p:nvSpPr>
+          <p:cNvPr id="100" name="Google Shape;100;p15"/>
+          <p:cNvSpPr txBox="1"/>
+          <p:nvPr>
+            <p:ph type="title"/>
+          </p:nvPr>
+        </p:nvSpPr>
+        <p:spPr>
+          <a:xfrm>
+            <a:off x="729450" y="1318650"/>
+            <a:ext cx="7688700" cy="535200"/>
+          </a:xfrm>
+          <a:prstGeom prst="rect">
+            <a:avLst/>
+          </a:prstGeom>
+        </p:spPr>
+        <p:txBody>
+          <a:bodyPr anchorCtr="0" anchor="t" bIns="91425" lIns="91425" spcFirstLastPara="1" rIns="91425" wrap="square" tIns="91425">
+            <a:normAutofit fontScale="90000"/>
+          </a:bodyPr>
+          <a:lstStyle/>
+          <a:p>
+            <a:pPr indent="0" lvl="0" marL="0" rtl="0" algn="l">
+              <a:spcBef>
+                <a:spcPts val="0"/>
+              </a:spcBef>
+              <a:spcAft>
+                <a:spcPts val="0"/>
+              </a:spcAft>
+              <a:buNone/>
+            </a:pPr>
+            <a:r>
+              <a:rPr lang="ja"/>
+              <a:t>作成物概要</a:t>
+            </a:r>
+            <a:endParaRPr/>
+          </a:p>
+        </p:txBody>
+      </p:sp>
+      <p:sp>
+        <p:nvSpPr>
+          <p:cNvPr id="101" name="Google Shape;101;p15"/>
           <p:cNvSpPr txBox="1"/>
           <p:nvPr>
             <p:ph idx="1" type="body"/>
@@ -9083,7 +9979,7 @@
       </p:sp>
       <p:pic>
         <p:nvPicPr>
-          <p:cNvPr id="94" name="Google Shape;94;p14"/>
+          <p:cNvPr id="102" name="Google Shape;102;p15"/>
           <p:cNvPicPr preferRelativeResize="0"/>
           <p:nvPr/>
         </p:nvPicPr>
@@ -9109,786 +10005,6 @@
           </a:ln>
         </p:spPr>
       </p:pic>
-    </p:spTree>
-  </p:cSld>
-  <p:clrMapOvr>
-    <a:masterClrMapping/>
-  </p:clrMapOvr>
-</p:sld>
-</file>
-
-<file path=ppt/slides/slide3.xml><?xml version="1.0" encoding="utf-8"?>
-<p:sld xmlns:a="http://schemas.openxmlformats.org/drawingml/2006/main" xmlns:r="http://schemas.openxmlformats.org/officeDocument/2006/relationships" xmlns:mc="http://schemas.openxmlformats.org/markup-compatibility/2006" xmlns:mv="urn:schemas-microsoft-com:mac:vml" xmlns:p="http://schemas.openxmlformats.org/presentationml/2006/main" xmlns:c="http://schemas.openxmlformats.org/drawingml/2006/chart" xmlns:dgm="http://schemas.openxmlformats.org/drawingml/2006/diagram" xmlns:o="urn:schemas-microsoft-com:office:office" xmlns:v="urn:schemas-microsoft-com:vml" xmlns:pvml="urn:schemas-microsoft-com:office:powerpoint" xmlns:com="http://schemas.openxmlformats.org/drawingml/2006/compatibility" xmlns:p14="http://schemas.microsoft.com/office/powerpoint/2010/main" xmlns:p15="http://schemas.microsoft.com/office/powerpoint/2012/main" xmlns:ahyp="http://schemas.microsoft.com/office/drawing/2018/hyperlinkcolor">
-  <p:cSld>
-    <p:spTree>
-      <p:nvGrpSpPr>
-        <p:cNvPr id="98" name="Shape 98"/>
-        <p:cNvGrpSpPr/>
-        <p:nvPr/>
-      </p:nvGrpSpPr>
-      <p:grpSpPr>
-        <a:xfrm>
-          <a:off x="0" y="0"/>
-          <a:ext cx="0" cy="0"/>
-          <a:chOff x="0" y="0"/>
-          <a:chExt cx="0" cy="0"/>
-        </a:xfrm>
-      </p:grpSpPr>
-      <p:sp>
-        <p:nvSpPr>
-          <p:cNvPr id="99" name="Google Shape;99;p15"/>
-          <p:cNvSpPr txBox="1"/>
-          <p:nvPr>
-            <p:ph type="title"/>
-          </p:nvPr>
-        </p:nvSpPr>
-        <p:spPr>
-          <a:xfrm>
-            <a:off x="729450" y="1318650"/>
-            <a:ext cx="7688700" cy="535200"/>
-          </a:xfrm>
-          <a:prstGeom prst="rect">
-            <a:avLst/>
-          </a:prstGeom>
-        </p:spPr>
-        <p:txBody>
-          <a:bodyPr anchorCtr="0" anchor="t" bIns="91425" lIns="91425" spcFirstLastPara="1" rIns="91425" wrap="square" tIns="91425">
-            <a:normAutofit fontScale="90000"/>
-          </a:bodyPr>
-          <a:lstStyle/>
-          <a:p>
-            <a:pPr indent="0" lvl="0" marL="0" rtl="0" algn="l">
-              <a:spcBef>
-                <a:spcPts val="0"/>
-              </a:spcBef>
-              <a:spcAft>
-                <a:spcPts val="0"/>
-              </a:spcAft>
-              <a:buNone/>
-            </a:pPr>
-            <a:r>
-              <a:rPr lang="ja"/>
-              <a:t>会員側の機能</a:t>
-            </a:r>
-            <a:endParaRPr/>
-          </a:p>
-        </p:txBody>
-      </p:sp>
-      <p:sp>
-        <p:nvSpPr>
-          <p:cNvPr id="100" name="Google Shape;100;p15"/>
-          <p:cNvSpPr/>
-          <p:nvPr/>
-        </p:nvSpPr>
-        <p:spPr>
-          <a:xfrm>
-            <a:off x="465100" y="2065600"/>
-            <a:ext cx="2487900" cy="2599200"/>
-          </a:xfrm>
-          <a:prstGeom prst="roundRect">
-            <a:avLst>
-              <a:gd fmla="val 16667" name="adj"/>
-            </a:avLst>
-          </a:prstGeom>
-          <a:solidFill>
-            <a:srgbClr val="F4CCCC"/>
-          </a:solidFill>
-          <a:ln cap="flat" cmpd="sng" w="9525">
-            <a:solidFill>
-              <a:schemeClr val="dk2"/>
-            </a:solidFill>
-            <a:prstDash val="solid"/>
-            <a:round/>
-            <a:headEnd len="sm" w="sm" type="none"/>
-            <a:tailEnd len="sm" w="sm" type="none"/>
-          </a:ln>
-        </p:spPr>
-        <p:txBody>
-          <a:bodyPr anchorCtr="0" anchor="ctr" bIns="91425" lIns="91425" spcFirstLastPara="1" rIns="91425" wrap="square" tIns="91425">
-            <a:noAutofit/>
-          </a:bodyPr>
-          <a:lstStyle/>
-          <a:p>
-            <a:pPr indent="0" lvl="0" marL="0" rtl="0" algn="ctr">
-              <a:lnSpc>
-                <a:spcPct val="115000"/>
-              </a:lnSpc>
-              <a:spcBef>
-                <a:spcPts val="0"/>
-              </a:spcBef>
-              <a:spcAft>
-                <a:spcPts val="0"/>
-              </a:spcAft>
-              <a:buNone/>
-            </a:pPr>
-            <a:r>
-              <a:rPr b="1" lang="ja" sz="1700">
-                <a:solidFill>
-                  <a:schemeClr val="dk2"/>
-                </a:solidFill>
-                <a:latin typeface="Lato"/>
-                <a:ea typeface="Lato"/>
-                <a:cs typeface="Lato"/>
-                <a:sym typeface="Lato"/>
-              </a:rPr>
-              <a:t>宿予約システム</a:t>
-            </a:r>
-            <a:endParaRPr b="1" sz="1700">
-              <a:solidFill>
-                <a:schemeClr val="dk2"/>
-              </a:solidFill>
-              <a:latin typeface="Lato"/>
-              <a:ea typeface="Lato"/>
-              <a:cs typeface="Lato"/>
-              <a:sym typeface="Lato"/>
-            </a:endParaRPr>
-          </a:p>
-          <a:p>
-            <a:pPr indent="-336550" lvl="0" marL="457200" rtl="0" algn="l">
-              <a:lnSpc>
-                <a:spcPct val="115000"/>
-              </a:lnSpc>
-              <a:spcBef>
-                <a:spcPts val="1200"/>
-              </a:spcBef>
-              <a:spcAft>
-                <a:spcPts val="0"/>
-              </a:spcAft>
-              <a:buClr>
-                <a:schemeClr val="accent1"/>
-              </a:buClr>
-              <a:buSzPts val="1700"/>
-              <a:buFont typeface="Lato"/>
-              <a:buChar char="●"/>
-            </a:pPr>
-            <a:r>
-              <a:rPr b="1" lang="ja" sz="1700">
-                <a:solidFill>
-                  <a:schemeClr val="accent1"/>
-                </a:solidFill>
-                <a:latin typeface="Lato"/>
-                <a:ea typeface="Lato"/>
-                <a:cs typeface="Lato"/>
-                <a:sym typeface="Lato"/>
-              </a:rPr>
-              <a:t>カテゴリ一覧</a:t>
-            </a:r>
-            <a:endParaRPr b="1" sz="1700">
-              <a:solidFill>
-                <a:schemeClr val="accent1"/>
-              </a:solidFill>
-              <a:latin typeface="Lato"/>
-              <a:ea typeface="Lato"/>
-              <a:cs typeface="Lato"/>
-              <a:sym typeface="Lato"/>
-            </a:endParaRPr>
-          </a:p>
-          <a:p>
-            <a:pPr indent="-336550" lvl="0" marL="457200" rtl="0" algn="l">
-              <a:lnSpc>
-                <a:spcPct val="115000"/>
-              </a:lnSpc>
-              <a:spcBef>
-                <a:spcPts val="0"/>
-              </a:spcBef>
-              <a:spcAft>
-                <a:spcPts val="0"/>
-              </a:spcAft>
-              <a:buClr>
-                <a:schemeClr val="accent1"/>
-              </a:buClr>
-              <a:buSzPts val="1700"/>
-              <a:buFont typeface="Lato"/>
-              <a:buChar char="●"/>
-            </a:pPr>
-            <a:r>
-              <a:rPr b="1" lang="ja" sz="1700">
-                <a:solidFill>
-                  <a:schemeClr val="accent1"/>
-                </a:solidFill>
-                <a:latin typeface="Lato"/>
-                <a:ea typeface="Lato"/>
-                <a:cs typeface="Lato"/>
-                <a:sym typeface="Lato"/>
-              </a:rPr>
-              <a:t>宿一覧取得</a:t>
-            </a:r>
-            <a:endParaRPr b="1" sz="1700">
-              <a:solidFill>
-                <a:schemeClr val="accent1"/>
-              </a:solidFill>
-              <a:latin typeface="Lato"/>
-              <a:ea typeface="Lato"/>
-              <a:cs typeface="Lato"/>
-              <a:sym typeface="Lato"/>
-            </a:endParaRPr>
-          </a:p>
-          <a:p>
-            <a:pPr indent="-336550" lvl="0" marL="457200" rtl="0" algn="l">
-              <a:lnSpc>
-                <a:spcPct val="115000"/>
-              </a:lnSpc>
-              <a:spcBef>
-                <a:spcPts val="0"/>
-              </a:spcBef>
-              <a:spcAft>
-                <a:spcPts val="0"/>
-              </a:spcAft>
-              <a:buClr>
-                <a:schemeClr val="accent1"/>
-              </a:buClr>
-              <a:buSzPts val="1700"/>
-              <a:buFont typeface="Lato"/>
-              <a:buChar char="●"/>
-            </a:pPr>
-            <a:r>
-              <a:rPr b="1" lang="ja" sz="1700">
-                <a:solidFill>
-                  <a:schemeClr val="accent1"/>
-                </a:solidFill>
-                <a:latin typeface="Lato"/>
-                <a:ea typeface="Lato"/>
-                <a:cs typeface="Lato"/>
-                <a:sym typeface="Lato"/>
-              </a:rPr>
-              <a:t>検索</a:t>
-            </a:r>
-            <a:endParaRPr b="1" sz="1700">
-              <a:solidFill>
-                <a:schemeClr val="accent1"/>
-              </a:solidFill>
-              <a:latin typeface="Lato"/>
-              <a:ea typeface="Lato"/>
-              <a:cs typeface="Lato"/>
-              <a:sym typeface="Lato"/>
-            </a:endParaRPr>
-          </a:p>
-          <a:p>
-            <a:pPr indent="-336550" lvl="0" marL="457200" rtl="0" algn="l">
-              <a:lnSpc>
-                <a:spcPct val="115000"/>
-              </a:lnSpc>
-              <a:spcBef>
-                <a:spcPts val="0"/>
-              </a:spcBef>
-              <a:spcAft>
-                <a:spcPts val="0"/>
-              </a:spcAft>
-              <a:buClr>
-                <a:schemeClr val="accent1"/>
-              </a:buClr>
-              <a:buSzPts val="1700"/>
-              <a:buFont typeface="Lato"/>
-              <a:buChar char="●"/>
-            </a:pPr>
-            <a:r>
-              <a:rPr b="1" lang="ja" sz="1700">
-                <a:solidFill>
-                  <a:schemeClr val="accent1"/>
-                </a:solidFill>
-                <a:latin typeface="Lato"/>
-                <a:ea typeface="Lato"/>
-                <a:cs typeface="Lato"/>
-                <a:sym typeface="Lato"/>
-              </a:rPr>
-              <a:t>プラン一覧取得</a:t>
-            </a:r>
-            <a:endParaRPr b="1" sz="1700">
-              <a:solidFill>
-                <a:schemeClr val="accent1"/>
-              </a:solidFill>
-              <a:latin typeface="Lato"/>
-              <a:ea typeface="Lato"/>
-              <a:cs typeface="Lato"/>
-              <a:sym typeface="Lato"/>
-            </a:endParaRPr>
-          </a:p>
-          <a:p>
-            <a:pPr indent="-336550" lvl="0" marL="457200" rtl="0" algn="l">
-              <a:lnSpc>
-                <a:spcPct val="115000"/>
-              </a:lnSpc>
-              <a:spcBef>
-                <a:spcPts val="0"/>
-              </a:spcBef>
-              <a:spcAft>
-                <a:spcPts val="0"/>
-              </a:spcAft>
-              <a:buClr>
-                <a:schemeClr val="accent1"/>
-              </a:buClr>
-              <a:buSzPts val="1700"/>
-              <a:buFont typeface="Lato"/>
-              <a:buChar char="●"/>
-            </a:pPr>
-            <a:r>
-              <a:rPr b="1" lang="ja" sz="1700">
-                <a:solidFill>
-                  <a:schemeClr val="accent1"/>
-                </a:solidFill>
-                <a:latin typeface="Lato"/>
-                <a:ea typeface="Lato"/>
-                <a:cs typeface="Lato"/>
-                <a:sym typeface="Lato"/>
-              </a:rPr>
-              <a:t>予約登録 </a:t>
-            </a:r>
-            <a:endParaRPr b="1" sz="1700">
-              <a:solidFill>
-                <a:schemeClr val="dk2"/>
-              </a:solidFill>
-              <a:latin typeface="Lato"/>
-              <a:ea typeface="Lato"/>
-              <a:cs typeface="Lato"/>
-              <a:sym typeface="Lato"/>
-            </a:endParaRPr>
-          </a:p>
-        </p:txBody>
-      </p:sp>
-      <p:sp>
-        <p:nvSpPr>
-          <p:cNvPr id="101" name="Google Shape;101;p15"/>
-          <p:cNvSpPr/>
-          <p:nvPr/>
-        </p:nvSpPr>
-        <p:spPr>
-          <a:xfrm>
-            <a:off x="3257650" y="2065600"/>
-            <a:ext cx="2487900" cy="2599200"/>
-          </a:xfrm>
-          <a:prstGeom prst="roundRect">
-            <a:avLst>
-              <a:gd fmla="val 16667" name="adj"/>
-            </a:avLst>
-          </a:prstGeom>
-          <a:solidFill>
-            <a:srgbClr val="FFF2CC"/>
-          </a:solidFill>
-          <a:ln cap="flat" cmpd="sng" w="9525">
-            <a:solidFill>
-              <a:schemeClr val="dk2"/>
-            </a:solidFill>
-            <a:prstDash val="solid"/>
-            <a:round/>
-            <a:headEnd len="sm" w="sm" type="none"/>
-            <a:tailEnd len="sm" w="sm" type="none"/>
-          </a:ln>
-        </p:spPr>
-        <p:txBody>
-          <a:bodyPr anchorCtr="0" anchor="ctr" bIns="91425" lIns="91425" spcFirstLastPara="1" rIns="91425" wrap="square" tIns="91425">
-            <a:noAutofit/>
-          </a:bodyPr>
-          <a:lstStyle/>
-          <a:p>
-            <a:pPr indent="0" lvl="0" marL="0" rtl="0" algn="ctr">
-              <a:lnSpc>
-                <a:spcPct val="115000"/>
-              </a:lnSpc>
-              <a:spcBef>
-                <a:spcPts val="0"/>
-              </a:spcBef>
-              <a:spcAft>
-                <a:spcPts val="0"/>
-              </a:spcAft>
-              <a:buNone/>
-            </a:pPr>
-            <a:r>
-              <a:rPr b="1" lang="ja" sz="1700">
-                <a:solidFill>
-                  <a:schemeClr val="dk2"/>
-                </a:solidFill>
-                <a:latin typeface="Lato"/>
-                <a:ea typeface="Lato"/>
-                <a:cs typeface="Lato"/>
-                <a:sym typeface="Lato"/>
-              </a:rPr>
-              <a:t>口コミシステム</a:t>
-            </a:r>
-            <a:endParaRPr b="1" sz="1700">
-              <a:solidFill>
-                <a:schemeClr val="dk2"/>
-              </a:solidFill>
-              <a:latin typeface="Lato"/>
-              <a:ea typeface="Lato"/>
-              <a:cs typeface="Lato"/>
-              <a:sym typeface="Lato"/>
-            </a:endParaRPr>
-          </a:p>
-          <a:p>
-            <a:pPr indent="-336550" lvl="0" marL="457200" rtl="0" algn="l">
-              <a:lnSpc>
-                <a:spcPct val="115000"/>
-              </a:lnSpc>
-              <a:spcBef>
-                <a:spcPts val="1200"/>
-              </a:spcBef>
-              <a:spcAft>
-                <a:spcPts val="0"/>
-              </a:spcAft>
-              <a:buClr>
-                <a:schemeClr val="accent1"/>
-              </a:buClr>
-              <a:buSzPts val="1700"/>
-              <a:buFont typeface="Lato"/>
-              <a:buChar char="●"/>
-            </a:pPr>
-            <a:r>
-              <a:rPr b="1" lang="ja" sz="1700">
-                <a:solidFill>
-                  <a:schemeClr val="accent1"/>
-                </a:solidFill>
-                <a:latin typeface="Lato"/>
-                <a:ea typeface="Lato"/>
-                <a:cs typeface="Lato"/>
-                <a:sym typeface="Lato"/>
-              </a:rPr>
-              <a:t>一覧取得</a:t>
-            </a:r>
-            <a:endParaRPr b="1" sz="1700">
-              <a:solidFill>
-                <a:schemeClr val="accent1"/>
-              </a:solidFill>
-              <a:latin typeface="Lato"/>
-              <a:ea typeface="Lato"/>
-              <a:cs typeface="Lato"/>
-              <a:sym typeface="Lato"/>
-            </a:endParaRPr>
-          </a:p>
-          <a:p>
-            <a:pPr indent="-336550" lvl="0" marL="457200" rtl="0" algn="l">
-              <a:lnSpc>
-                <a:spcPct val="115000"/>
-              </a:lnSpc>
-              <a:spcBef>
-                <a:spcPts val="0"/>
-              </a:spcBef>
-              <a:spcAft>
-                <a:spcPts val="0"/>
-              </a:spcAft>
-              <a:buClr>
-                <a:schemeClr val="accent1"/>
-              </a:buClr>
-              <a:buSzPts val="1700"/>
-              <a:buFont typeface="Lato"/>
-              <a:buChar char="●"/>
-            </a:pPr>
-            <a:r>
-              <a:rPr b="1" lang="ja" sz="1700">
-                <a:solidFill>
-                  <a:schemeClr val="accent1"/>
-                </a:solidFill>
-                <a:latin typeface="Lato"/>
-                <a:ea typeface="Lato"/>
-                <a:cs typeface="Lato"/>
-                <a:sym typeface="Lato"/>
-              </a:rPr>
-              <a:t>新規投稿</a:t>
-            </a:r>
-            <a:endParaRPr b="1" sz="1700">
-              <a:solidFill>
-                <a:schemeClr val="accent1"/>
-              </a:solidFill>
-              <a:latin typeface="Lato"/>
-              <a:ea typeface="Lato"/>
-              <a:cs typeface="Lato"/>
-              <a:sym typeface="Lato"/>
-            </a:endParaRPr>
-          </a:p>
-          <a:p>
-            <a:pPr indent="-336550" lvl="0" marL="457200" rtl="0" algn="l">
-              <a:lnSpc>
-                <a:spcPct val="115000"/>
-              </a:lnSpc>
-              <a:spcBef>
-                <a:spcPts val="0"/>
-              </a:spcBef>
-              <a:spcAft>
-                <a:spcPts val="0"/>
-              </a:spcAft>
-              <a:buClr>
-                <a:schemeClr val="accent1"/>
-              </a:buClr>
-              <a:buSzPts val="1700"/>
-              <a:buFont typeface="Lato"/>
-              <a:buChar char="●"/>
-            </a:pPr>
-            <a:r>
-              <a:rPr b="1" lang="ja" sz="1700">
-                <a:solidFill>
-                  <a:schemeClr val="accent1"/>
-                </a:solidFill>
-                <a:latin typeface="Lato"/>
-                <a:ea typeface="Lato"/>
-                <a:cs typeface="Lato"/>
-                <a:sym typeface="Lato"/>
-              </a:rPr>
-              <a:t>編集</a:t>
-            </a:r>
-            <a:endParaRPr b="1" sz="1700">
-              <a:solidFill>
-                <a:schemeClr val="accent1"/>
-              </a:solidFill>
-              <a:latin typeface="Lato"/>
-              <a:ea typeface="Lato"/>
-              <a:cs typeface="Lato"/>
-              <a:sym typeface="Lato"/>
-            </a:endParaRPr>
-          </a:p>
-          <a:p>
-            <a:pPr indent="-336550" lvl="0" marL="457200" rtl="0" algn="l">
-              <a:lnSpc>
-                <a:spcPct val="115000"/>
-              </a:lnSpc>
-              <a:spcBef>
-                <a:spcPts val="0"/>
-              </a:spcBef>
-              <a:spcAft>
-                <a:spcPts val="0"/>
-              </a:spcAft>
-              <a:buClr>
-                <a:schemeClr val="accent1"/>
-              </a:buClr>
-              <a:buSzPts val="1700"/>
-              <a:buFont typeface="Lato"/>
-              <a:buChar char="●"/>
-            </a:pPr>
-            <a:r>
-              <a:rPr b="1" lang="ja" sz="1700">
-                <a:solidFill>
-                  <a:schemeClr val="accent1"/>
-                </a:solidFill>
-                <a:latin typeface="Lato"/>
-                <a:ea typeface="Lato"/>
-                <a:cs typeface="Lato"/>
-                <a:sym typeface="Lato"/>
-              </a:rPr>
-              <a:t>削除</a:t>
-            </a:r>
-            <a:endParaRPr>
-              <a:latin typeface="Lato"/>
-              <a:ea typeface="Lato"/>
-              <a:cs typeface="Lato"/>
-              <a:sym typeface="Lato"/>
-            </a:endParaRPr>
-          </a:p>
-        </p:txBody>
-      </p:sp>
-      <p:sp>
-        <p:nvSpPr>
-          <p:cNvPr id="102" name="Google Shape;102;p15"/>
-          <p:cNvSpPr/>
-          <p:nvPr/>
-        </p:nvSpPr>
-        <p:spPr>
-          <a:xfrm>
-            <a:off x="5956475" y="2065600"/>
-            <a:ext cx="2968500" cy="2599200"/>
-          </a:xfrm>
-          <a:prstGeom prst="roundRect">
-            <a:avLst>
-              <a:gd fmla="val 16667" name="adj"/>
-            </a:avLst>
-          </a:prstGeom>
-          <a:solidFill>
-            <a:schemeClr val="lt2"/>
-          </a:solidFill>
-          <a:ln cap="flat" cmpd="sng" w="9525">
-            <a:solidFill>
-              <a:schemeClr val="dk2"/>
-            </a:solidFill>
-            <a:prstDash val="solid"/>
-            <a:round/>
-            <a:headEnd len="sm" w="sm" type="none"/>
-            <a:tailEnd len="sm" w="sm" type="none"/>
-          </a:ln>
-        </p:spPr>
-        <p:txBody>
-          <a:bodyPr anchorCtr="0" anchor="ctr" bIns="91425" lIns="91425" spcFirstLastPara="1" rIns="91425" wrap="square" tIns="91425">
-            <a:noAutofit/>
-          </a:bodyPr>
-          <a:lstStyle/>
-          <a:p>
-            <a:pPr indent="0" lvl="0" marL="0" rtl="0" algn="ctr">
-              <a:lnSpc>
-                <a:spcPct val="115000"/>
-              </a:lnSpc>
-              <a:spcBef>
-                <a:spcPts val="0"/>
-              </a:spcBef>
-              <a:spcAft>
-                <a:spcPts val="0"/>
-              </a:spcAft>
-              <a:buNone/>
-            </a:pPr>
-            <a:r>
-              <a:rPr b="1" lang="ja" sz="1700">
-                <a:solidFill>
-                  <a:schemeClr val="dk2"/>
-                </a:solidFill>
-                <a:latin typeface="Lato"/>
-                <a:ea typeface="Lato"/>
-                <a:cs typeface="Lato"/>
-                <a:sym typeface="Lato"/>
-              </a:rPr>
-              <a:t>アカウント管理</a:t>
-            </a:r>
-            <a:endParaRPr b="1" sz="1700">
-              <a:solidFill>
-                <a:schemeClr val="dk2"/>
-              </a:solidFill>
-              <a:latin typeface="Lato"/>
-              <a:ea typeface="Lato"/>
-              <a:cs typeface="Lato"/>
-              <a:sym typeface="Lato"/>
-            </a:endParaRPr>
-          </a:p>
-          <a:p>
-            <a:pPr indent="-317500" lvl="0" marL="457200" rtl="0" algn="l">
-              <a:lnSpc>
-                <a:spcPct val="115000"/>
-              </a:lnSpc>
-              <a:spcBef>
-                <a:spcPts val="1200"/>
-              </a:spcBef>
-              <a:spcAft>
-                <a:spcPts val="0"/>
-              </a:spcAft>
-              <a:buSzPts val="1400"/>
-              <a:buFont typeface="Lato"/>
-              <a:buChar char="●"/>
-            </a:pPr>
-            <a:r>
-              <a:rPr b="1" lang="ja" sz="1700">
-                <a:solidFill>
-                  <a:schemeClr val="accent1"/>
-                </a:solidFill>
-                <a:latin typeface="Lato"/>
-                <a:ea typeface="Lato"/>
-                <a:cs typeface="Lato"/>
-                <a:sym typeface="Lato"/>
-              </a:rPr>
-              <a:t>ログイン/ログアウト</a:t>
-            </a:r>
-            <a:endParaRPr b="1" sz="1700">
-              <a:solidFill>
-                <a:schemeClr val="accent1"/>
-              </a:solidFill>
-              <a:latin typeface="Lato"/>
-              <a:ea typeface="Lato"/>
-              <a:cs typeface="Lato"/>
-              <a:sym typeface="Lato"/>
-            </a:endParaRPr>
-          </a:p>
-          <a:p>
-            <a:pPr indent="-317500" lvl="0" marL="457200" rtl="0" algn="l">
-              <a:lnSpc>
-                <a:spcPct val="115000"/>
-              </a:lnSpc>
-              <a:spcBef>
-                <a:spcPts val="0"/>
-              </a:spcBef>
-              <a:spcAft>
-                <a:spcPts val="0"/>
-              </a:spcAft>
-              <a:buSzPts val="1400"/>
-              <a:buFont typeface="Lato"/>
-              <a:buChar char="●"/>
-            </a:pPr>
-            <a:r>
-              <a:rPr b="1" lang="ja" sz="1700">
-                <a:solidFill>
-                  <a:schemeClr val="accent1"/>
-                </a:solidFill>
-                <a:latin typeface="Lato"/>
-                <a:ea typeface="Lato"/>
-                <a:cs typeface="Lato"/>
-                <a:sym typeface="Lato"/>
-              </a:rPr>
-              <a:t>ゲスト</a:t>
-            </a:r>
-            <a:endParaRPr b="1" sz="1700">
-              <a:solidFill>
-                <a:schemeClr val="accent1"/>
-              </a:solidFill>
-              <a:latin typeface="Lato"/>
-              <a:ea typeface="Lato"/>
-              <a:cs typeface="Lato"/>
-              <a:sym typeface="Lato"/>
-            </a:endParaRPr>
-          </a:p>
-          <a:p>
-            <a:pPr indent="-317500" lvl="0" marL="457200" rtl="0" algn="l">
-              <a:lnSpc>
-                <a:spcPct val="115000"/>
-              </a:lnSpc>
-              <a:spcBef>
-                <a:spcPts val="0"/>
-              </a:spcBef>
-              <a:spcAft>
-                <a:spcPts val="0"/>
-              </a:spcAft>
-              <a:buSzPts val="1400"/>
-              <a:buFont typeface="Lato"/>
-              <a:buChar char="●"/>
-            </a:pPr>
-            <a:r>
-              <a:rPr b="1" lang="ja" sz="1700">
-                <a:solidFill>
-                  <a:schemeClr val="accent1"/>
-                </a:solidFill>
-                <a:latin typeface="Lato"/>
-                <a:ea typeface="Lato"/>
-                <a:cs typeface="Lato"/>
-                <a:sym typeface="Lato"/>
-              </a:rPr>
-              <a:t>マイページ</a:t>
-            </a:r>
-            <a:endParaRPr b="1" sz="1700">
-              <a:solidFill>
-                <a:schemeClr val="accent1"/>
-              </a:solidFill>
-              <a:latin typeface="Lato"/>
-              <a:ea typeface="Lato"/>
-              <a:cs typeface="Lato"/>
-              <a:sym typeface="Lato"/>
-            </a:endParaRPr>
-          </a:p>
-          <a:p>
-            <a:pPr indent="-317500" lvl="0" marL="457200" rtl="0" algn="l">
-              <a:lnSpc>
-                <a:spcPct val="115000"/>
-              </a:lnSpc>
-              <a:spcBef>
-                <a:spcPts val="0"/>
-              </a:spcBef>
-              <a:spcAft>
-                <a:spcPts val="0"/>
-              </a:spcAft>
-              <a:buSzPts val="1400"/>
-              <a:buFont typeface="Lato"/>
-              <a:buChar char="●"/>
-            </a:pPr>
-            <a:r>
-              <a:rPr b="1" lang="ja" sz="1700">
-                <a:solidFill>
-                  <a:schemeClr val="accent1"/>
-                </a:solidFill>
-                <a:latin typeface="Lato"/>
-                <a:ea typeface="Lato"/>
-                <a:cs typeface="Lato"/>
-                <a:sym typeface="Lato"/>
-              </a:rPr>
-              <a:t>（予約、口コミ、退会）</a:t>
-            </a:r>
-            <a:endParaRPr>
-              <a:latin typeface="Lato"/>
-              <a:ea typeface="Lato"/>
-              <a:cs typeface="Lato"/>
-              <a:sym typeface="Lato"/>
-            </a:endParaRPr>
-          </a:p>
-        </p:txBody>
-      </p:sp>
     </p:spTree>
   </p:cSld>
   <p:clrMapOvr>
@@ -9948,7 +10064,7 @@
             </a:pPr>
             <a:r>
               <a:rPr lang="ja"/>
-              <a:t>会員側の機能：デモ</a:t>
+              <a:t>会員側の機能</a:t>
             </a:r>
             <a:endParaRPr/>
           </a:p>
@@ -9957,15 +10073,755 @@
       <p:sp>
         <p:nvSpPr>
           <p:cNvPr id="108" name="Google Shape;108;p16"/>
+          <p:cNvSpPr/>
+          <p:nvPr/>
+        </p:nvSpPr>
+        <p:spPr>
+          <a:xfrm>
+            <a:off x="465100" y="2065600"/>
+            <a:ext cx="2487900" cy="2599200"/>
+          </a:xfrm>
+          <a:prstGeom prst="roundRect">
+            <a:avLst>
+              <a:gd fmla="val 16667" name="adj"/>
+            </a:avLst>
+          </a:prstGeom>
+          <a:solidFill>
+            <a:srgbClr val="F4CCCC"/>
+          </a:solidFill>
+          <a:ln cap="flat" cmpd="sng" w="9525">
+            <a:solidFill>
+              <a:schemeClr val="dk2"/>
+            </a:solidFill>
+            <a:prstDash val="solid"/>
+            <a:round/>
+            <a:headEnd len="sm" w="sm" type="none"/>
+            <a:tailEnd len="sm" w="sm" type="none"/>
+          </a:ln>
+        </p:spPr>
+        <p:txBody>
+          <a:bodyPr anchorCtr="0" anchor="ctr" bIns="91425" lIns="91425" spcFirstLastPara="1" rIns="91425" wrap="square" tIns="91425">
+            <a:noAutofit/>
+          </a:bodyPr>
+          <a:lstStyle/>
+          <a:p>
+            <a:pPr indent="0" lvl="0" marL="0" rtl="0" algn="ctr">
+              <a:lnSpc>
+                <a:spcPct val="115000"/>
+              </a:lnSpc>
+              <a:spcBef>
+                <a:spcPts val="0"/>
+              </a:spcBef>
+              <a:spcAft>
+                <a:spcPts val="0"/>
+              </a:spcAft>
+              <a:buNone/>
+            </a:pPr>
+            <a:r>
+              <a:rPr b="1" lang="ja" sz="1700">
+                <a:solidFill>
+                  <a:schemeClr val="dk2"/>
+                </a:solidFill>
+                <a:latin typeface="Lato"/>
+                <a:ea typeface="Lato"/>
+                <a:cs typeface="Lato"/>
+                <a:sym typeface="Lato"/>
+              </a:rPr>
+              <a:t>宿予約システム</a:t>
+            </a:r>
+            <a:endParaRPr b="1" sz="1700">
+              <a:solidFill>
+                <a:schemeClr val="dk2"/>
+              </a:solidFill>
+              <a:latin typeface="Lato"/>
+              <a:ea typeface="Lato"/>
+              <a:cs typeface="Lato"/>
+              <a:sym typeface="Lato"/>
+            </a:endParaRPr>
+          </a:p>
+          <a:p>
+            <a:pPr indent="-336550" lvl="0" marL="457200" rtl="0" algn="l">
+              <a:lnSpc>
+                <a:spcPct val="115000"/>
+              </a:lnSpc>
+              <a:spcBef>
+                <a:spcPts val="1200"/>
+              </a:spcBef>
+              <a:spcAft>
+                <a:spcPts val="0"/>
+              </a:spcAft>
+              <a:buClr>
+                <a:schemeClr val="accent1"/>
+              </a:buClr>
+              <a:buSzPts val="1700"/>
+              <a:buFont typeface="Lato"/>
+              <a:buChar char="●"/>
+            </a:pPr>
+            <a:r>
+              <a:rPr b="1" lang="ja" sz="1700">
+                <a:solidFill>
+                  <a:schemeClr val="accent1"/>
+                </a:solidFill>
+                <a:latin typeface="Lato"/>
+                <a:ea typeface="Lato"/>
+                <a:cs typeface="Lato"/>
+                <a:sym typeface="Lato"/>
+              </a:rPr>
+              <a:t>カテゴリ一覧</a:t>
+            </a:r>
+            <a:endParaRPr b="1" sz="1700">
+              <a:solidFill>
+                <a:schemeClr val="accent1"/>
+              </a:solidFill>
+              <a:latin typeface="Lato"/>
+              <a:ea typeface="Lato"/>
+              <a:cs typeface="Lato"/>
+              <a:sym typeface="Lato"/>
+            </a:endParaRPr>
+          </a:p>
+          <a:p>
+            <a:pPr indent="-336550" lvl="0" marL="457200" rtl="0" algn="l">
+              <a:lnSpc>
+                <a:spcPct val="115000"/>
+              </a:lnSpc>
+              <a:spcBef>
+                <a:spcPts val="0"/>
+              </a:spcBef>
+              <a:spcAft>
+                <a:spcPts val="0"/>
+              </a:spcAft>
+              <a:buClr>
+                <a:schemeClr val="accent1"/>
+              </a:buClr>
+              <a:buSzPts val="1700"/>
+              <a:buFont typeface="Lato"/>
+              <a:buChar char="●"/>
+            </a:pPr>
+            <a:r>
+              <a:rPr b="1" lang="ja" sz="1700">
+                <a:solidFill>
+                  <a:schemeClr val="accent1"/>
+                </a:solidFill>
+                <a:latin typeface="Lato"/>
+                <a:ea typeface="Lato"/>
+                <a:cs typeface="Lato"/>
+                <a:sym typeface="Lato"/>
+              </a:rPr>
+              <a:t>宿一覧取得</a:t>
+            </a:r>
+            <a:endParaRPr b="1" sz="1700">
+              <a:solidFill>
+                <a:schemeClr val="accent1"/>
+              </a:solidFill>
+              <a:latin typeface="Lato"/>
+              <a:ea typeface="Lato"/>
+              <a:cs typeface="Lato"/>
+              <a:sym typeface="Lato"/>
+            </a:endParaRPr>
+          </a:p>
+          <a:p>
+            <a:pPr indent="-336550" lvl="0" marL="457200" rtl="0" algn="l">
+              <a:lnSpc>
+                <a:spcPct val="115000"/>
+              </a:lnSpc>
+              <a:spcBef>
+                <a:spcPts val="0"/>
+              </a:spcBef>
+              <a:spcAft>
+                <a:spcPts val="0"/>
+              </a:spcAft>
+              <a:buClr>
+                <a:schemeClr val="accent1"/>
+              </a:buClr>
+              <a:buSzPts val="1700"/>
+              <a:buFont typeface="Lato"/>
+              <a:buChar char="●"/>
+            </a:pPr>
+            <a:r>
+              <a:rPr b="1" lang="ja" sz="1700">
+                <a:solidFill>
+                  <a:schemeClr val="accent1"/>
+                </a:solidFill>
+                <a:latin typeface="Lato"/>
+                <a:ea typeface="Lato"/>
+                <a:cs typeface="Lato"/>
+                <a:sym typeface="Lato"/>
+              </a:rPr>
+              <a:t>検索</a:t>
+            </a:r>
+            <a:endParaRPr b="1" sz="1700">
+              <a:solidFill>
+                <a:schemeClr val="accent1"/>
+              </a:solidFill>
+              <a:latin typeface="Lato"/>
+              <a:ea typeface="Lato"/>
+              <a:cs typeface="Lato"/>
+              <a:sym typeface="Lato"/>
+            </a:endParaRPr>
+          </a:p>
+          <a:p>
+            <a:pPr indent="-336550" lvl="0" marL="457200" rtl="0" algn="l">
+              <a:lnSpc>
+                <a:spcPct val="115000"/>
+              </a:lnSpc>
+              <a:spcBef>
+                <a:spcPts val="0"/>
+              </a:spcBef>
+              <a:spcAft>
+                <a:spcPts val="0"/>
+              </a:spcAft>
+              <a:buClr>
+                <a:schemeClr val="accent1"/>
+              </a:buClr>
+              <a:buSzPts val="1700"/>
+              <a:buFont typeface="Lato"/>
+              <a:buChar char="●"/>
+            </a:pPr>
+            <a:r>
+              <a:rPr b="1" lang="ja" sz="1700">
+                <a:solidFill>
+                  <a:schemeClr val="accent1"/>
+                </a:solidFill>
+                <a:latin typeface="Lato"/>
+                <a:ea typeface="Lato"/>
+                <a:cs typeface="Lato"/>
+                <a:sym typeface="Lato"/>
+              </a:rPr>
+              <a:t>プラン一覧取得</a:t>
+            </a:r>
+            <a:endParaRPr b="1" sz="1700">
+              <a:solidFill>
+                <a:schemeClr val="accent1"/>
+              </a:solidFill>
+              <a:latin typeface="Lato"/>
+              <a:ea typeface="Lato"/>
+              <a:cs typeface="Lato"/>
+              <a:sym typeface="Lato"/>
+            </a:endParaRPr>
+          </a:p>
+          <a:p>
+            <a:pPr indent="-336550" lvl="0" marL="457200" rtl="0" algn="l">
+              <a:lnSpc>
+                <a:spcPct val="115000"/>
+              </a:lnSpc>
+              <a:spcBef>
+                <a:spcPts val="0"/>
+              </a:spcBef>
+              <a:spcAft>
+                <a:spcPts val="0"/>
+              </a:spcAft>
+              <a:buClr>
+                <a:schemeClr val="accent1"/>
+              </a:buClr>
+              <a:buSzPts val="1700"/>
+              <a:buFont typeface="Lato"/>
+              <a:buChar char="●"/>
+            </a:pPr>
+            <a:r>
+              <a:rPr b="1" lang="ja" sz="1700">
+                <a:solidFill>
+                  <a:schemeClr val="accent1"/>
+                </a:solidFill>
+                <a:latin typeface="Lato"/>
+                <a:ea typeface="Lato"/>
+                <a:cs typeface="Lato"/>
+                <a:sym typeface="Lato"/>
+              </a:rPr>
+              <a:t>予約登録 </a:t>
+            </a:r>
+            <a:endParaRPr b="1" sz="1700">
+              <a:solidFill>
+                <a:schemeClr val="dk2"/>
+              </a:solidFill>
+              <a:latin typeface="Lato"/>
+              <a:ea typeface="Lato"/>
+              <a:cs typeface="Lato"/>
+              <a:sym typeface="Lato"/>
+            </a:endParaRPr>
+          </a:p>
+        </p:txBody>
+      </p:sp>
+      <p:sp>
+        <p:nvSpPr>
+          <p:cNvPr id="109" name="Google Shape;109;p16"/>
+          <p:cNvSpPr/>
+          <p:nvPr/>
+        </p:nvSpPr>
+        <p:spPr>
+          <a:xfrm>
+            <a:off x="3257650" y="2065600"/>
+            <a:ext cx="2487900" cy="2599200"/>
+          </a:xfrm>
+          <a:prstGeom prst="roundRect">
+            <a:avLst>
+              <a:gd fmla="val 16667" name="adj"/>
+            </a:avLst>
+          </a:prstGeom>
+          <a:solidFill>
+            <a:srgbClr val="FFF2CC"/>
+          </a:solidFill>
+          <a:ln cap="flat" cmpd="sng" w="9525">
+            <a:solidFill>
+              <a:schemeClr val="dk2"/>
+            </a:solidFill>
+            <a:prstDash val="solid"/>
+            <a:round/>
+            <a:headEnd len="sm" w="sm" type="none"/>
+            <a:tailEnd len="sm" w="sm" type="none"/>
+          </a:ln>
+        </p:spPr>
+        <p:txBody>
+          <a:bodyPr anchorCtr="0" anchor="ctr" bIns="91425" lIns="91425" spcFirstLastPara="1" rIns="91425" wrap="square" tIns="91425">
+            <a:noAutofit/>
+          </a:bodyPr>
+          <a:lstStyle/>
+          <a:p>
+            <a:pPr indent="0" lvl="0" marL="0" rtl="0" algn="ctr">
+              <a:lnSpc>
+                <a:spcPct val="115000"/>
+              </a:lnSpc>
+              <a:spcBef>
+                <a:spcPts val="0"/>
+              </a:spcBef>
+              <a:spcAft>
+                <a:spcPts val="0"/>
+              </a:spcAft>
+              <a:buNone/>
+            </a:pPr>
+            <a:r>
+              <a:rPr b="1" lang="ja" sz="1700">
+                <a:solidFill>
+                  <a:schemeClr val="dk2"/>
+                </a:solidFill>
+                <a:latin typeface="Lato"/>
+                <a:ea typeface="Lato"/>
+                <a:cs typeface="Lato"/>
+                <a:sym typeface="Lato"/>
+              </a:rPr>
+              <a:t>口コミシステム</a:t>
+            </a:r>
+            <a:endParaRPr b="1" sz="1700">
+              <a:solidFill>
+                <a:schemeClr val="dk2"/>
+              </a:solidFill>
+              <a:latin typeface="Lato"/>
+              <a:ea typeface="Lato"/>
+              <a:cs typeface="Lato"/>
+              <a:sym typeface="Lato"/>
+            </a:endParaRPr>
+          </a:p>
+          <a:p>
+            <a:pPr indent="-336550" lvl="0" marL="457200" rtl="0" algn="l">
+              <a:lnSpc>
+                <a:spcPct val="115000"/>
+              </a:lnSpc>
+              <a:spcBef>
+                <a:spcPts val="1200"/>
+              </a:spcBef>
+              <a:spcAft>
+                <a:spcPts val="0"/>
+              </a:spcAft>
+              <a:buClr>
+                <a:schemeClr val="accent1"/>
+              </a:buClr>
+              <a:buSzPts val="1700"/>
+              <a:buFont typeface="Lato"/>
+              <a:buChar char="●"/>
+            </a:pPr>
+            <a:r>
+              <a:rPr b="1" lang="ja" sz="1700">
+                <a:solidFill>
+                  <a:schemeClr val="accent1"/>
+                </a:solidFill>
+                <a:latin typeface="Lato"/>
+                <a:ea typeface="Lato"/>
+                <a:cs typeface="Lato"/>
+                <a:sym typeface="Lato"/>
+              </a:rPr>
+              <a:t>一覧取得</a:t>
+            </a:r>
+            <a:endParaRPr b="1" sz="1700">
+              <a:solidFill>
+                <a:schemeClr val="accent1"/>
+              </a:solidFill>
+              <a:latin typeface="Lato"/>
+              <a:ea typeface="Lato"/>
+              <a:cs typeface="Lato"/>
+              <a:sym typeface="Lato"/>
+            </a:endParaRPr>
+          </a:p>
+          <a:p>
+            <a:pPr indent="-336550" lvl="0" marL="457200" rtl="0" algn="l">
+              <a:lnSpc>
+                <a:spcPct val="115000"/>
+              </a:lnSpc>
+              <a:spcBef>
+                <a:spcPts val="0"/>
+              </a:spcBef>
+              <a:spcAft>
+                <a:spcPts val="0"/>
+              </a:spcAft>
+              <a:buClr>
+                <a:schemeClr val="accent1"/>
+              </a:buClr>
+              <a:buSzPts val="1700"/>
+              <a:buFont typeface="Lato"/>
+              <a:buChar char="●"/>
+            </a:pPr>
+            <a:r>
+              <a:rPr b="1" lang="ja" sz="1700">
+                <a:solidFill>
+                  <a:schemeClr val="accent1"/>
+                </a:solidFill>
+                <a:latin typeface="Lato"/>
+                <a:ea typeface="Lato"/>
+                <a:cs typeface="Lato"/>
+                <a:sym typeface="Lato"/>
+              </a:rPr>
+              <a:t>新規投稿</a:t>
+            </a:r>
+            <a:endParaRPr b="1" sz="1700">
+              <a:solidFill>
+                <a:schemeClr val="accent1"/>
+              </a:solidFill>
+              <a:latin typeface="Lato"/>
+              <a:ea typeface="Lato"/>
+              <a:cs typeface="Lato"/>
+              <a:sym typeface="Lato"/>
+            </a:endParaRPr>
+          </a:p>
+          <a:p>
+            <a:pPr indent="-336550" lvl="0" marL="457200" rtl="0" algn="l">
+              <a:lnSpc>
+                <a:spcPct val="115000"/>
+              </a:lnSpc>
+              <a:spcBef>
+                <a:spcPts val="0"/>
+              </a:spcBef>
+              <a:spcAft>
+                <a:spcPts val="0"/>
+              </a:spcAft>
+              <a:buClr>
+                <a:schemeClr val="accent1"/>
+              </a:buClr>
+              <a:buSzPts val="1700"/>
+              <a:buFont typeface="Lato"/>
+              <a:buChar char="●"/>
+            </a:pPr>
+            <a:r>
+              <a:rPr b="1" lang="ja" sz="1700">
+                <a:solidFill>
+                  <a:schemeClr val="accent1"/>
+                </a:solidFill>
+                <a:latin typeface="Lato"/>
+                <a:ea typeface="Lato"/>
+                <a:cs typeface="Lato"/>
+                <a:sym typeface="Lato"/>
+              </a:rPr>
+              <a:t>編集</a:t>
+            </a:r>
+            <a:endParaRPr b="1" sz="1700">
+              <a:solidFill>
+                <a:schemeClr val="accent1"/>
+              </a:solidFill>
+              <a:latin typeface="Lato"/>
+              <a:ea typeface="Lato"/>
+              <a:cs typeface="Lato"/>
+              <a:sym typeface="Lato"/>
+            </a:endParaRPr>
+          </a:p>
+          <a:p>
+            <a:pPr indent="-336550" lvl="0" marL="457200" rtl="0" algn="l">
+              <a:lnSpc>
+                <a:spcPct val="115000"/>
+              </a:lnSpc>
+              <a:spcBef>
+                <a:spcPts val="0"/>
+              </a:spcBef>
+              <a:spcAft>
+                <a:spcPts val="0"/>
+              </a:spcAft>
+              <a:buClr>
+                <a:schemeClr val="accent1"/>
+              </a:buClr>
+              <a:buSzPts val="1700"/>
+              <a:buFont typeface="Lato"/>
+              <a:buChar char="●"/>
+            </a:pPr>
+            <a:r>
+              <a:rPr b="1" lang="ja" sz="1700">
+                <a:solidFill>
+                  <a:schemeClr val="accent1"/>
+                </a:solidFill>
+                <a:latin typeface="Lato"/>
+                <a:ea typeface="Lato"/>
+                <a:cs typeface="Lato"/>
+                <a:sym typeface="Lato"/>
+              </a:rPr>
+              <a:t>削除</a:t>
+            </a:r>
+            <a:endParaRPr>
+              <a:latin typeface="Lato"/>
+              <a:ea typeface="Lato"/>
+              <a:cs typeface="Lato"/>
+              <a:sym typeface="Lato"/>
+            </a:endParaRPr>
+          </a:p>
+        </p:txBody>
+      </p:sp>
+      <p:sp>
+        <p:nvSpPr>
+          <p:cNvPr id="110" name="Google Shape;110;p16"/>
+          <p:cNvSpPr/>
+          <p:nvPr/>
+        </p:nvSpPr>
+        <p:spPr>
+          <a:xfrm>
+            <a:off x="5956475" y="2065600"/>
+            <a:ext cx="2968500" cy="2599200"/>
+          </a:xfrm>
+          <a:prstGeom prst="roundRect">
+            <a:avLst>
+              <a:gd fmla="val 16667" name="adj"/>
+            </a:avLst>
+          </a:prstGeom>
+          <a:solidFill>
+            <a:schemeClr val="lt2"/>
+          </a:solidFill>
+          <a:ln cap="flat" cmpd="sng" w="9525">
+            <a:solidFill>
+              <a:schemeClr val="dk2"/>
+            </a:solidFill>
+            <a:prstDash val="solid"/>
+            <a:round/>
+            <a:headEnd len="sm" w="sm" type="none"/>
+            <a:tailEnd len="sm" w="sm" type="none"/>
+          </a:ln>
+        </p:spPr>
+        <p:txBody>
+          <a:bodyPr anchorCtr="0" anchor="ctr" bIns="91425" lIns="91425" spcFirstLastPara="1" rIns="91425" wrap="square" tIns="91425">
+            <a:noAutofit/>
+          </a:bodyPr>
+          <a:lstStyle/>
+          <a:p>
+            <a:pPr indent="0" lvl="0" marL="0" rtl="0" algn="ctr">
+              <a:lnSpc>
+                <a:spcPct val="115000"/>
+              </a:lnSpc>
+              <a:spcBef>
+                <a:spcPts val="0"/>
+              </a:spcBef>
+              <a:spcAft>
+                <a:spcPts val="0"/>
+              </a:spcAft>
+              <a:buNone/>
+            </a:pPr>
+            <a:r>
+              <a:rPr b="1" lang="ja" sz="1700">
+                <a:solidFill>
+                  <a:schemeClr val="dk2"/>
+                </a:solidFill>
+                <a:latin typeface="Lato"/>
+                <a:ea typeface="Lato"/>
+                <a:cs typeface="Lato"/>
+                <a:sym typeface="Lato"/>
+              </a:rPr>
+              <a:t>アカウント管理</a:t>
+            </a:r>
+            <a:endParaRPr b="1" sz="1700">
+              <a:solidFill>
+                <a:schemeClr val="dk2"/>
+              </a:solidFill>
+              <a:latin typeface="Lato"/>
+              <a:ea typeface="Lato"/>
+              <a:cs typeface="Lato"/>
+              <a:sym typeface="Lato"/>
+            </a:endParaRPr>
+          </a:p>
+          <a:p>
+            <a:pPr indent="-317500" lvl="0" marL="457200" rtl="0" algn="l">
+              <a:lnSpc>
+                <a:spcPct val="115000"/>
+              </a:lnSpc>
+              <a:spcBef>
+                <a:spcPts val="1200"/>
+              </a:spcBef>
+              <a:spcAft>
+                <a:spcPts val="0"/>
+              </a:spcAft>
+              <a:buSzPts val="1400"/>
+              <a:buFont typeface="Lato"/>
+              <a:buChar char="●"/>
+            </a:pPr>
+            <a:r>
+              <a:rPr b="1" lang="ja" sz="1700">
+                <a:solidFill>
+                  <a:schemeClr val="accent1"/>
+                </a:solidFill>
+                <a:latin typeface="Lato"/>
+                <a:ea typeface="Lato"/>
+                <a:cs typeface="Lato"/>
+                <a:sym typeface="Lato"/>
+              </a:rPr>
+              <a:t>ログイン/ログアウト</a:t>
+            </a:r>
+            <a:endParaRPr b="1" sz="1700">
+              <a:solidFill>
+                <a:schemeClr val="accent1"/>
+              </a:solidFill>
+              <a:latin typeface="Lato"/>
+              <a:ea typeface="Lato"/>
+              <a:cs typeface="Lato"/>
+              <a:sym typeface="Lato"/>
+            </a:endParaRPr>
+          </a:p>
+          <a:p>
+            <a:pPr indent="-317500" lvl="0" marL="457200" rtl="0" algn="l">
+              <a:lnSpc>
+                <a:spcPct val="115000"/>
+              </a:lnSpc>
+              <a:spcBef>
+                <a:spcPts val="0"/>
+              </a:spcBef>
+              <a:spcAft>
+                <a:spcPts val="0"/>
+              </a:spcAft>
+              <a:buSzPts val="1400"/>
+              <a:buFont typeface="Lato"/>
+              <a:buChar char="●"/>
+            </a:pPr>
+            <a:r>
+              <a:rPr b="1" lang="ja" sz="1700">
+                <a:solidFill>
+                  <a:schemeClr val="accent1"/>
+                </a:solidFill>
+                <a:latin typeface="Lato"/>
+                <a:ea typeface="Lato"/>
+                <a:cs typeface="Lato"/>
+                <a:sym typeface="Lato"/>
+              </a:rPr>
+              <a:t>ゲスト</a:t>
+            </a:r>
+            <a:endParaRPr b="1" sz="1700">
+              <a:solidFill>
+                <a:schemeClr val="accent1"/>
+              </a:solidFill>
+              <a:latin typeface="Lato"/>
+              <a:ea typeface="Lato"/>
+              <a:cs typeface="Lato"/>
+              <a:sym typeface="Lato"/>
+            </a:endParaRPr>
+          </a:p>
+          <a:p>
+            <a:pPr indent="-317500" lvl="0" marL="457200" rtl="0" algn="l">
+              <a:lnSpc>
+                <a:spcPct val="115000"/>
+              </a:lnSpc>
+              <a:spcBef>
+                <a:spcPts val="0"/>
+              </a:spcBef>
+              <a:spcAft>
+                <a:spcPts val="0"/>
+              </a:spcAft>
+              <a:buSzPts val="1400"/>
+              <a:buFont typeface="Lato"/>
+              <a:buChar char="●"/>
+            </a:pPr>
+            <a:r>
+              <a:rPr b="1" lang="ja" sz="1700">
+                <a:solidFill>
+                  <a:schemeClr val="accent1"/>
+                </a:solidFill>
+                <a:latin typeface="Lato"/>
+                <a:ea typeface="Lato"/>
+                <a:cs typeface="Lato"/>
+                <a:sym typeface="Lato"/>
+              </a:rPr>
+              <a:t>マイページ</a:t>
+            </a:r>
+            <a:endParaRPr b="1" sz="1700">
+              <a:solidFill>
+                <a:schemeClr val="accent1"/>
+              </a:solidFill>
+              <a:latin typeface="Lato"/>
+              <a:ea typeface="Lato"/>
+              <a:cs typeface="Lato"/>
+              <a:sym typeface="Lato"/>
+            </a:endParaRPr>
+          </a:p>
+          <a:p>
+            <a:pPr indent="-317500" lvl="0" marL="457200" rtl="0" algn="l">
+              <a:lnSpc>
+                <a:spcPct val="115000"/>
+              </a:lnSpc>
+              <a:spcBef>
+                <a:spcPts val="0"/>
+              </a:spcBef>
+              <a:spcAft>
+                <a:spcPts val="0"/>
+              </a:spcAft>
+              <a:buSzPts val="1400"/>
+              <a:buFont typeface="Lato"/>
+              <a:buChar char="●"/>
+            </a:pPr>
+            <a:r>
+              <a:rPr b="1" lang="ja" sz="1700">
+                <a:solidFill>
+                  <a:schemeClr val="accent1"/>
+                </a:solidFill>
+                <a:latin typeface="Lato"/>
+                <a:ea typeface="Lato"/>
+                <a:cs typeface="Lato"/>
+                <a:sym typeface="Lato"/>
+              </a:rPr>
+              <a:t>（予約、口コミ、退会）</a:t>
+            </a:r>
+            <a:endParaRPr>
+              <a:latin typeface="Lato"/>
+              <a:ea typeface="Lato"/>
+              <a:cs typeface="Lato"/>
+              <a:sym typeface="Lato"/>
+            </a:endParaRPr>
+          </a:p>
+        </p:txBody>
+      </p:sp>
+    </p:spTree>
+  </p:cSld>
+  <p:clrMapOvr>
+    <a:masterClrMapping/>
+  </p:clrMapOvr>
+</p:sld>
+</file>
+
+<file path=ppt/slides/slide5.xml><?xml version="1.0" encoding="utf-8"?>
+<p:sld xmlns:a="http://schemas.openxmlformats.org/drawingml/2006/main" xmlns:r="http://schemas.openxmlformats.org/officeDocument/2006/relationships" xmlns:mc="http://schemas.openxmlformats.org/markup-compatibility/2006" xmlns:mv="urn:schemas-microsoft-com:mac:vml" xmlns:p="http://schemas.openxmlformats.org/presentationml/2006/main" xmlns:c="http://schemas.openxmlformats.org/drawingml/2006/chart" xmlns:dgm="http://schemas.openxmlformats.org/drawingml/2006/diagram" xmlns:o="urn:schemas-microsoft-com:office:office" xmlns:v="urn:schemas-microsoft-com:vml" xmlns:pvml="urn:schemas-microsoft-com:office:powerpoint" xmlns:com="http://schemas.openxmlformats.org/drawingml/2006/compatibility" xmlns:p14="http://schemas.microsoft.com/office/powerpoint/2010/main" xmlns:p15="http://schemas.microsoft.com/office/powerpoint/2012/main" xmlns:ahyp="http://schemas.microsoft.com/office/drawing/2018/hyperlinkcolor">
+  <p:cSld>
+    <p:spTree>
+      <p:nvGrpSpPr>
+        <p:cNvPr id="114" name="Shape 114"/>
+        <p:cNvGrpSpPr/>
+        <p:nvPr/>
+      </p:nvGrpSpPr>
+      <p:grpSpPr>
+        <a:xfrm>
+          <a:off x="0" y="0"/>
+          <a:ext cx="0" cy="0"/>
+          <a:chOff x="0" y="0"/>
+          <a:chExt cx="0" cy="0"/>
+        </a:xfrm>
+      </p:grpSpPr>
+      <p:sp>
+        <p:nvSpPr>
+          <p:cNvPr id="115" name="Google Shape;115;p17"/>
           <p:cNvSpPr txBox="1"/>
           <p:nvPr>
-            <p:ph idx="1" type="body"/>
+            <p:ph type="title"/>
           </p:nvPr>
         </p:nvSpPr>
         <p:spPr>
           <a:xfrm>
-            <a:off x="729450" y="2078875"/>
-            <a:ext cx="7688700" cy="2261100"/>
+            <a:off x="729450" y="1318650"/>
+            <a:ext cx="7688700" cy="535200"/>
           </a:xfrm>
           <a:prstGeom prst="rect">
             <a:avLst/>
@@ -9973,7 +10829,7 @@
         </p:spPr>
         <p:txBody>
           <a:bodyPr anchorCtr="0" anchor="t" bIns="91425" lIns="91425" spcFirstLastPara="1" rIns="91425" wrap="square" tIns="91425">
-            <a:normAutofit/>
+            <a:normAutofit fontScale="90000"/>
           </a:bodyPr>
           <a:lstStyle/>
           <a:p>
@@ -9988,27 +10844,7 @@
             </a:pPr>
             <a:r>
               <a:rPr lang="ja"/>
-              <a:t>top</a:t>
-            </a:r>
-            <a:r>
-              <a:rPr lang="ja"/>
-              <a:t>→ゲスト利用</a:t>
-            </a:r>
-            <a:endParaRPr/>
-          </a:p>
-          <a:p>
-            <a:pPr indent="0" lvl="0" marL="0" rtl="0" algn="l">
-              <a:spcBef>
-                <a:spcPts val="1200"/>
-              </a:spcBef>
-              <a:spcAft>
-                <a:spcPts val="1200"/>
-              </a:spcAft>
-              <a:buNone/>
-            </a:pPr>
-            <a:r>
-              <a:rPr lang="ja"/>
-              <a:t>login→ホテル→口コミ投稿→予約→マイページ</a:t>
+              <a:t>会員側の機能：デモ</a:t>
             </a:r>
             <a:endParaRPr/>
           </a:p>
@@ -10016,7 +10852,7 @@
       </p:sp>
       <p:pic>
         <p:nvPicPr>
-          <p:cNvPr id="109" name="Google Shape;109;p16"/>
+          <p:cNvPr id="116" name="Google Shape;116;p17"/>
           <p:cNvPicPr preferRelativeResize="0"/>
           <p:nvPr/>
         </p:nvPicPr>
@@ -10042,606 +10878,6 @@
           </a:ln>
         </p:spPr>
       </p:pic>
-    </p:spTree>
-  </p:cSld>
-  <p:clrMapOvr>
-    <a:masterClrMapping/>
-  </p:clrMapOvr>
-</p:sld>
-</file>
-
-<file path=ppt/slides/slide5.xml><?xml version="1.0" encoding="utf-8"?>
-<p:sld xmlns:a="http://schemas.openxmlformats.org/drawingml/2006/main" xmlns:r="http://schemas.openxmlformats.org/officeDocument/2006/relationships" xmlns:mc="http://schemas.openxmlformats.org/markup-compatibility/2006" xmlns:mv="urn:schemas-microsoft-com:mac:vml" xmlns:p="http://schemas.openxmlformats.org/presentationml/2006/main" xmlns:c="http://schemas.openxmlformats.org/drawingml/2006/chart" xmlns:dgm="http://schemas.openxmlformats.org/drawingml/2006/diagram" xmlns:o="urn:schemas-microsoft-com:office:office" xmlns:v="urn:schemas-microsoft-com:vml" xmlns:pvml="urn:schemas-microsoft-com:office:powerpoint" xmlns:com="http://schemas.openxmlformats.org/drawingml/2006/compatibility" xmlns:p14="http://schemas.microsoft.com/office/powerpoint/2010/main" xmlns:p15="http://schemas.microsoft.com/office/powerpoint/2012/main" xmlns:ahyp="http://schemas.microsoft.com/office/drawing/2018/hyperlinkcolor">
-  <p:cSld>
-    <p:spTree>
-      <p:nvGrpSpPr>
-        <p:cNvPr id="113" name="Shape 113"/>
-        <p:cNvGrpSpPr/>
-        <p:nvPr/>
-      </p:nvGrpSpPr>
-      <p:grpSpPr>
-        <a:xfrm>
-          <a:off x="0" y="0"/>
-          <a:ext cx="0" cy="0"/>
-          <a:chOff x="0" y="0"/>
-          <a:chExt cx="0" cy="0"/>
-        </a:xfrm>
-      </p:grpSpPr>
-      <p:sp>
-        <p:nvSpPr>
-          <p:cNvPr id="114" name="Google Shape;114;p17"/>
-          <p:cNvSpPr txBox="1"/>
-          <p:nvPr>
-            <p:ph type="title"/>
-          </p:nvPr>
-        </p:nvSpPr>
-        <p:spPr>
-          <a:xfrm>
-            <a:off x="729450" y="1318650"/>
-            <a:ext cx="7688700" cy="535200"/>
-          </a:xfrm>
-          <a:prstGeom prst="rect">
-            <a:avLst/>
-          </a:prstGeom>
-        </p:spPr>
-        <p:txBody>
-          <a:bodyPr anchorCtr="0" anchor="t" bIns="91425" lIns="91425" spcFirstLastPara="1" rIns="91425" wrap="square" tIns="91425">
-            <a:normAutofit fontScale="90000"/>
-          </a:bodyPr>
-          <a:lstStyle/>
-          <a:p>
-            <a:pPr indent="0" lvl="0" marL="0" rtl="0" algn="l">
-              <a:spcBef>
-                <a:spcPts val="0"/>
-              </a:spcBef>
-              <a:spcAft>
-                <a:spcPts val="0"/>
-              </a:spcAft>
-              <a:buNone/>
-            </a:pPr>
-            <a:r>
-              <a:rPr lang="ja"/>
-              <a:t>管理者側の機能</a:t>
-            </a:r>
-            <a:endParaRPr/>
-          </a:p>
-        </p:txBody>
-      </p:sp>
-      <p:sp>
-        <p:nvSpPr>
-          <p:cNvPr id="115" name="Google Shape;115;p17"/>
-          <p:cNvSpPr/>
-          <p:nvPr/>
-        </p:nvSpPr>
-        <p:spPr>
-          <a:xfrm>
-            <a:off x="957575" y="2065600"/>
-            <a:ext cx="3269400" cy="2599200"/>
-          </a:xfrm>
-          <a:prstGeom prst="roundRect">
-            <a:avLst>
-              <a:gd fmla="val 16667" name="adj"/>
-            </a:avLst>
-          </a:prstGeom>
-          <a:solidFill>
-            <a:srgbClr val="F4CCCC"/>
-          </a:solidFill>
-          <a:ln cap="flat" cmpd="sng" w="9525">
-            <a:solidFill>
-              <a:schemeClr val="dk2"/>
-            </a:solidFill>
-            <a:prstDash val="solid"/>
-            <a:round/>
-            <a:headEnd len="sm" w="sm" type="none"/>
-            <a:tailEnd len="sm" w="sm" type="none"/>
-          </a:ln>
-        </p:spPr>
-        <p:txBody>
-          <a:bodyPr anchorCtr="0" anchor="ctr" bIns="91425" lIns="91425" spcFirstLastPara="1" rIns="91425" wrap="square" tIns="91425">
-            <a:noAutofit/>
-          </a:bodyPr>
-          <a:lstStyle/>
-          <a:p>
-            <a:pPr indent="0" lvl="0" marL="0" rtl="0" algn="ctr">
-              <a:lnSpc>
-                <a:spcPct val="115000"/>
-              </a:lnSpc>
-              <a:spcBef>
-                <a:spcPts val="0"/>
-              </a:spcBef>
-              <a:spcAft>
-                <a:spcPts val="0"/>
-              </a:spcAft>
-              <a:buNone/>
-            </a:pPr>
-            <a:r>
-              <a:rPr b="1" lang="ja" sz="1700">
-                <a:solidFill>
-                  <a:schemeClr val="dk2"/>
-                </a:solidFill>
-                <a:latin typeface="Lato"/>
-                <a:ea typeface="Lato"/>
-                <a:cs typeface="Lato"/>
-                <a:sym typeface="Lato"/>
-              </a:rPr>
-              <a:t>宿</a:t>
-            </a:r>
-            <a:r>
-              <a:rPr b="1" lang="ja" sz="1700">
-                <a:solidFill>
-                  <a:schemeClr val="dk2"/>
-                </a:solidFill>
-                <a:latin typeface="Lato"/>
-                <a:ea typeface="Lato"/>
-                <a:cs typeface="Lato"/>
-                <a:sym typeface="Lato"/>
-              </a:rPr>
-              <a:t>管理</a:t>
-            </a:r>
-            <a:r>
-              <a:rPr b="1" lang="ja" sz="1700">
-                <a:solidFill>
-                  <a:schemeClr val="dk2"/>
-                </a:solidFill>
-                <a:latin typeface="Lato"/>
-                <a:ea typeface="Lato"/>
-                <a:cs typeface="Lato"/>
-                <a:sym typeface="Lato"/>
-              </a:rPr>
-              <a:t>システム</a:t>
-            </a:r>
-            <a:endParaRPr b="1" sz="1700">
-              <a:solidFill>
-                <a:schemeClr val="dk2"/>
-              </a:solidFill>
-              <a:latin typeface="Lato"/>
-              <a:ea typeface="Lato"/>
-              <a:cs typeface="Lato"/>
-              <a:sym typeface="Lato"/>
-            </a:endParaRPr>
-          </a:p>
-          <a:p>
-            <a:pPr indent="-336550" lvl="0" marL="457200" rtl="0" algn="l">
-              <a:lnSpc>
-                <a:spcPct val="115000"/>
-              </a:lnSpc>
-              <a:spcBef>
-                <a:spcPts val="1200"/>
-              </a:spcBef>
-              <a:spcAft>
-                <a:spcPts val="0"/>
-              </a:spcAft>
-              <a:buClr>
-                <a:schemeClr val="accent1"/>
-              </a:buClr>
-              <a:buSzPts val="1700"/>
-              <a:buFont typeface="Lato"/>
-              <a:buChar char="●"/>
-            </a:pPr>
-            <a:r>
-              <a:rPr b="1" lang="ja" sz="1700">
-                <a:solidFill>
-                  <a:schemeClr val="accent1"/>
-                </a:solidFill>
-                <a:latin typeface="Lato"/>
-                <a:ea typeface="Lato"/>
-                <a:cs typeface="Lato"/>
-                <a:sym typeface="Lato"/>
-              </a:rPr>
-              <a:t>宿情報</a:t>
-            </a:r>
-            <a:endParaRPr b="1" sz="1700">
-              <a:solidFill>
-                <a:schemeClr val="accent1"/>
-              </a:solidFill>
-              <a:latin typeface="Lato"/>
-              <a:ea typeface="Lato"/>
-              <a:cs typeface="Lato"/>
-              <a:sym typeface="Lato"/>
-            </a:endParaRPr>
-          </a:p>
-          <a:p>
-            <a:pPr indent="-336550" lvl="1" marL="914400" rtl="0" algn="l">
-              <a:lnSpc>
-                <a:spcPct val="115000"/>
-              </a:lnSpc>
-              <a:spcBef>
-                <a:spcPts val="0"/>
-              </a:spcBef>
-              <a:spcAft>
-                <a:spcPts val="0"/>
-              </a:spcAft>
-              <a:buClr>
-                <a:schemeClr val="accent1"/>
-              </a:buClr>
-              <a:buSzPts val="1700"/>
-              <a:buFont typeface="Lato"/>
-              <a:buChar char="○"/>
-            </a:pPr>
-            <a:r>
-              <a:rPr b="1" lang="ja" sz="1700">
-                <a:solidFill>
-                  <a:schemeClr val="accent1"/>
-                </a:solidFill>
-                <a:latin typeface="Lato"/>
-                <a:ea typeface="Lato"/>
-                <a:cs typeface="Lato"/>
-                <a:sym typeface="Lato"/>
-              </a:rPr>
-              <a:t>閲覧・登録</a:t>
-            </a:r>
-            <a:endParaRPr b="1" sz="1700">
-              <a:solidFill>
-                <a:schemeClr val="accent1"/>
-              </a:solidFill>
-              <a:latin typeface="Lato"/>
-              <a:ea typeface="Lato"/>
-              <a:cs typeface="Lato"/>
-              <a:sym typeface="Lato"/>
-            </a:endParaRPr>
-          </a:p>
-          <a:p>
-            <a:pPr indent="-336550" lvl="1" marL="914400" rtl="0" algn="l">
-              <a:lnSpc>
-                <a:spcPct val="115000"/>
-              </a:lnSpc>
-              <a:spcBef>
-                <a:spcPts val="0"/>
-              </a:spcBef>
-              <a:spcAft>
-                <a:spcPts val="0"/>
-              </a:spcAft>
-              <a:buClr>
-                <a:schemeClr val="accent1"/>
-              </a:buClr>
-              <a:buSzPts val="1700"/>
-              <a:buFont typeface="Lato"/>
-              <a:buChar char="○"/>
-            </a:pPr>
-            <a:r>
-              <a:rPr b="1" lang="ja" sz="1700">
-                <a:solidFill>
-                  <a:schemeClr val="accent1"/>
-                </a:solidFill>
-                <a:latin typeface="Lato"/>
-                <a:ea typeface="Lato"/>
-                <a:cs typeface="Lato"/>
-                <a:sym typeface="Lato"/>
-              </a:rPr>
-              <a:t>検索・更新・削除</a:t>
-            </a:r>
-            <a:endParaRPr b="1" sz="1700">
-              <a:solidFill>
-                <a:schemeClr val="accent1"/>
-              </a:solidFill>
-              <a:latin typeface="Lato"/>
-              <a:ea typeface="Lato"/>
-              <a:cs typeface="Lato"/>
-              <a:sym typeface="Lato"/>
-            </a:endParaRPr>
-          </a:p>
-          <a:p>
-            <a:pPr indent="-336550" lvl="0" marL="457200" rtl="0" algn="l">
-              <a:lnSpc>
-                <a:spcPct val="115000"/>
-              </a:lnSpc>
-              <a:spcBef>
-                <a:spcPts val="0"/>
-              </a:spcBef>
-              <a:spcAft>
-                <a:spcPts val="0"/>
-              </a:spcAft>
-              <a:buClr>
-                <a:schemeClr val="accent1"/>
-              </a:buClr>
-              <a:buSzPts val="1700"/>
-              <a:buFont typeface="Lato"/>
-              <a:buChar char="●"/>
-            </a:pPr>
-            <a:r>
-              <a:rPr b="1" lang="ja" sz="1700">
-                <a:solidFill>
-                  <a:schemeClr val="accent1"/>
-                </a:solidFill>
-                <a:latin typeface="Lato"/>
-                <a:ea typeface="Lato"/>
-                <a:cs typeface="Lato"/>
-                <a:sym typeface="Lato"/>
-              </a:rPr>
-              <a:t>プラン情報</a:t>
-            </a:r>
-            <a:endParaRPr b="1" sz="1700">
-              <a:solidFill>
-                <a:schemeClr val="accent1"/>
-              </a:solidFill>
-              <a:latin typeface="Lato"/>
-              <a:ea typeface="Lato"/>
-              <a:cs typeface="Lato"/>
-              <a:sym typeface="Lato"/>
-            </a:endParaRPr>
-          </a:p>
-          <a:p>
-            <a:pPr indent="-336550" lvl="1" marL="914400" rtl="0" algn="l">
-              <a:lnSpc>
-                <a:spcPct val="115000"/>
-              </a:lnSpc>
-              <a:spcBef>
-                <a:spcPts val="0"/>
-              </a:spcBef>
-              <a:spcAft>
-                <a:spcPts val="0"/>
-              </a:spcAft>
-              <a:buClr>
-                <a:schemeClr val="accent1"/>
-              </a:buClr>
-              <a:buSzPts val="1700"/>
-              <a:buFont typeface="Lato"/>
-              <a:buChar char="○"/>
-            </a:pPr>
-            <a:r>
-              <a:rPr b="1" lang="ja" sz="1700">
-                <a:solidFill>
-                  <a:schemeClr val="accent1"/>
-                </a:solidFill>
-                <a:latin typeface="Lato"/>
-                <a:ea typeface="Lato"/>
-                <a:cs typeface="Lato"/>
-                <a:sym typeface="Lato"/>
-              </a:rPr>
-              <a:t>閲覧・登録</a:t>
-            </a:r>
-            <a:endParaRPr b="1" sz="1700">
-              <a:solidFill>
-                <a:schemeClr val="accent1"/>
-              </a:solidFill>
-              <a:latin typeface="Lato"/>
-              <a:ea typeface="Lato"/>
-              <a:cs typeface="Lato"/>
-              <a:sym typeface="Lato"/>
-            </a:endParaRPr>
-          </a:p>
-          <a:p>
-            <a:pPr indent="-336550" lvl="1" marL="914400" rtl="0" algn="l">
-              <a:lnSpc>
-                <a:spcPct val="115000"/>
-              </a:lnSpc>
-              <a:spcBef>
-                <a:spcPts val="0"/>
-              </a:spcBef>
-              <a:spcAft>
-                <a:spcPts val="0"/>
-              </a:spcAft>
-              <a:buClr>
-                <a:schemeClr val="accent1"/>
-              </a:buClr>
-              <a:buSzPts val="1700"/>
-              <a:buFont typeface="Lato"/>
-              <a:buChar char="○"/>
-            </a:pPr>
-            <a:r>
-              <a:rPr b="1" lang="ja" sz="1700">
-                <a:solidFill>
-                  <a:schemeClr val="accent1"/>
-                </a:solidFill>
-                <a:latin typeface="Lato"/>
-                <a:ea typeface="Lato"/>
-                <a:cs typeface="Lato"/>
-                <a:sym typeface="Lato"/>
-              </a:rPr>
-              <a:t>更新・削除</a:t>
-            </a:r>
-            <a:endParaRPr b="1" sz="1700">
-              <a:solidFill>
-                <a:schemeClr val="accent1"/>
-              </a:solidFill>
-              <a:latin typeface="Lato"/>
-              <a:ea typeface="Lato"/>
-              <a:cs typeface="Lato"/>
-              <a:sym typeface="Lato"/>
-            </a:endParaRPr>
-          </a:p>
-        </p:txBody>
-      </p:sp>
-      <p:sp>
-        <p:nvSpPr>
-          <p:cNvPr id="116" name="Google Shape;116;p17"/>
-          <p:cNvSpPr/>
-          <p:nvPr/>
-        </p:nvSpPr>
-        <p:spPr>
-          <a:xfrm>
-            <a:off x="4869900" y="2065600"/>
-            <a:ext cx="3269400" cy="2599200"/>
-          </a:xfrm>
-          <a:prstGeom prst="roundRect">
-            <a:avLst>
-              <a:gd fmla="val 16667" name="adj"/>
-            </a:avLst>
-          </a:prstGeom>
-          <a:solidFill>
-            <a:srgbClr val="FFF2CC"/>
-          </a:solidFill>
-          <a:ln cap="flat" cmpd="sng" w="9525">
-            <a:solidFill>
-              <a:schemeClr val="dk2"/>
-            </a:solidFill>
-            <a:prstDash val="solid"/>
-            <a:round/>
-            <a:headEnd len="sm" w="sm" type="none"/>
-            <a:tailEnd len="sm" w="sm" type="none"/>
-          </a:ln>
-        </p:spPr>
-        <p:txBody>
-          <a:bodyPr anchorCtr="0" anchor="ctr" bIns="91425" lIns="91425" spcFirstLastPara="1" rIns="91425" wrap="square" tIns="91425">
-            <a:noAutofit/>
-          </a:bodyPr>
-          <a:lstStyle/>
-          <a:p>
-            <a:pPr indent="0" lvl="0" marL="0" rtl="0" algn="ctr">
-              <a:lnSpc>
-                <a:spcPct val="115000"/>
-              </a:lnSpc>
-              <a:spcBef>
-                <a:spcPts val="0"/>
-              </a:spcBef>
-              <a:spcAft>
-                <a:spcPts val="0"/>
-              </a:spcAft>
-              <a:buNone/>
-            </a:pPr>
-            <a:r>
-              <a:rPr b="1" lang="ja" sz="1700">
-                <a:solidFill>
-                  <a:schemeClr val="dk2"/>
-                </a:solidFill>
-                <a:latin typeface="Lato"/>
-                <a:ea typeface="Lato"/>
-                <a:cs typeface="Lato"/>
-                <a:sym typeface="Lato"/>
-              </a:rPr>
-              <a:t>会員管理</a:t>
-            </a:r>
-            <a:r>
-              <a:rPr b="1" lang="ja" sz="1700">
-                <a:solidFill>
-                  <a:schemeClr val="dk2"/>
-                </a:solidFill>
-                <a:latin typeface="Lato"/>
-                <a:ea typeface="Lato"/>
-                <a:cs typeface="Lato"/>
-                <a:sym typeface="Lato"/>
-              </a:rPr>
-              <a:t>システム</a:t>
-            </a:r>
-            <a:endParaRPr b="1" sz="1700">
-              <a:solidFill>
-                <a:schemeClr val="dk2"/>
-              </a:solidFill>
-              <a:latin typeface="Lato"/>
-              <a:ea typeface="Lato"/>
-              <a:cs typeface="Lato"/>
-              <a:sym typeface="Lato"/>
-            </a:endParaRPr>
-          </a:p>
-          <a:p>
-            <a:pPr indent="-336550" lvl="0" marL="457200" rtl="0" algn="l">
-              <a:lnSpc>
-                <a:spcPct val="115000"/>
-              </a:lnSpc>
-              <a:spcBef>
-                <a:spcPts val="1200"/>
-              </a:spcBef>
-              <a:spcAft>
-                <a:spcPts val="0"/>
-              </a:spcAft>
-              <a:buClr>
-                <a:schemeClr val="accent1"/>
-              </a:buClr>
-              <a:buSzPts val="1700"/>
-              <a:buFont typeface="Lato"/>
-              <a:buChar char="●"/>
-            </a:pPr>
-            <a:r>
-              <a:rPr b="1" lang="ja" sz="1700">
-                <a:solidFill>
-                  <a:schemeClr val="accent1"/>
-                </a:solidFill>
-                <a:latin typeface="Lato"/>
-                <a:ea typeface="Lato"/>
-                <a:cs typeface="Lato"/>
-                <a:sym typeface="Lato"/>
-              </a:rPr>
-              <a:t>顧客情報</a:t>
-            </a:r>
-            <a:endParaRPr b="1" sz="1700">
-              <a:solidFill>
-                <a:schemeClr val="accent1"/>
-              </a:solidFill>
-              <a:latin typeface="Lato"/>
-              <a:ea typeface="Lato"/>
-              <a:cs typeface="Lato"/>
-              <a:sym typeface="Lato"/>
-            </a:endParaRPr>
-          </a:p>
-          <a:p>
-            <a:pPr indent="-336550" lvl="1" marL="914400" rtl="0" algn="l">
-              <a:lnSpc>
-                <a:spcPct val="115000"/>
-              </a:lnSpc>
-              <a:spcBef>
-                <a:spcPts val="0"/>
-              </a:spcBef>
-              <a:spcAft>
-                <a:spcPts val="0"/>
-              </a:spcAft>
-              <a:buClr>
-                <a:schemeClr val="accent1"/>
-              </a:buClr>
-              <a:buSzPts val="1700"/>
-              <a:buFont typeface="Lato"/>
-              <a:buChar char="○"/>
-            </a:pPr>
-            <a:r>
-              <a:rPr b="1" lang="ja" sz="1700">
-                <a:solidFill>
-                  <a:schemeClr val="accent1"/>
-                </a:solidFill>
-                <a:latin typeface="Lato"/>
-                <a:ea typeface="Lato"/>
-                <a:cs typeface="Lato"/>
-                <a:sym typeface="Lato"/>
-              </a:rPr>
-              <a:t>閲覧・検索</a:t>
-            </a:r>
-            <a:endParaRPr b="1" sz="1700">
-              <a:solidFill>
-                <a:schemeClr val="accent1"/>
-              </a:solidFill>
-              <a:latin typeface="Lato"/>
-              <a:ea typeface="Lato"/>
-              <a:cs typeface="Lato"/>
-              <a:sym typeface="Lato"/>
-            </a:endParaRPr>
-          </a:p>
-          <a:p>
-            <a:pPr indent="-336550" lvl="1" marL="914400" rtl="0" algn="l">
-              <a:lnSpc>
-                <a:spcPct val="115000"/>
-              </a:lnSpc>
-              <a:spcBef>
-                <a:spcPts val="0"/>
-              </a:spcBef>
-              <a:spcAft>
-                <a:spcPts val="0"/>
-              </a:spcAft>
-              <a:buClr>
-                <a:schemeClr val="accent1"/>
-              </a:buClr>
-              <a:buSzPts val="1700"/>
-              <a:buFont typeface="Lato"/>
-              <a:buChar char="○"/>
-            </a:pPr>
-            <a:r>
-              <a:rPr b="1" lang="ja" sz="1700">
-                <a:solidFill>
-                  <a:schemeClr val="accent1"/>
-                </a:solidFill>
-                <a:latin typeface="Lato"/>
-                <a:ea typeface="Lato"/>
-                <a:cs typeface="Lato"/>
-                <a:sym typeface="Lato"/>
-              </a:rPr>
-              <a:t>更新・削除</a:t>
-            </a:r>
-            <a:endParaRPr>
-              <a:latin typeface="Lato"/>
-              <a:ea typeface="Lato"/>
-              <a:cs typeface="Lato"/>
-              <a:sym typeface="Lato"/>
-            </a:endParaRPr>
-          </a:p>
-        </p:txBody>
-      </p:sp>
     </p:spTree>
   </p:cSld>
   <p:clrMapOvr>
@@ -10701,7 +10937,7 @@
             </a:pPr>
             <a:r>
               <a:rPr lang="ja"/>
-              <a:t>管理者側の機能：デモ</a:t>
+              <a:t>管理者側の機能</a:t>
             </a:r>
             <a:endParaRPr/>
           </a:p>
@@ -10710,6 +10946,606 @@
       <p:sp>
         <p:nvSpPr>
           <p:cNvPr id="122" name="Google Shape;122;p18"/>
+          <p:cNvSpPr/>
+          <p:nvPr/>
+        </p:nvSpPr>
+        <p:spPr>
+          <a:xfrm>
+            <a:off x="957575" y="2065600"/>
+            <a:ext cx="3269400" cy="2599200"/>
+          </a:xfrm>
+          <a:prstGeom prst="roundRect">
+            <a:avLst>
+              <a:gd fmla="val 16667" name="adj"/>
+            </a:avLst>
+          </a:prstGeom>
+          <a:solidFill>
+            <a:srgbClr val="F4CCCC"/>
+          </a:solidFill>
+          <a:ln cap="flat" cmpd="sng" w="9525">
+            <a:solidFill>
+              <a:schemeClr val="dk2"/>
+            </a:solidFill>
+            <a:prstDash val="solid"/>
+            <a:round/>
+            <a:headEnd len="sm" w="sm" type="none"/>
+            <a:tailEnd len="sm" w="sm" type="none"/>
+          </a:ln>
+        </p:spPr>
+        <p:txBody>
+          <a:bodyPr anchorCtr="0" anchor="ctr" bIns="91425" lIns="91425" spcFirstLastPara="1" rIns="91425" wrap="square" tIns="91425">
+            <a:noAutofit/>
+          </a:bodyPr>
+          <a:lstStyle/>
+          <a:p>
+            <a:pPr indent="0" lvl="0" marL="0" rtl="0" algn="ctr">
+              <a:lnSpc>
+                <a:spcPct val="115000"/>
+              </a:lnSpc>
+              <a:spcBef>
+                <a:spcPts val="0"/>
+              </a:spcBef>
+              <a:spcAft>
+                <a:spcPts val="0"/>
+              </a:spcAft>
+              <a:buNone/>
+            </a:pPr>
+            <a:r>
+              <a:rPr b="1" lang="ja" sz="1700">
+                <a:solidFill>
+                  <a:schemeClr val="dk2"/>
+                </a:solidFill>
+                <a:latin typeface="Lato"/>
+                <a:ea typeface="Lato"/>
+                <a:cs typeface="Lato"/>
+                <a:sym typeface="Lato"/>
+              </a:rPr>
+              <a:t>宿</a:t>
+            </a:r>
+            <a:r>
+              <a:rPr b="1" lang="ja" sz="1700">
+                <a:solidFill>
+                  <a:schemeClr val="dk2"/>
+                </a:solidFill>
+                <a:latin typeface="Lato"/>
+                <a:ea typeface="Lato"/>
+                <a:cs typeface="Lato"/>
+                <a:sym typeface="Lato"/>
+              </a:rPr>
+              <a:t>管理</a:t>
+            </a:r>
+            <a:r>
+              <a:rPr b="1" lang="ja" sz="1700">
+                <a:solidFill>
+                  <a:schemeClr val="dk2"/>
+                </a:solidFill>
+                <a:latin typeface="Lato"/>
+                <a:ea typeface="Lato"/>
+                <a:cs typeface="Lato"/>
+                <a:sym typeface="Lato"/>
+              </a:rPr>
+              <a:t>システム</a:t>
+            </a:r>
+            <a:endParaRPr b="1" sz="1700">
+              <a:solidFill>
+                <a:schemeClr val="dk2"/>
+              </a:solidFill>
+              <a:latin typeface="Lato"/>
+              <a:ea typeface="Lato"/>
+              <a:cs typeface="Lato"/>
+              <a:sym typeface="Lato"/>
+            </a:endParaRPr>
+          </a:p>
+          <a:p>
+            <a:pPr indent="-336550" lvl="0" marL="457200" rtl="0" algn="l">
+              <a:lnSpc>
+                <a:spcPct val="115000"/>
+              </a:lnSpc>
+              <a:spcBef>
+                <a:spcPts val="1200"/>
+              </a:spcBef>
+              <a:spcAft>
+                <a:spcPts val="0"/>
+              </a:spcAft>
+              <a:buClr>
+                <a:schemeClr val="accent1"/>
+              </a:buClr>
+              <a:buSzPts val="1700"/>
+              <a:buFont typeface="Lato"/>
+              <a:buChar char="●"/>
+            </a:pPr>
+            <a:r>
+              <a:rPr b="1" lang="ja" sz="1700">
+                <a:solidFill>
+                  <a:schemeClr val="accent1"/>
+                </a:solidFill>
+                <a:latin typeface="Lato"/>
+                <a:ea typeface="Lato"/>
+                <a:cs typeface="Lato"/>
+                <a:sym typeface="Lato"/>
+              </a:rPr>
+              <a:t>宿情報</a:t>
+            </a:r>
+            <a:endParaRPr b="1" sz="1700">
+              <a:solidFill>
+                <a:schemeClr val="accent1"/>
+              </a:solidFill>
+              <a:latin typeface="Lato"/>
+              <a:ea typeface="Lato"/>
+              <a:cs typeface="Lato"/>
+              <a:sym typeface="Lato"/>
+            </a:endParaRPr>
+          </a:p>
+          <a:p>
+            <a:pPr indent="-336550" lvl="1" marL="914400" rtl="0" algn="l">
+              <a:lnSpc>
+                <a:spcPct val="115000"/>
+              </a:lnSpc>
+              <a:spcBef>
+                <a:spcPts val="0"/>
+              </a:spcBef>
+              <a:spcAft>
+                <a:spcPts val="0"/>
+              </a:spcAft>
+              <a:buClr>
+                <a:schemeClr val="accent1"/>
+              </a:buClr>
+              <a:buSzPts val="1700"/>
+              <a:buFont typeface="Lato"/>
+              <a:buChar char="○"/>
+            </a:pPr>
+            <a:r>
+              <a:rPr b="1" lang="ja" sz="1700">
+                <a:solidFill>
+                  <a:schemeClr val="accent1"/>
+                </a:solidFill>
+                <a:latin typeface="Lato"/>
+                <a:ea typeface="Lato"/>
+                <a:cs typeface="Lato"/>
+                <a:sym typeface="Lato"/>
+              </a:rPr>
+              <a:t>閲覧・登録</a:t>
+            </a:r>
+            <a:endParaRPr b="1" sz="1700">
+              <a:solidFill>
+                <a:schemeClr val="accent1"/>
+              </a:solidFill>
+              <a:latin typeface="Lato"/>
+              <a:ea typeface="Lato"/>
+              <a:cs typeface="Lato"/>
+              <a:sym typeface="Lato"/>
+            </a:endParaRPr>
+          </a:p>
+          <a:p>
+            <a:pPr indent="-336550" lvl="1" marL="914400" rtl="0" algn="l">
+              <a:lnSpc>
+                <a:spcPct val="115000"/>
+              </a:lnSpc>
+              <a:spcBef>
+                <a:spcPts val="0"/>
+              </a:spcBef>
+              <a:spcAft>
+                <a:spcPts val="0"/>
+              </a:spcAft>
+              <a:buClr>
+                <a:schemeClr val="accent1"/>
+              </a:buClr>
+              <a:buSzPts val="1700"/>
+              <a:buFont typeface="Lato"/>
+              <a:buChar char="○"/>
+            </a:pPr>
+            <a:r>
+              <a:rPr b="1" lang="ja" sz="1700">
+                <a:solidFill>
+                  <a:schemeClr val="accent1"/>
+                </a:solidFill>
+                <a:latin typeface="Lato"/>
+                <a:ea typeface="Lato"/>
+                <a:cs typeface="Lato"/>
+                <a:sym typeface="Lato"/>
+              </a:rPr>
+              <a:t>検索・更新・削除</a:t>
+            </a:r>
+            <a:endParaRPr b="1" sz="1700">
+              <a:solidFill>
+                <a:schemeClr val="accent1"/>
+              </a:solidFill>
+              <a:latin typeface="Lato"/>
+              <a:ea typeface="Lato"/>
+              <a:cs typeface="Lato"/>
+              <a:sym typeface="Lato"/>
+            </a:endParaRPr>
+          </a:p>
+          <a:p>
+            <a:pPr indent="-336550" lvl="0" marL="457200" rtl="0" algn="l">
+              <a:lnSpc>
+                <a:spcPct val="115000"/>
+              </a:lnSpc>
+              <a:spcBef>
+                <a:spcPts val="0"/>
+              </a:spcBef>
+              <a:spcAft>
+                <a:spcPts val="0"/>
+              </a:spcAft>
+              <a:buClr>
+                <a:schemeClr val="accent1"/>
+              </a:buClr>
+              <a:buSzPts val="1700"/>
+              <a:buFont typeface="Lato"/>
+              <a:buChar char="●"/>
+            </a:pPr>
+            <a:r>
+              <a:rPr b="1" lang="ja" sz="1700">
+                <a:solidFill>
+                  <a:schemeClr val="accent1"/>
+                </a:solidFill>
+                <a:latin typeface="Lato"/>
+                <a:ea typeface="Lato"/>
+                <a:cs typeface="Lato"/>
+                <a:sym typeface="Lato"/>
+              </a:rPr>
+              <a:t>プラン情報</a:t>
+            </a:r>
+            <a:endParaRPr b="1" sz="1700">
+              <a:solidFill>
+                <a:schemeClr val="accent1"/>
+              </a:solidFill>
+              <a:latin typeface="Lato"/>
+              <a:ea typeface="Lato"/>
+              <a:cs typeface="Lato"/>
+              <a:sym typeface="Lato"/>
+            </a:endParaRPr>
+          </a:p>
+          <a:p>
+            <a:pPr indent="-336550" lvl="1" marL="914400" rtl="0" algn="l">
+              <a:lnSpc>
+                <a:spcPct val="115000"/>
+              </a:lnSpc>
+              <a:spcBef>
+                <a:spcPts val="0"/>
+              </a:spcBef>
+              <a:spcAft>
+                <a:spcPts val="0"/>
+              </a:spcAft>
+              <a:buClr>
+                <a:schemeClr val="accent1"/>
+              </a:buClr>
+              <a:buSzPts val="1700"/>
+              <a:buFont typeface="Lato"/>
+              <a:buChar char="○"/>
+            </a:pPr>
+            <a:r>
+              <a:rPr b="1" lang="ja" sz="1700">
+                <a:solidFill>
+                  <a:schemeClr val="accent1"/>
+                </a:solidFill>
+                <a:latin typeface="Lato"/>
+                <a:ea typeface="Lato"/>
+                <a:cs typeface="Lato"/>
+                <a:sym typeface="Lato"/>
+              </a:rPr>
+              <a:t>閲覧・登録</a:t>
+            </a:r>
+            <a:endParaRPr b="1" sz="1700">
+              <a:solidFill>
+                <a:schemeClr val="accent1"/>
+              </a:solidFill>
+              <a:latin typeface="Lato"/>
+              <a:ea typeface="Lato"/>
+              <a:cs typeface="Lato"/>
+              <a:sym typeface="Lato"/>
+            </a:endParaRPr>
+          </a:p>
+          <a:p>
+            <a:pPr indent="-336550" lvl="1" marL="914400" rtl="0" algn="l">
+              <a:lnSpc>
+                <a:spcPct val="115000"/>
+              </a:lnSpc>
+              <a:spcBef>
+                <a:spcPts val="0"/>
+              </a:spcBef>
+              <a:spcAft>
+                <a:spcPts val="0"/>
+              </a:spcAft>
+              <a:buClr>
+                <a:schemeClr val="accent1"/>
+              </a:buClr>
+              <a:buSzPts val="1700"/>
+              <a:buFont typeface="Lato"/>
+              <a:buChar char="○"/>
+            </a:pPr>
+            <a:r>
+              <a:rPr b="1" lang="ja" sz="1700">
+                <a:solidFill>
+                  <a:schemeClr val="accent1"/>
+                </a:solidFill>
+                <a:latin typeface="Lato"/>
+                <a:ea typeface="Lato"/>
+                <a:cs typeface="Lato"/>
+                <a:sym typeface="Lato"/>
+              </a:rPr>
+              <a:t>更新・削除</a:t>
+            </a:r>
+            <a:endParaRPr b="1" sz="1700">
+              <a:solidFill>
+                <a:schemeClr val="accent1"/>
+              </a:solidFill>
+              <a:latin typeface="Lato"/>
+              <a:ea typeface="Lato"/>
+              <a:cs typeface="Lato"/>
+              <a:sym typeface="Lato"/>
+            </a:endParaRPr>
+          </a:p>
+        </p:txBody>
+      </p:sp>
+      <p:sp>
+        <p:nvSpPr>
+          <p:cNvPr id="123" name="Google Shape;123;p18"/>
+          <p:cNvSpPr/>
+          <p:nvPr/>
+        </p:nvSpPr>
+        <p:spPr>
+          <a:xfrm>
+            <a:off x="4869900" y="2065600"/>
+            <a:ext cx="3269400" cy="2599200"/>
+          </a:xfrm>
+          <a:prstGeom prst="roundRect">
+            <a:avLst>
+              <a:gd fmla="val 16667" name="adj"/>
+            </a:avLst>
+          </a:prstGeom>
+          <a:solidFill>
+            <a:srgbClr val="FFF2CC"/>
+          </a:solidFill>
+          <a:ln cap="flat" cmpd="sng" w="9525">
+            <a:solidFill>
+              <a:schemeClr val="dk2"/>
+            </a:solidFill>
+            <a:prstDash val="solid"/>
+            <a:round/>
+            <a:headEnd len="sm" w="sm" type="none"/>
+            <a:tailEnd len="sm" w="sm" type="none"/>
+          </a:ln>
+        </p:spPr>
+        <p:txBody>
+          <a:bodyPr anchorCtr="0" anchor="ctr" bIns="91425" lIns="91425" spcFirstLastPara="1" rIns="91425" wrap="square" tIns="91425">
+            <a:noAutofit/>
+          </a:bodyPr>
+          <a:lstStyle/>
+          <a:p>
+            <a:pPr indent="0" lvl="0" marL="0" rtl="0" algn="ctr">
+              <a:lnSpc>
+                <a:spcPct val="115000"/>
+              </a:lnSpc>
+              <a:spcBef>
+                <a:spcPts val="0"/>
+              </a:spcBef>
+              <a:spcAft>
+                <a:spcPts val="0"/>
+              </a:spcAft>
+              <a:buNone/>
+            </a:pPr>
+            <a:r>
+              <a:rPr b="1" lang="ja" sz="1700">
+                <a:solidFill>
+                  <a:schemeClr val="dk2"/>
+                </a:solidFill>
+                <a:latin typeface="Lato"/>
+                <a:ea typeface="Lato"/>
+                <a:cs typeface="Lato"/>
+                <a:sym typeface="Lato"/>
+              </a:rPr>
+              <a:t>会員管理</a:t>
+            </a:r>
+            <a:r>
+              <a:rPr b="1" lang="ja" sz="1700">
+                <a:solidFill>
+                  <a:schemeClr val="dk2"/>
+                </a:solidFill>
+                <a:latin typeface="Lato"/>
+                <a:ea typeface="Lato"/>
+                <a:cs typeface="Lato"/>
+                <a:sym typeface="Lato"/>
+              </a:rPr>
+              <a:t>システム</a:t>
+            </a:r>
+            <a:endParaRPr b="1" sz="1700">
+              <a:solidFill>
+                <a:schemeClr val="dk2"/>
+              </a:solidFill>
+              <a:latin typeface="Lato"/>
+              <a:ea typeface="Lato"/>
+              <a:cs typeface="Lato"/>
+              <a:sym typeface="Lato"/>
+            </a:endParaRPr>
+          </a:p>
+          <a:p>
+            <a:pPr indent="-336550" lvl="0" marL="457200" rtl="0" algn="l">
+              <a:lnSpc>
+                <a:spcPct val="115000"/>
+              </a:lnSpc>
+              <a:spcBef>
+                <a:spcPts val="1200"/>
+              </a:spcBef>
+              <a:spcAft>
+                <a:spcPts val="0"/>
+              </a:spcAft>
+              <a:buClr>
+                <a:schemeClr val="accent1"/>
+              </a:buClr>
+              <a:buSzPts val="1700"/>
+              <a:buFont typeface="Lato"/>
+              <a:buChar char="●"/>
+            </a:pPr>
+            <a:r>
+              <a:rPr b="1" lang="ja" sz="1700">
+                <a:solidFill>
+                  <a:schemeClr val="accent1"/>
+                </a:solidFill>
+                <a:latin typeface="Lato"/>
+                <a:ea typeface="Lato"/>
+                <a:cs typeface="Lato"/>
+                <a:sym typeface="Lato"/>
+              </a:rPr>
+              <a:t>顧客情報</a:t>
+            </a:r>
+            <a:endParaRPr b="1" sz="1700">
+              <a:solidFill>
+                <a:schemeClr val="accent1"/>
+              </a:solidFill>
+              <a:latin typeface="Lato"/>
+              <a:ea typeface="Lato"/>
+              <a:cs typeface="Lato"/>
+              <a:sym typeface="Lato"/>
+            </a:endParaRPr>
+          </a:p>
+          <a:p>
+            <a:pPr indent="-336550" lvl="1" marL="914400" rtl="0" algn="l">
+              <a:lnSpc>
+                <a:spcPct val="115000"/>
+              </a:lnSpc>
+              <a:spcBef>
+                <a:spcPts val="0"/>
+              </a:spcBef>
+              <a:spcAft>
+                <a:spcPts val="0"/>
+              </a:spcAft>
+              <a:buClr>
+                <a:schemeClr val="accent1"/>
+              </a:buClr>
+              <a:buSzPts val="1700"/>
+              <a:buFont typeface="Lato"/>
+              <a:buChar char="○"/>
+            </a:pPr>
+            <a:r>
+              <a:rPr b="1" lang="ja" sz="1700">
+                <a:solidFill>
+                  <a:schemeClr val="accent1"/>
+                </a:solidFill>
+                <a:latin typeface="Lato"/>
+                <a:ea typeface="Lato"/>
+                <a:cs typeface="Lato"/>
+                <a:sym typeface="Lato"/>
+              </a:rPr>
+              <a:t>閲覧・検索</a:t>
+            </a:r>
+            <a:endParaRPr b="1" sz="1700">
+              <a:solidFill>
+                <a:schemeClr val="accent1"/>
+              </a:solidFill>
+              <a:latin typeface="Lato"/>
+              <a:ea typeface="Lato"/>
+              <a:cs typeface="Lato"/>
+              <a:sym typeface="Lato"/>
+            </a:endParaRPr>
+          </a:p>
+          <a:p>
+            <a:pPr indent="-336550" lvl="1" marL="914400" rtl="0" algn="l">
+              <a:lnSpc>
+                <a:spcPct val="115000"/>
+              </a:lnSpc>
+              <a:spcBef>
+                <a:spcPts val="0"/>
+              </a:spcBef>
+              <a:spcAft>
+                <a:spcPts val="0"/>
+              </a:spcAft>
+              <a:buClr>
+                <a:schemeClr val="accent1"/>
+              </a:buClr>
+              <a:buSzPts val="1700"/>
+              <a:buFont typeface="Lato"/>
+              <a:buChar char="○"/>
+            </a:pPr>
+            <a:r>
+              <a:rPr b="1" lang="ja" sz="1700">
+                <a:solidFill>
+                  <a:schemeClr val="accent1"/>
+                </a:solidFill>
+                <a:latin typeface="Lato"/>
+                <a:ea typeface="Lato"/>
+                <a:cs typeface="Lato"/>
+                <a:sym typeface="Lato"/>
+              </a:rPr>
+              <a:t>更新・削除</a:t>
+            </a:r>
+            <a:endParaRPr>
+              <a:latin typeface="Lato"/>
+              <a:ea typeface="Lato"/>
+              <a:cs typeface="Lato"/>
+              <a:sym typeface="Lato"/>
+            </a:endParaRPr>
+          </a:p>
+        </p:txBody>
+      </p:sp>
+    </p:spTree>
+  </p:cSld>
+  <p:clrMapOvr>
+    <a:masterClrMapping/>
+  </p:clrMapOvr>
+</p:sld>
+</file>
+
+<file path=ppt/slides/slide7.xml><?xml version="1.0" encoding="utf-8"?>
+<p:sld xmlns:a="http://schemas.openxmlformats.org/drawingml/2006/main" xmlns:r="http://schemas.openxmlformats.org/officeDocument/2006/relationships" xmlns:mc="http://schemas.openxmlformats.org/markup-compatibility/2006" xmlns:mv="urn:schemas-microsoft-com:mac:vml" xmlns:p="http://schemas.openxmlformats.org/presentationml/2006/main" xmlns:c="http://schemas.openxmlformats.org/drawingml/2006/chart" xmlns:dgm="http://schemas.openxmlformats.org/drawingml/2006/diagram" xmlns:o="urn:schemas-microsoft-com:office:office" xmlns:v="urn:schemas-microsoft-com:vml" xmlns:pvml="urn:schemas-microsoft-com:office:powerpoint" xmlns:com="http://schemas.openxmlformats.org/drawingml/2006/compatibility" xmlns:p14="http://schemas.microsoft.com/office/powerpoint/2010/main" xmlns:p15="http://schemas.microsoft.com/office/powerpoint/2012/main" xmlns:ahyp="http://schemas.microsoft.com/office/drawing/2018/hyperlinkcolor">
+  <p:cSld>
+    <p:spTree>
+      <p:nvGrpSpPr>
+        <p:cNvPr id="127" name="Shape 127"/>
+        <p:cNvGrpSpPr/>
+        <p:nvPr/>
+      </p:nvGrpSpPr>
+      <p:grpSpPr>
+        <a:xfrm>
+          <a:off x="0" y="0"/>
+          <a:ext cx="0" cy="0"/>
+          <a:chOff x="0" y="0"/>
+          <a:chExt cx="0" cy="0"/>
+        </a:xfrm>
+      </p:grpSpPr>
+      <p:sp>
+        <p:nvSpPr>
+          <p:cNvPr id="128" name="Google Shape;128;p19"/>
+          <p:cNvSpPr txBox="1"/>
+          <p:nvPr>
+            <p:ph type="title"/>
+          </p:nvPr>
+        </p:nvSpPr>
+        <p:spPr>
+          <a:xfrm>
+            <a:off x="729450" y="1318650"/>
+            <a:ext cx="7688700" cy="535200"/>
+          </a:xfrm>
+          <a:prstGeom prst="rect">
+            <a:avLst/>
+          </a:prstGeom>
+        </p:spPr>
+        <p:txBody>
+          <a:bodyPr anchorCtr="0" anchor="t" bIns="91425" lIns="91425" spcFirstLastPara="1" rIns="91425" wrap="square" tIns="91425">
+            <a:normAutofit fontScale="90000"/>
+          </a:bodyPr>
+          <a:lstStyle/>
+          <a:p>
+            <a:pPr indent="0" lvl="0" marL="0" rtl="0" algn="l">
+              <a:spcBef>
+                <a:spcPts val="0"/>
+              </a:spcBef>
+              <a:spcAft>
+                <a:spcPts val="0"/>
+              </a:spcAft>
+              <a:buNone/>
+            </a:pPr>
+            <a:r>
+              <a:rPr lang="ja"/>
+              <a:t>管理者側の機能：デモ</a:t>
+            </a:r>
+            <a:endParaRPr/>
+          </a:p>
+        </p:txBody>
+      </p:sp>
+      <p:sp>
+        <p:nvSpPr>
+          <p:cNvPr id="129" name="Google Shape;129;p19"/>
           <p:cNvSpPr txBox="1"/>
           <p:nvPr>
             <p:ph idx="1" type="body"/>
@@ -10776,6 +11612,34 @@
           </a:p>
         </p:txBody>
       </p:sp>
+      <p:pic>
+        <p:nvPicPr>
+          <p:cNvPr id="130" name="Google Shape;130;p19"/>
+          <p:cNvPicPr preferRelativeResize="0"/>
+          <p:nvPr/>
+        </p:nvPicPr>
+        <p:blipFill>
+          <a:blip r:embed="rId3">
+            <a:alphaModFix/>
+          </a:blip>
+          <a:stretch>
+            <a:fillRect/>
+          </a:stretch>
+        </p:blipFill>
+        <p:spPr>
+          <a:xfrm>
+            <a:off x="5359325" y="721850"/>
+            <a:ext cx="3058825" cy="4161950"/>
+          </a:xfrm>
+          <a:prstGeom prst="rect">
+            <a:avLst/>
+          </a:prstGeom>
+          <a:noFill/>
+          <a:ln>
+            <a:noFill/>
+          </a:ln>
+        </p:spPr>
+      </p:pic>
     </p:spTree>
   </p:cSld>
   <p:clrMapOvr>
@@ -10784,12 +11648,12 @@
 </p:sld>
 </file>
 
-<file path=ppt/slides/slide7.xml><?xml version="1.0" encoding="utf-8"?>
+<file path=ppt/slides/slide8.xml><?xml version="1.0" encoding="utf-8"?>
 <p:sld xmlns:a="http://schemas.openxmlformats.org/drawingml/2006/main" xmlns:r="http://schemas.openxmlformats.org/officeDocument/2006/relationships" xmlns:mc="http://schemas.openxmlformats.org/markup-compatibility/2006" xmlns:mv="urn:schemas-microsoft-com:mac:vml" xmlns:p="http://schemas.openxmlformats.org/presentationml/2006/main" xmlns:c="http://schemas.openxmlformats.org/drawingml/2006/chart" xmlns:dgm="http://schemas.openxmlformats.org/drawingml/2006/diagram" xmlns:o="urn:schemas-microsoft-com:office:office" xmlns:v="urn:schemas-microsoft-com:vml" xmlns:pvml="urn:schemas-microsoft-com:office:powerpoint" xmlns:com="http://schemas.openxmlformats.org/drawingml/2006/compatibility" xmlns:p14="http://schemas.microsoft.com/office/powerpoint/2010/main" xmlns:p15="http://schemas.microsoft.com/office/powerpoint/2012/main" xmlns:ahyp="http://schemas.microsoft.com/office/drawing/2018/hyperlinkcolor">
   <p:cSld>
     <p:spTree>
       <p:nvGrpSpPr>
-        <p:cNvPr id="126" name="Shape 126"/>
+        <p:cNvPr id="134" name="Shape 134"/>
         <p:cNvGrpSpPr/>
         <p:nvPr/>
       </p:nvGrpSpPr>
@@ -10803,7 +11667,7 @@
       </p:grpSpPr>
       <p:sp>
         <p:nvSpPr>
-          <p:cNvPr id="127" name="Google Shape;127;p19"/>
+          <p:cNvPr id="135" name="Google Shape;135;p20"/>
           <p:cNvSpPr txBox="1"/>
           <p:nvPr>
             <p:ph type="title"/>
@@ -10843,7 +11707,7 @@
       </p:sp>
       <p:sp>
         <p:nvSpPr>
-          <p:cNvPr id="128" name="Google Shape;128;p19"/>
+          <p:cNvPr id="136" name="Google Shape;136;p20"/>
           <p:cNvSpPr txBox="1"/>
           <p:nvPr>
             <p:ph idx="1" type="body"/>
@@ -10879,7 +11743,7 @@
             </a:pPr>
             <a:r>
               <a:rPr lang="ja" sz="1800"/>
-              <a:t>システム化要件の</a:t>
+              <a:t>課題として与えられたシステム化要件の</a:t>
             </a:r>
             <a:r>
               <a:rPr b="1" lang="ja" sz="1800"/>
@@ -10977,12 +11841,12 @@
 </p:sld>
 </file>
 
-<file path=ppt/slides/slide8.xml><?xml version="1.0" encoding="utf-8"?>
+<file path=ppt/slides/slide9.xml><?xml version="1.0" encoding="utf-8"?>
 <p:sld xmlns:a="http://schemas.openxmlformats.org/drawingml/2006/main" xmlns:r="http://schemas.openxmlformats.org/officeDocument/2006/relationships" xmlns:mc="http://schemas.openxmlformats.org/markup-compatibility/2006" xmlns:mv="urn:schemas-microsoft-com:mac:vml" xmlns:p="http://schemas.openxmlformats.org/presentationml/2006/main" xmlns:c="http://schemas.openxmlformats.org/drawingml/2006/chart" xmlns:dgm="http://schemas.openxmlformats.org/drawingml/2006/diagram" xmlns:o="urn:schemas-microsoft-com:office:office" xmlns:v="urn:schemas-microsoft-com:vml" xmlns:pvml="urn:schemas-microsoft-com:office:powerpoint" xmlns:com="http://schemas.openxmlformats.org/drawingml/2006/compatibility" xmlns:p14="http://schemas.microsoft.com/office/powerpoint/2010/main" xmlns:p15="http://schemas.microsoft.com/office/powerpoint/2012/main" xmlns:ahyp="http://schemas.microsoft.com/office/drawing/2018/hyperlinkcolor">
   <p:cSld>
     <p:spTree>
       <p:nvGrpSpPr>
-        <p:cNvPr id="132" name="Shape 132"/>
+        <p:cNvPr id="140" name="Shape 140"/>
         <p:cNvGrpSpPr/>
         <p:nvPr/>
       </p:nvGrpSpPr>
@@ -10996,7 +11860,7 @@
       </p:grpSpPr>
       <p:sp>
         <p:nvSpPr>
-          <p:cNvPr id="133" name="Google Shape;133;p20"/>
+          <p:cNvPr id="141" name="Google Shape;141;p21"/>
           <p:cNvSpPr/>
           <p:nvPr/>
         </p:nvSpPr>
@@ -11227,7 +12091,7 @@
       </p:sp>
       <p:sp>
         <p:nvSpPr>
-          <p:cNvPr id="134" name="Google Shape;134;p20"/>
+          <p:cNvPr id="142" name="Google Shape;142;p21"/>
           <p:cNvSpPr/>
           <p:nvPr/>
         </p:nvSpPr>
@@ -11398,7 +12262,7 @@
       </p:sp>
       <p:sp>
         <p:nvSpPr>
-          <p:cNvPr id="135" name="Google Shape;135;p20"/>
+          <p:cNvPr id="143" name="Google Shape;143;p21"/>
           <p:cNvSpPr txBox="1"/>
           <p:nvPr>
             <p:ph type="title"/>
@@ -11444,215 +12308,286 @@
 </p:sld>
 </file>
 
-<file path=ppt/slides/slide9.xml><?xml version="1.0" encoding="utf-8"?>
-<p:sld xmlns:a="http://schemas.openxmlformats.org/drawingml/2006/main" xmlns:r="http://schemas.openxmlformats.org/officeDocument/2006/relationships" xmlns:mc="http://schemas.openxmlformats.org/markup-compatibility/2006" xmlns:mv="urn:schemas-microsoft-com:mac:vml" xmlns:p="http://schemas.openxmlformats.org/presentationml/2006/main" xmlns:c="http://schemas.openxmlformats.org/drawingml/2006/chart" xmlns:dgm="http://schemas.openxmlformats.org/drawingml/2006/diagram" xmlns:o="urn:schemas-microsoft-com:office:office" xmlns:v="urn:schemas-microsoft-com:vml" xmlns:pvml="urn:schemas-microsoft-com:office:powerpoint" xmlns:com="http://schemas.openxmlformats.org/drawingml/2006/compatibility" xmlns:p14="http://schemas.microsoft.com/office/powerpoint/2010/main" xmlns:p15="http://schemas.microsoft.com/office/powerpoint/2012/main" xmlns:ahyp="http://schemas.microsoft.com/office/drawing/2018/hyperlinkcolor">
-  <p:cSld>
-    <p:spTree>
-      <p:nvGrpSpPr>
-        <p:cNvPr id="139" name="Shape 139"/>
-        <p:cNvGrpSpPr/>
-        <p:nvPr/>
-      </p:nvGrpSpPr>
-      <p:grpSpPr>
-        <a:xfrm>
-          <a:off x="0" y="0"/>
-          <a:ext cx="0" cy="0"/>
-          <a:chOff x="0" y="0"/>
-          <a:chExt cx="0" cy="0"/>
-        </a:xfrm>
-      </p:grpSpPr>
-      <p:sp>
-        <p:nvSpPr>
-          <p:cNvPr id="140" name="Google Shape;140;p21"/>
-          <p:cNvSpPr txBox="1"/>
-          <p:nvPr>
-            <p:ph type="title"/>
-          </p:nvPr>
-        </p:nvSpPr>
-        <p:spPr>
-          <a:xfrm>
-            <a:off x="727650" y="1253725"/>
-            <a:ext cx="7688700" cy="535200"/>
-          </a:xfrm>
-          <a:prstGeom prst="rect">
-            <a:avLst/>
-          </a:prstGeom>
-        </p:spPr>
-        <p:txBody>
-          <a:bodyPr anchorCtr="0" anchor="t" bIns="91425" lIns="91425" spcFirstLastPara="1" rIns="91425" wrap="square" tIns="91425">
-            <a:normAutofit fontScale="90000"/>
-          </a:bodyPr>
-          <a:lstStyle/>
-          <a:p>
-            <a:pPr indent="0" lvl="0" marL="0" rtl="0" algn="l">
-              <a:spcBef>
-                <a:spcPts val="0"/>
-              </a:spcBef>
-              <a:spcAft>
-                <a:spcPts val="0"/>
-              </a:spcAft>
-              <a:buNone/>
-            </a:pPr>
-            <a:r>
-              <a:rPr lang="ja"/>
-              <a:t>個人の振り返り：高瀬(ドキュメントリーダー)</a:t>
-            </a:r>
-            <a:endParaRPr/>
-          </a:p>
-        </p:txBody>
-      </p:sp>
-      <p:sp>
-        <p:nvSpPr>
-          <p:cNvPr id="141" name="Google Shape;141;p21"/>
-          <p:cNvSpPr txBox="1"/>
-          <p:nvPr>
-            <p:ph idx="1" type="body"/>
-          </p:nvPr>
-        </p:nvSpPr>
-        <p:spPr>
-          <a:xfrm>
-            <a:off x="727650" y="1970725"/>
-            <a:ext cx="7986000" cy="3064500"/>
-          </a:xfrm>
-          <a:prstGeom prst="rect">
-            <a:avLst/>
-          </a:prstGeom>
-        </p:spPr>
-        <p:txBody>
-          <a:bodyPr anchorCtr="0" anchor="t" bIns="91425" lIns="91425" spcFirstLastPara="1" rIns="91425" wrap="square" tIns="91425">
-            <a:noAutofit/>
-          </a:bodyPr>
-          <a:lstStyle/>
-          <a:p>
-            <a:pPr indent="0" lvl="0" marL="0" rtl="0" algn="l">
-              <a:lnSpc>
-                <a:spcPct val="95000"/>
-              </a:lnSpc>
-              <a:spcBef>
-                <a:spcPts val="0"/>
-              </a:spcBef>
-              <a:spcAft>
-                <a:spcPts val="0"/>
-              </a:spcAft>
-              <a:buSzPts val="605"/>
-              <a:buNone/>
-            </a:pPr>
-            <a:r>
-              <a:rPr lang="ja" sz="1800"/>
-              <a:t>学んだ点</a:t>
-            </a:r>
-            <a:endParaRPr sz="1800"/>
-          </a:p>
-          <a:p>
-            <a:pPr indent="-342900" lvl="0" marL="457200" rtl="0" algn="l">
-              <a:lnSpc>
-                <a:spcPct val="95000"/>
-              </a:lnSpc>
-              <a:spcBef>
-                <a:spcPts val="1200"/>
-              </a:spcBef>
-              <a:spcAft>
-                <a:spcPts val="0"/>
-              </a:spcAft>
-              <a:buSzPts val="1800"/>
-              <a:buChar char="●"/>
-            </a:pPr>
-            <a:r>
-              <a:rPr lang="ja" sz="1800"/>
-              <a:t>スペルミスをしない、HTMLのタグや括弧を開いたらすぐ閉じるなど、型にはまったコーディングがエラー防止に大切</a:t>
-            </a:r>
-            <a:endParaRPr sz="1800"/>
-          </a:p>
-          <a:p>
-            <a:pPr indent="-342900" lvl="0" marL="457200" rtl="0" algn="l">
-              <a:lnSpc>
-                <a:spcPct val="95000"/>
-              </a:lnSpc>
-              <a:spcBef>
-                <a:spcPts val="0"/>
-              </a:spcBef>
-              <a:spcAft>
-                <a:spcPts val="0"/>
-              </a:spcAft>
-              <a:buSzPts val="1800"/>
-              <a:buChar char="●"/>
-            </a:pPr>
-            <a:r>
-              <a:rPr lang="ja" sz="1800"/>
-              <a:t>リダイレクトではパスパラメータは使えないなど、サンプルコードを勝手に組み合わせてたら動かないことがあるので、一つ一つ丁寧に学習する必要がある</a:t>
-            </a:r>
-            <a:endParaRPr sz="1800"/>
-          </a:p>
-          <a:p>
-            <a:pPr indent="0" lvl="0" marL="0" rtl="0" algn="l">
-              <a:lnSpc>
-                <a:spcPct val="95000"/>
-              </a:lnSpc>
-              <a:spcBef>
-                <a:spcPts val="1200"/>
-              </a:spcBef>
-              <a:spcAft>
-                <a:spcPts val="0"/>
-              </a:spcAft>
-              <a:buSzPts val="605"/>
-              <a:buNone/>
-            </a:pPr>
-            <a:r>
-              <a:rPr lang="ja" sz="1800"/>
-              <a:t>意気込み</a:t>
-            </a:r>
-            <a:endParaRPr sz="1800"/>
-          </a:p>
-          <a:p>
-            <a:pPr indent="-342900" lvl="0" marL="457200" rtl="0" algn="l">
-              <a:lnSpc>
-                <a:spcPct val="95000"/>
-              </a:lnSpc>
-              <a:spcBef>
-                <a:spcPts val="1200"/>
-              </a:spcBef>
-              <a:spcAft>
-                <a:spcPts val="0"/>
-              </a:spcAft>
-              <a:buSzPts val="1800"/>
-              <a:buChar char="●"/>
-            </a:pPr>
-            <a:r>
-              <a:rPr lang="ja" sz="1800"/>
-              <a:t>今回Springでのチーム開発の経験を、ほかの言語の学習やフレームワークでのチーム開発に一般化して生かしたい</a:t>
-            </a:r>
-            <a:endParaRPr sz="1800"/>
-          </a:p>
-          <a:p>
-            <a:pPr indent="0" lvl="0" marL="0" rtl="0" algn="l">
-              <a:lnSpc>
-                <a:spcPct val="95000"/>
-              </a:lnSpc>
-              <a:spcBef>
-                <a:spcPts val="1200"/>
-              </a:spcBef>
-              <a:spcAft>
-                <a:spcPts val="1200"/>
-              </a:spcAft>
-              <a:buSzPts val="605"/>
-              <a:buNone/>
-            </a:pPr>
-            <a:r>
-              <a:t/>
-            </a:r>
-            <a:endParaRPr sz="1500"/>
-          </a:p>
-        </p:txBody>
-      </p:sp>
-    </p:spTree>
-  </p:cSld>
-  <p:clrMapOvr>
-    <a:masterClrMapping/>
-  </p:clrMapOvr>
-</p:sld>
+<file path=ppt/theme/theme1.xml><?xml version="1.0" encoding="utf-8"?>
+<a:theme xmlns:a="http://schemas.openxmlformats.org/drawingml/2006/main" xmlns:r="http://schemas.openxmlformats.org/officeDocument/2006/relationships">
+  <a:themeElements>
+    <a:clrScheme name="Default">
+      <a:dk1>
+        <a:srgbClr val="000000"/>
+      </a:dk1>
+      <a:lt1>
+        <a:srgbClr val="FFFFFF"/>
+      </a:lt1>
+      <a:dk2>
+        <a:srgbClr val="158158"/>
+      </a:dk2>
+      <a:lt2>
+        <a:srgbClr val="F3F3F3"/>
+      </a:lt2>
+      <a:accent1>
+        <a:srgbClr val="058DC7"/>
+      </a:accent1>
+      <a:accent2>
+        <a:srgbClr val="50B432"/>
+      </a:accent2>
+      <a:accent3>
+        <a:srgbClr val="ED561B"/>
+      </a:accent3>
+      <a:accent4>
+        <a:srgbClr val="EDEF00"/>
+      </a:accent4>
+      <a:accent5>
+        <a:srgbClr val="24CBE5"/>
+      </a:accent5>
+      <a:accent6>
+        <a:srgbClr val="64E572"/>
+      </a:accent6>
+      <a:hlink>
+        <a:srgbClr val="2200CC"/>
+      </a:hlink>
+      <a:folHlink>
+        <a:srgbClr val="551A8B"/>
+      </a:folHlink>
+    </a:clrScheme>
+    <a:fontScheme name="Office">
+      <a:majorFont>
+        <a:latin typeface="Arial"/>
+        <a:ea typeface=""/>
+        <a:cs typeface=""/>
+        <a:font script="Jpan" typeface="ＭＳ Ｐゴシック"/>
+        <a:font script="Hang" typeface="맑은 고딕"/>
+        <a:font script="Hans" typeface="宋体"/>
+        <a:font script="Hant" typeface="新細明體"/>
+        <a:font script="Arab" typeface="Times New Roman"/>
+        <a:font script="Hebr" typeface="Times New Roman"/>
+        <a:font script="Thai" typeface="Angsana New"/>
+        <a:font script="Ethi" typeface="Nyala"/>
+        <a:font script="Beng" typeface="Vrinda"/>
+        <a:font script="Gujr" typeface="Shruti"/>
+        <a:font script="Khmr" typeface="MoolBoran"/>
+        <a:font script="Knda" typeface="Tunga"/>
+        <a:font script="Guru" typeface="Raavi"/>
+        <a:font script="Cans" typeface="Euphemia"/>
+        <a:font script="Cher" typeface="Plantagenet Cherokee"/>
+        <a:font script="Yiii" typeface="Microsoft Yi Baiti"/>
+        <a:font script="Tibt" typeface="Microsoft Himalaya"/>
+        <a:font script="Thaa" typeface="MV Boli"/>
+        <a:font script="Deva" typeface="Mangal"/>
+        <a:font script="Telu" typeface="Gautami"/>
+        <a:font script="Taml" typeface="Latha"/>
+        <a:font script="Syrc" typeface="Estrangelo Edessa"/>
+        <a:font script="Orya" typeface="Kalinga"/>
+        <a:font script="Mlym" typeface="Kartika"/>
+        <a:font script="Laoo" typeface="DokChampa"/>
+        <a:font script="Sinh" typeface="Iskoola Pota"/>
+        <a:font script="Mong" typeface="Mongolian Baiti"/>
+        <a:font script="Viet" typeface="Times New Roman"/>
+        <a:font script="Uigh" typeface="Microsoft Uighur"/>
+        <a:font script="Geor" typeface="Sylfaen"/>
+      </a:majorFont>
+      <a:minorFont>
+        <a:latin typeface="Arial"/>
+        <a:ea typeface=""/>
+        <a:cs typeface=""/>
+        <a:font script="Jpan" typeface="ＭＳ Ｐゴシック"/>
+        <a:font script="Hang" typeface="맑은 고딕"/>
+        <a:font script="Hans" typeface="宋体"/>
+        <a:font script="Hant" typeface="新細明體"/>
+        <a:font script="Arab" typeface="Arial"/>
+        <a:font script="Hebr" typeface="Arial"/>
+        <a:font script="Thai" typeface="Cordia New"/>
+        <a:font script="Ethi" typeface="Nyala"/>
+        <a:font script="Beng" typeface="Vrinda"/>
+        <a:font script="Gujr" typeface="Shruti"/>
+        <a:font script="Khmr" typeface="DaunPenh"/>
+        <a:font script="Knda" typeface="Tunga"/>
+        <a:font script="Guru" typeface="Raavi"/>
+        <a:font script="Cans" typeface="Euphemia"/>
+        <a:font script="Cher" typeface="Plantagenet Cherokee"/>
+        <a:font script="Yiii" typeface="Microsoft Yi Baiti"/>
+        <a:font script="Tibt" typeface="Microsoft Himalaya"/>
+        <a:font script="Thaa" typeface="MV Boli"/>
+        <a:font script="Deva" typeface="Mangal"/>
+        <a:font script="Telu" typeface="Gautami"/>
+        <a:font script="Taml" typeface="Latha"/>
+        <a:font script="Syrc" typeface="Estrangelo Edessa"/>
+        <a:font script="Orya" typeface="Kalinga"/>
+        <a:font script="Mlym" typeface="Kartika"/>
+        <a:font script="Laoo" typeface="DokChampa"/>
+        <a:font script="Sinh" typeface="Iskoola Pota"/>
+        <a:font script="Mong" typeface="Mongolian Baiti"/>
+        <a:font script="Viet" typeface="Arial"/>
+        <a:font script="Uigh" typeface="Microsoft Uighur"/>
+        <a:font script="Geor" typeface="Sylfaen"/>
+      </a:minorFont>
+    </a:fontScheme>
+    <a:fmtScheme name="Office">
+      <a:fillStyleLst>
+        <a:solidFill>
+          <a:schemeClr val="phClr"/>
+        </a:solidFill>
+        <a:gradFill rotWithShape="1">
+          <a:gsLst>
+            <a:gs pos="0">
+              <a:schemeClr val="phClr">
+                <a:tint val="50000"/>
+                <a:satMod val="300000"/>
+              </a:schemeClr>
+            </a:gs>
+            <a:gs pos="35000">
+              <a:schemeClr val="phClr">
+                <a:tint val="37000"/>
+                <a:satMod val="300000"/>
+              </a:schemeClr>
+            </a:gs>
+            <a:gs pos="100000">
+              <a:schemeClr val="phClr">
+                <a:tint val="15000"/>
+                <a:satMod val="350000"/>
+              </a:schemeClr>
+            </a:gs>
+          </a:gsLst>
+          <a:lin ang="16200000" scaled="1"/>
+        </a:gradFill>
+        <a:gradFill rotWithShape="1">
+          <a:gsLst>
+            <a:gs pos="0">
+              <a:schemeClr val="phClr">
+                <a:tint val="100000"/>
+                <a:shade val="100000"/>
+                <a:satMod val="130000"/>
+              </a:schemeClr>
+            </a:gs>
+            <a:gs pos="100000">
+              <a:schemeClr val="phClr">
+                <a:tint val="50000"/>
+                <a:shade val="100000"/>
+                <a:satMod val="350000"/>
+              </a:schemeClr>
+            </a:gs>
+          </a:gsLst>
+          <a:lin ang="16200000" scaled="0"/>
+        </a:gradFill>
+      </a:fillStyleLst>
+      <a:lnStyleLst>
+        <a:ln w="9525" cap="flat" cmpd="sng" algn="ctr">
+          <a:solidFill>
+            <a:schemeClr val="phClr">
+              <a:shade val="95000"/>
+              <a:satMod val="105000"/>
+            </a:schemeClr>
+          </a:solidFill>
+          <a:prstDash val="solid"/>
+        </a:ln>
+        <a:ln w="25400" cap="flat" cmpd="sng" algn="ctr">
+          <a:solidFill>
+            <a:schemeClr val="phClr"/>
+          </a:solidFill>
+          <a:prstDash val="solid"/>
+        </a:ln>
+        <a:ln w="38100" cap="flat" cmpd="sng" algn="ctr">
+          <a:solidFill>
+            <a:schemeClr val="phClr"/>
+          </a:solidFill>
+          <a:prstDash val="solid"/>
+        </a:ln>
+      </a:lnStyleLst>
+      <a:effectStyleLst>
+        <a:effectStyle>
+          <a:effectLst>
+            <a:outerShdw blurRad="40000" dist="20000" dir="5400000" rotWithShape="0">
+              <a:srgbClr val="000000">
+                <a:alpha val="38000"/>
+              </a:srgbClr>
+            </a:outerShdw>
+          </a:effectLst>
+        </a:effectStyle>
+        <a:effectStyle>
+          <a:effectLst>
+            <a:outerShdw blurRad="40000" dist="23000" dir="5400000" rotWithShape="0">
+              <a:srgbClr val="000000">
+                <a:alpha val="35000"/>
+              </a:srgbClr>
+            </a:outerShdw>
+          </a:effectLst>
+        </a:effectStyle>
+        <a:effectStyle>
+          <a:effectLst>
+            <a:outerShdw blurRad="40000" dist="23000" dir="5400000" rotWithShape="0">
+              <a:srgbClr val="000000">
+                <a:alpha val="35000"/>
+              </a:srgbClr>
+            </a:outerShdw>
+          </a:effectLst>
+          <a:scene3d>
+            <a:camera prst="orthographicFront">
+              <a:rot lat="0" lon="0" rev="0"/>
+            </a:camera>
+            <a:lightRig rig="threePt" dir="t">
+              <a:rot lat="0" lon="0" rev="1200000"/>
+            </a:lightRig>
+          </a:scene3d>
+          <a:sp3d>
+            <a:bevelT w="63500" h="25400"/>
+          </a:sp3d>
+        </a:effectStyle>
+      </a:effectStyleLst>
+      <a:bgFillStyleLst>
+        <a:solidFill>
+          <a:schemeClr val="phClr"/>
+        </a:solidFill>
+        <a:gradFill rotWithShape="1">
+          <a:gsLst>
+            <a:gs pos="0">
+              <a:schemeClr val="phClr">
+                <a:tint val="40000"/>
+                <a:satMod val="350000"/>
+              </a:schemeClr>
+            </a:gs>
+            <a:gs pos="40000">
+              <a:schemeClr val="phClr">
+                <a:tint val="45000"/>
+                <a:shade val="99000"/>
+                <a:satMod val="350000"/>
+              </a:schemeClr>
+            </a:gs>
+            <a:gs pos="100000">
+              <a:schemeClr val="phClr">
+                <a:shade val="20000"/>
+                <a:satMod val="255000"/>
+              </a:schemeClr>
+            </a:gs>
+          </a:gsLst>
+          <a:path path="circle">
+            <a:fillToRect l="50000" t="-80000" r="50000" b="180000"/>
+          </a:path>
+        </a:gradFill>
+        <a:gradFill rotWithShape="1">
+          <a:gsLst>
+            <a:gs pos="0">
+              <a:schemeClr val="phClr">
+                <a:tint val="80000"/>
+                <a:satMod val="300000"/>
+              </a:schemeClr>
+            </a:gs>
+            <a:gs pos="100000">
+              <a:schemeClr val="phClr">
+                <a:shade val="30000"/>
+                <a:satMod val="200000"/>
+              </a:schemeClr>
+            </a:gs>
+          </a:gsLst>
+          <a:path path="circle">
+            <a:fillToRect l="50000" t="50000" r="50000" b="50000"/>
+          </a:path>
+        </a:gradFill>
+      </a:bgFillStyleLst>
+    </a:fmtScheme>
+  </a:themeElements>
+</a:theme>
 </file>
 
-<file path=ppt/theme/theme1.xml><?xml version="1.0" encoding="utf-8"?>
+<file path=ppt/theme/theme2.xml><?xml version="1.0" encoding="utf-8"?>
 <a:theme xmlns:a="http://schemas.openxmlformats.org/drawingml/2006/main" xmlns:r="http://schemas.openxmlformats.org/officeDocument/2006/relationships" name="Streamline">
   <a:themeElements>
     <a:clrScheme name="Streamline">
@@ -11929,283 +12864,4 @@
     </a:fmtScheme>
   </a:themeElements>
 </a:theme>
-</file>
-
-<file path=ppt/theme/theme2.xml><?xml version="1.0" encoding="utf-8"?>
-<a:theme xmlns:a="http://schemas.openxmlformats.org/drawingml/2006/main" xmlns:r="http://schemas.openxmlformats.org/officeDocument/2006/relationships">
-  <a:themeElements>
-    <a:clrScheme name="Default">
-      <a:dk1>
-        <a:srgbClr val="000000"/>
-      </a:dk1>
-      <a:lt1>
-        <a:srgbClr val="FFFFFF"/>
-      </a:lt1>
-      <a:dk2>
-        <a:srgbClr val="158158"/>
-      </a:dk2>
-      <a:lt2>
-        <a:srgbClr val="F3F3F3"/>
-      </a:lt2>
-      <a:accent1>
-        <a:srgbClr val="058DC7"/>
-      </a:accent1>
-      <a:accent2>
-        <a:srgbClr val="50B432"/>
-      </a:accent2>
-      <a:accent3>
-        <a:srgbClr val="ED561B"/>
-      </a:accent3>
-      <a:accent4>
-        <a:srgbClr val="EDEF00"/>
-      </a:accent4>
-      <a:accent5>
-        <a:srgbClr val="24CBE5"/>
-      </a:accent5>
-      <a:accent6>
-        <a:srgbClr val="64E572"/>
-      </a:accent6>
-      <a:hlink>
-        <a:srgbClr val="2200CC"/>
-      </a:hlink>
-      <a:folHlink>
-        <a:srgbClr val="551A8B"/>
-      </a:folHlink>
-    </a:clrScheme>
-    <a:fontScheme name="Office">
-      <a:majorFont>
-        <a:latin typeface="Arial"/>
-        <a:ea typeface=""/>
-        <a:cs typeface=""/>
-        <a:font script="Jpan" typeface="ＭＳ Ｐゴシック"/>
-        <a:font script="Hang" typeface="맑은 고딕"/>
-        <a:font script="Hans" typeface="宋体"/>
-        <a:font script="Hant" typeface="新細明體"/>
-        <a:font script="Arab" typeface="Times New Roman"/>
-        <a:font script="Hebr" typeface="Times New Roman"/>
-        <a:font script="Thai" typeface="Angsana New"/>
-        <a:font script="Ethi" typeface="Nyala"/>
-        <a:font script="Beng" typeface="Vrinda"/>
-        <a:font script="Gujr" typeface="Shruti"/>
-        <a:font script="Khmr" typeface="MoolBoran"/>
-        <a:font script="Knda" typeface="Tunga"/>
-        <a:font script="Guru" typeface="Raavi"/>
-        <a:font script="Cans" typeface="Euphemia"/>
-        <a:font script="Cher" typeface="Plantagenet Cherokee"/>
-        <a:font script="Yiii" typeface="Microsoft Yi Baiti"/>
-        <a:font script="Tibt" typeface="Microsoft Himalaya"/>
-        <a:font script="Thaa" typeface="MV Boli"/>
-        <a:font script="Deva" typeface="Mangal"/>
-        <a:font script="Telu" typeface="Gautami"/>
-        <a:font script="Taml" typeface="Latha"/>
-        <a:font script="Syrc" typeface="Estrangelo Edessa"/>
-        <a:font script="Orya" typeface="Kalinga"/>
-        <a:font script="Mlym" typeface="Kartika"/>
-        <a:font script="Laoo" typeface="DokChampa"/>
-        <a:font script="Sinh" typeface="Iskoola Pota"/>
-        <a:font script="Mong" typeface="Mongolian Baiti"/>
-        <a:font script="Viet" typeface="Times New Roman"/>
-        <a:font script="Uigh" typeface="Microsoft Uighur"/>
-        <a:font script="Geor" typeface="Sylfaen"/>
-      </a:majorFont>
-      <a:minorFont>
-        <a:latin typeface="Arial"/>
-        <a:ea typeface=""/>
-        <a:cs typeface=""/>
-        <a:font script="Jpan" typeface="ＭＳ Ｐゴシック"/>
-        <a:font script="Hang" typeface="맑은 고딕"/>
-        <a:font script="Hans" typeface="宋体"/>
-        <a:font script="Hant" typeface="新細明體"/>
-        <a:font script="Arab" typeface="Arial"/>
-        <a:font script="Hebr" typeface="Arial"/>
-        <a:font script="Thai" typeface="Cordia New"/>
-        <a:font script="Ethi" typeface="Nyala"/>
-        <a:font script="Beng" typeface="Vrinda"/>
-        <a:font script="Gujr" typeface="Shruti"/>
-        <a:font script="Khmr" typeface="DaunPenh"/>
-        <a:font script="Knda" typeface="Tunga"/>
-        <a:font script="Guru" typeface="Raavi"/>
-        <a:font script="Cans" typeface="Euphemia"/>
-        <a:font script="Cher" typeface="Plantagenet Cherokee"/>
-        <a:font script="Yiii" typeface="Microsoft Yi Baiti"/>
-        <a:font script="Tibt" typeface="Microsoft Himalaya"/>
-        <a:font script="Thaa" typeface="MV Boli"/>
-        <a:font script="Deva" typeface="Mangal"/>
-        <a:font script="Telu" typeface="Gautami"/>
-        <a:font script="Taml" typeface="Latha"/>
-        <a:font script="Syrc" typeface="Estrangelo Edessa"/>
-        <a:font script="Orya" typeface="Kalinga"/>
-        <a:font script="Mlym" typeface="Kartika"/>
-        <a:font script="Laoo" typeface="DokChampa"/>
-        <a:font script="Sinh" typeface="Iskoola Pota"/>
-        <a:font script="Mong" typeface="Mongolian Baiti"/>
-        <a:font script="Viet" typeface="Arial"/>
-        <a:font script="Uigh" typeface="Microsoft Uighur"/>
-        <a:font script="Geor" typeface="Sylfaen"/>
-      </a:minorFont>
-    </a:fontScheme>
-    <a:fmtScheme name="Office">
-      <a:fillStyleLst>
-        <a:solidFill>
-          <a:schemeClr val="phClr"/>
-        </a:solidFill>
-        <a:gradFill rotWithShape="1">
-          <a:gsLst>
-            <a:gs pos="0">
-              <a:schemeClr val="phClr">
-                <a:tint val="50000"/>
-                <a:satMod val="300000"/>
-              </a:schemeClr>
-            </a:gs>
-            <a:gs pos="35000">
-              <a:schemeClr val="phClr">
-                <a:tint val="37000"/>
-                <a:satMod val="300000"/>
-              </a:schemeClr>
-            </a:gs>
-            <a:gs pos="100000">
-              <a:schemeClr val="phClr">
-                <a:tint val="15000"/>
-                <a:satMod val="350000"/>
-              </a:schemeClr>
-            </a:gs>
-          </a:gsLst>
-          <a:lin ang="16200000" scaled="1"/>
-        </a:gradFill>
-        <a:gradFill rotWithShape="1">
-          <a:gsLst>
-            <a:gs pos="0">
-              <a:schemeClr val="phClr">
-                <a:tint val="100000"/>
-                <a:shade val="100000"/>
-                <a:satMod val="130000"/>
-              </a:schemeClr>
-            </a:gs>
-            <a:gs pos="100000">
-              <a:schemeClr val="phClr">
-                <a:tint val="50000"/>
-                <a:shade val="100000"/>
-                <a:satMod val="350000"/>
-              </a:schemeClr>
-            </a:gs>
-          </a:gsLst>
-          <a:lin ang="16200000" scaled="0"/>
-        </a:gradFill>
-      </a:fillStyleLst>
-      <a:lnStyleLst>
-        <a:ln w="9525" cap="flat" cmpd="sng" algn="ctr">
-          <a:solidFill>
-            <a:schemeClr val="phClr">
-              <a:shade val="95000"/>
-              <a:satMod val="105000"/>
-            </a:schemeClr>
-          </a:solidFill>
-          <a:prstDash val="solid"/>
-        </a:ln>
-        <a:ln w="25400" cap="flat" cmpd="sng" algn="ctr">
-          <a:solidFill>
-            <a:schemeClr val="phClr"/>
-          </a:solidFill>
-          <a:prstDash val="solid"/>
-        </a:ln>
-        <a:ln w="38100" cap="flat" cmpd="sng" algn="ctr">
-          <a:solidFill>
-            <a:schemeClr val="phClr"/>
-          </a:solidFill>
-          <a:prstDash val="solid"/>
-        </a:ln>
-      </a:lnStyleLst>
-      <a:effectStyleLst>
-        <a:effectStyle>
-          <a:effectLst>
-            <a:outerShdw blurRad="40000" dist="20000" dir="5400000" rotWithShape="0">
-              <a:srgbClr val="000000">
-                <a:alpha val="38000"/>
-              </a:srgbClr>
-            </a:outerShdw>
-          </a:effectLst>
-        </a:effectStyle>
-        <a:effectStyle>
-          <a:effectLst>
-            <a:outerShdw blurRad="40000" dist="23000" dir="5400000" rotWithShape="0">
-              <a:srgbClr val="000000">
-                <a:alpha val="35000"/>
-              </a:srgbClr>
-            </a:outerShdw>
-          </a:effectLst>
-        </a:effectStyle>
-        <a:effectStyle>
-          <a:effectLst>
-            <a:outerShdw blurRad="40000" dist="23000" dir="5400000" rotWithShape="0">
-              <a:srgbClr val="000000">
-                <a:alpha val="35000"/>
-              </a:srgbClr>
-            </a:outerShdw>
-          </a:effectLst>
-          <a:scene3d>
-            <a:camera prst="orthographicFront">
-              <a:rot lat="0" lon="0" rev="0"/>
-            </a:camera>
-            <a:lightRig rig="threePt" dir="t">
-              <a:rot lat="0" lon="0" rev="1200000"/>
-            </a:lightRig>
-          </a:scene3d>
-          <a:sp3d>
-            <a:bevelT w="63500" h="25400"/>
-          </a:sp3d>
-        </a:effectStyle>
-      </a:effectStyleLst>
-      <a:bgFillStyleLst>
-        <a:solidFill>
-          <a:schemeClr val="phClr"/>
-        </a:solidFill>
-        <a:gradFill rotWithShape="1">
-          <a:gsLst>
-            <a:gs pos="0">
-              <a:schemeClr val="phClr">
-                <a:tint val="40000"/>
-                <a:satMod val="350000"/>
-              </a:schemeClr>
-            </a:gs>
-            <a:gs pos="40000">
-              <a:schemeClr val="phClr">
-                <a:tint val="45000"/>
-                <a:shade val="99000"/>
-                <a:satMod val="350000"/>
-              </a:schemeClr>
-            </a:gs>
-            <a:gs pos="100000">
-              <a:schemeClr val="phClr">
-                <a:shade val="20000"/>
-                <a:satMod val="255000"/>
-              </a:schemeClr>
-            </a:gs>
-          </a:gsLst>
-          <a:path path="circle">
-            <a:fillToRect l="50000" t="-80000" r="50000" b="180000"/>
-          </a:path>
-        </a:gradFill>
-        <a:gradFill rotWithShape="1">
-          <a:gsLst>
-            <a:gs pos="0">
-              <a:schemeClr val="phClr">
-                <a:tint val="80000"/>
-                <a:satMod val="300000"/>
-              </a:schemeClr>
-            </a:gs>
-            <a:gs pos="100000">
-              <a:schemeClr val="phClr">
-                <a:shade val="30000"/>
-                <a:satMod val="200000"/>
-              </a:schemeClr>
-            </a:gs>
-          </a:gsLst>
-          <a:path path="circle">
-            <a:fillToRect l="50000" t="50000" r="50000" b="50000"/>
-          </a:path>
-        </a:gradFill>
-      </a:bgFillStyleLst>
-    </a:fmtScheme>
-  </a:themeElements>
-</a:theme>
 </file>